--- a/小组作业/SE2019春-G06-翻转课堂自动程序修复.pptx
+++ b/小组作业/SE2019春-G06-翻转课堂自动程序修复.pptx
@@ -13971,7 +13971,7 @@
           <a:p>
             <a:fld id="{00EDCCCA-0BC9-4E4A-BDA5-57CA6EE6A4D0}" type="datetimeFigureOut">
               <a:rPr lang="zh-CN" altLang="en-US" smtClean="0"/>
-              <a:t>2019/5/6</a:t>
+              <a:t>2019/5/13</a:t>
             </a:fld>
             <a:endParaRPr lang="zh-CN" altLang="en-US"/>
           </a:p>
@@ -48399,7 +48399,7 @@
             </a:r>
             <a:r>
               <a:rPr lang="zh-CN" altLang="en-US" sz="2000" dirty="0"/>
-              <a:t>修复方法仍处在初级阶段</a:t>
+              <a:t>修复方法处在初级阶段</a:t>
             </a:r>
             <a:r>
               <a:rPr lang="en-US" altLang="zh-CN" sz="2000" dirty="0"/>
@@ -48431,7 +48431,7 @@
             </a:r>
             <a:r>
               <a:rPr lang="zh-CN" altLang="en-US" sz="2000" dirty="0"/>
-              <a:t>据已有数据显示</a:t>
+              <a:t>据已仍有数据显示</a:t>
             </a:r>
             <a:r>
               <a:rPr lang="en-US" altLang="zh-CN" sz="2000" dirty="0"/>

--- a/小组作业/SE2019春-G06-翻转课堂自动程序修复.pptx
+++ b/小组作业/SE2019春-G06-翻转课堂自动程序修复.pptx
@@ -5,45 +5,46 @@
     <p:sldMasterId id="2147483648" r:id="rId1"/>
   </p:sldMasterIdLst>
   <p:notesMasterIdLst>
-    <p:notesMasterId r:id="rId4"/>
+    <p:notesMasterId r:id="rId39"/>
   </p:notesMasterIdLst>
   <p:sldIdLst>
-    <p:sldId id="256" r:id="rId3"/>
-    <p:sldId id="259" r:id="rId5"/>
-    <p:sldId id="262" r:id="rId6"/>
-    <p:sldId id="354" r:id="rId7"/>
-    <p:sldId id="309" r:id="rId8"/>
-    <p:sldId id="310" r:id="rId9"/>
-    <p:sldId id="386" r:id="rId10"/>
-    <p:sldId id="268" r:id="rId11"/>
-    <p:sldId id="305" r:id="rId12"/>
-    <p:sldId id="301" r:id="rId13"/>
-    <p:sldId id="311" r:id="rId14"/>
-    <p:sldId id="302" r:id="rId15"/>
-    <p:sldId id="303" r:id="rId16"/>
-    <p:sldId id="304" r:id="rId17"/>
-    <p:sldId id="263" r:id="rId18"/>
-    <p:sldId id="355" r:id="rId19"/>
-    <p:sldId id="358" r:id="rId20"/>
-    <p:sldId id="300" r:id="rId21"/>
-    <p:sldId id="306" r:id="rId22"/>
-    <p:sldId id="307" r:id="rId23"/>
-    <p:sldId id="286" r:id="rId24"/>
-    <p:sldId id="357" r:id="rId25"/>
-    <p:sldId id="356" r:id="rId26"/>
-    <p:sldId id="287" r:id="rId27"/>
-    <p:sldId id="273" r:id="rId28"/>
-    <p:sldId id="288" r:id="rId29"/>
-    <p:sldId id="299" r:id="rId30"/>
-    <p:sldId id="289" r:id="rId31"/>
-    <p:sldId id="291" r:id="rId32"/>
-    <p:sldId id="290" r:id="rId33"/>
-    <p:sldId id="264" r:id="rId34"/>
-    <p:sldId id="292" r:id="rId35"/>
-    <p:sldId id="274" r:id="rId36"/>
-    <p:sldId id="279" r:id="rId37"/>
-    <p:sldId id="359" r:id="rId38"/>
-    <p:sldId id="267" r:id="rId39"/>
+    <p:sldId id="256" r:id="rId2"/>
+    <p:sldId id="259" r:id="rId3"/>
+    <p:sldId id="262" r:id="rId4"/>
+    <p:sldId id="354" r:id="rId5"/>
+    <p:sldId id="309" r:id="rId6"/>
+    <p:sldId id="310" r:id="rId7"/>
+    <p:sldId id="386" r:id="rId8"/>
+    <p:sldId id="268" r:id="rId9"/>
+    <p:sldId id="305" r:id="rId10"/>
+    <p:sldId id="301" r:id="rId11"/>
+    <p:sldId id="311" r:id="rId12"/>
+    <p:sldId id="302" r:id="rId13"/>
+    <p:sldId id="303" r:id="rId14"/>
+    <p:sldId id="304" r:id="rId15"/>
+    <p:sldId id="263" r:id="rId16"/>
+    <p:sldId id="355" r:id="rId17"/>
+    <p:sldId id="358" r:id="rId18"/>
+    <p:sldId id="300" r:id="rId19"/>
+    <p:sldId id="306" r:id="rId20"/>
+    <p:sldId id="307" r:id="rId21"/>
+    <p:sldId id="286" r:id="rId22"/>
+    <p:sldId id="357" r:id="rId23"/>
+    <p:sldId id="356" r:id="rId24"/>
+    <p:sldId id="287" r:id="rId25"/>
+    <p:sldId id="273" r:id="rId26"/>
+    <p:sldId id="288" r:id="rId27"/>
+    <p:sldId id="299" r:id="rId28"/>
+    <p:sldId id="289" r:id="rId29"/>
+    <p:sldId id="291" r:id="rId30"/>
+    <p:sldId id="290" r:id="rId31"/>
+    <p:sldId id="264" r:id="rId32"/>
+    <p:sldId id="292" r:id="rId33"/>
+    <p:sldId id="274" r:id="rId34"/>
+    <p:sldId id="279" r:id="rId35"/>
+    <p:sldId id="359" r:id="rId36"/>
+    <p:sldId id="387" r:id="rId37"/>
+    <p:sldId id="267" r:id="rId38"/>
   </p:sldIdLst>
   <p:sldSz cx="12192000" cy="6858000"/>
   <p:notesSz cx="6858000" cy="9144000"/>
@@ -142,11 +143,42 @@
       </a:defRPr>
     </a:lvl9pPr>
   </p:defaultTextStyle>
+  <p:extLst>
+    <p:ext uri="{EFAFB233-063F-42B5-8137-9DF3F51BA10A}">
+      <p15:sldGuideLst xmlns:p15="http://schemas.microsoft.com/office/powerpoint/2012/main">
+        <p15:guide id="1" pos="3840">
+          <p15:clr>
+            <a:srgbClr val="A4A3A4"/>
+          </p15:clr>
+        </p15:guide>
+        <p15:guide id="2" orient="horz" pos="2160">
+          <p15:clr>
+            <a:srgbClr val="A4A3A4"/>
+          </p15:clr>
+        </p15:guide>
+        <p15:guide id="3" orient="horz" pos="4088">
+          <p15:clr>
+            <a:srgbClr val="A4A3A4"/>
+          </p15:clr>
+        </p15:guide>
+        <p15:guide id="4" pos="234">
+          <p15:clr>
+            <a:srgbClr val="A4A3A4"/>
+          </p15:clr>
+        </p15:guide>
+        <p15:guide id="5" pos="7423">
+          <p15:clr>
+            <a:srgbClr val="A4A3A4"/>
+          </p15:clr>
+        </p15:guide>
+      </p15:sldGuideLst>
+    </p:ext>
+  </p:extLst>
 </p:presentation>
 </file>
 
 <file path=ppt/charts/chart1.xml><?xml version="1.0" encoding="utf-8"?>
-<c:chartSpace xmlns:c="http://schemas.openxmlformats.org/drawingml/2006/chart" xmlns:a="http://schemas.openxmlformats.org/drawingml/2006/main" xmlns:r="http://schemas.openxmlformats.org/officeDocument/2006/relationships">
+<c:chartSpace xmlns:c="http://schemas.openxmlformats.org/drawingml/2006/chart" xmlns:a="http://schemas.openxmlformats.org/drawingml/2006/main" xmlns:r="http://schemas.openxmlformats.org/officeDocument/2006/relationships" xmlns:c16r2="http://schemas.microsoft.com/office/drawing/2015/06/chart">
   <c:date1904 val="0"/>
   <c:lang val="zh-CN"/>
   <c:roundedCorners val="0"/>
@@ -167,9 +199,9 @@
           <c:xMode val="edge"/>
           <c:yMode val="edge"/>
           <c:x val="0"/>
-          <c:y val="0.0474656260451638"/>
+          <c:y val="4.74656260451638E-2"/>
           <c:w val="1"/>
-          <c:h val="0.956923907669543"/>
+          <c:h val="0.95692390766954305"/>
         </c:manualLayout>
       </c:layout>
       <c:doughnutChart>
@@ -193,7 +225,6 @@
               <a:noFill/>
             </a:ln>
           </c:spPr>
-          <c:explosion val="0"/>
           <c:dPt>
             <c:idx val="0"/>
             <c:bubble3D val="0"/>
@@ -206,6 +237,11 @@
               </a:ln>
               <a:effectLst/>
             </c:spPr>
+            <c:extLst>
+              <c:ext xmlns:c16="http://schemas.microsoft.com/office/drawing/2014/chart" uri="{C3380CC4-5D6E-409C-BE32-E72D297353CC}">
+                <c16:uniqueId val="{00000001-6D60-47C8-A87D-D00E2247C7F6}"/>
+              </c:ext>
+            </c:extLst>
           </c:dPt>
           <c:dPt>
             <c:idx val="1"/>
@@ -217,10 +253,12 @@
               </a:ln>
               <a:effectLst/>
             </c:spPr>
+            <c:extLst>
+              <c:ext xmlns:c16="http://schemas.microsoft.com/office/drawing/2014/chart" uri="{C3380CC4-5D6E-409C-BE32-E72D297353CC}">
+                <c16:uniqueId val="{00000003-6D60-47C8-A87D-D00E2247C7F6}"/>
+              </c:ext>
+            </c:extLst>
           </c:dPt>
-          <c:dLbls>
-            <c:delete val="1"/>
-          </c:dLbls>
           <c:cat>
             <c:strRef>
               <c:f>Sheet1!$A$2:$A$3</c:f>
@@ -250,6 +288,11 @@
               </c:numCache>
             </c:numRef>
           </c:val>
+          <c:extLst>
+            <c:ext xmlns:c16="http://schemas.microsoft.com/office/drawing/2014/chart" uri="{C3380CC4-5D6E-409C-BE32-E72D297353CC}">
+              <c16:uniqueId val="{00000004-6D60-47C8-A87D-D00E2247C7F6}"/>
+            </c:ext>
+          </c:extLst>
         </c:ser>
         <c:ser>
           <c:idx val="1"/>
@@ -270,7 +313,6 @@
               <a:noFill/>
             </a:ln>
           </c:spPr>
-          <c:explosion val="0"/>
           <c:dPt>
             <c:idx val="0"/>
             <c:bubble3D val="0"/>
@@ -281,6 +323,11 @@
               </a:ln>
               <a:effectLst/>
             </c:spPr>
+            <c:extLst>
+              <c:ext xmlns:c16="http://schemas.microsoft.com/office/drawing/2014/chart" uri="{C3380CC4-5D6E-409C-BE32-E72D297353CC}">
+                <c16:uniqueId val="{00000006-6D60-47C8-A87D-D00E2247C7F6}"/>
+              </c:ext>
+            </c:extLst>
           </c:dPt>
           <c:dPt>
             <c:idx val="1"/>
@@ -292,10 +339,12 @@
               </a:ln>
               <a:effectLst/>
             </c:spPr>
+            <c:extLst>
+              <c:ext xmlns:c16="http://schemas.microsoft.com/office/drawing/2014/chart" uri="{C3380CC4-5D6E-409C-BE32-E72D297353CC}">
+                <c16:uniqueId val="{00000008-6D60-47C8-A87D-D00E2247C7F6}"/>
+              </c:ext>
+            </c:extLst>
           </c:dPt>
-          <c:dLbls>
-            <c:delete val="1"/>
-          </c:dLbls>
           <c:cat>
             <c:strRef>
               <c:f>Sheet1!$A$2:$A$3</c:f>
@@ -325,6 +374,11 @@
               </c:numCache>
             </c:numRef>
           </c:val>
+          <c:extLst>
+            <c:ext xmlns:c16="http://schemas.microsoft.com/office/drawing/2014/chart" uri="{C3380CC4-5D6E-409C-BE32-E72D297353CC}">
+              <c16:uniqueId val="{00000009-6D60-47C8-A87D-D00E2247C7F6}"/>
+            </c:ext>
+          </c:extLst>
         </c:ser>
         <c:ser>
           <c:idx val="2"/>
@@ -345,7 +399,6 @@
               <a:noFill/>
             </a:ln>
           </c:spPr>
-          <c:explosion val="0"/>
           <c:dPt>
             <c:idx val="0"/>
             <c:bubble3D val="0"/>
@@ -358,6 +411,11 @@
               </a:ln>
               <a:effectLst/>
             </c:spPr>
+            <c:extLst>
+              <c:ext xmlns:c16="http://schemas.microsoft.com/office/drawing/2014/chart" uri="{C3380CC4-5D6E-409C-BE32-E72D297353CC}">
+                <c16:uniqueId val="{0000000B-6D60-47C8-A87D-D00E2247C7F6}"/>
+              </c:ext>
+            </c:extLst>
           </c:dPt>
           <c:dPt>
             <c:idx val="1"/>
@@ -369,10 +427,12 @@
               </a:ln>
               <a:effectLst/>
             </c:spPr>
+            <c:extLst>
+              <c:ext xmlns:c16="http://schemas.microsoft.com/office/drawing/2014/chart" uri="{C3380CC4-5D6E-409C-BE32-E72D297353CC}">
+                <c16:uniqueId val="{0000000D-6D60-47C8-A87D-D00E2247C7F6}"/>
+              </c:ext>
+            </c:extLst>
           </c:dPt>
-          <c:dLbls>
-            <c:delete val="1"/>
-          </c:dLbls>
           <c:cat>
             <c:strRef>
               <c:f>Sheet1!$A$2:$A$3</c:f>
@@ -402,6 +462,11 @@
               </c:numCache>
             </c:numRef>
           </c:val>
+          <c:extLst>
+            <c:ext xmlns:c16="http://schemas.microsoft.com/office/drawing/2014/chart" uri="{C3380CC4-5D6E-409C-BE32-E72D297353CC}">
+              <c16:uniqueId val="{0000000E-6D60-47C8-A87D-D00E2247C7F6}"/>
+            </c:ext>
+          </c:extLst>
         </c:ser>
         <c:dLbls>
           <c:showLegendKey val="0"/>
@@ -441,16 +506,17 @@
       <a:pPr>
         <a:defRPr lang="zh-CN"/>
       </a:pPr>
+      <a:endParaRPr lang="zh-CN"/>
     </a:p>
   </c:txPr>
-  <c:externalData r:id="rId1">
+  <c:externalData r:id="rId3">
     <c:autoUpdate val="0"/>
   </c:externalData>
 </c:chartSpace>
 </file>
 
 <file path=ppt/charts/chart2.xml><?xml version="1.0" encoding="utf-8"?>
-<c:chartSpace xmlns:c="http://schemas.openxmlformats.org/drawingml/2006/chart" xmlns:a="http://schemas.openxmlformats.org/drawingml/2006/main" xmlns:r="http://schemas.openxmlformats.org/officeDocument/2006/relationships">
+<c:chartSpace xmlns:c="http://schemas.openxmlformats.org/drawingml/2006/chart" xmlns:a="http://schemas.openxmlformats.org/drawingml/2006/main" xmlns:r="http://schemas.openxmlformats.org/officeDocument/2006/relationships" xmlns:c16r2="http://schemas.microsoft.com/office/drawing/2015/06/chart">
   <c:date1904 val="0"/>
   <c:lang val="zh-CN"/>
   <c:roundedCorners val="0"/>
@@ -470,10 +536,10 @@
           <c:layoutTarget val="inner"/>
           <c:xMode val="edge"/>
           <c:yMode val="edge"/>
-          <c:x val="0.000286649780195273"/>
+          <c:x val="2.8664978019527301E-4"/>
           <c:y val="0.156336985757351"/>
-          <c:w val="0.957007811376004"/>
-          <c:h val="0.61178169512293"/>
+          <c:w val="0.95700781137600399"/>
+          <c:h val="0.61178169512293001"/>
         </c:manualLayout>
       </c:layout>
       <c:lineChart>
@@ -528,6 +594,11 @@
                 </a:outerShdw>
               </a:effectLst>
             </c:spPr>
+            <c:extLst>
+              <c:ext xmlns:c16="http://schemas.microsoft.com/office/drawing/2014/chart" uri="{C3380CC4-5D6E-409C-BE32-E72D297353CC}">
+                <c16:uniqueId val="{00000001-301B-4A68-B3EF-986127659352}"/>
+              </c:ext>
+            </c:extLst>
           </c:dPt>
           <c:dPt>
             <c:idx val="2"/>
@@ -548,24 +619,26 @@
                 </a:outerShdw>
               </a:effectLst>
             </c:spPr>
+            <c:extLst>
+              <c:ext xmlns:c16="http://schemas.microsoft.com/office/drawing/2014/chart" uri="{C3380CC4-5D6E-409C-BE32-E72D297353CC}">
+                <c16:uniqueId val="{00000003-301B-4A68-B3EF-986127659352}"/>
+              </c:ext>
+            </c:extLst>
           </c:dPt>
           <c:dLbls>
             <c:dLbl>
               <c:idx val="0"/>
-              <c:layout/>
               <c:tx>
                 <c:rich>
-                  <a:bodyPr rot="0" spcFirstLastPara="1" vertOverflow="ellipsis" vert="horz" wrap="square" lIns="38100" tIns="19050" rIns="38100" bIns="19050" anchor="ctr" anchorCtr="1"/>
+                  <a:bodyPr/>
                   <a:lstStyle/>
                   <a:p>
-                    <a:fld id="{86ca6965-607b-47ff-89a4-641db77231ca}" type="VALUE">
-                      <a:t>[VALUE]</a:t>
+                    <a:fld id="{86CA6965-607B-47FF-89A4-641DB77231CA}" type="VALUE">
+                      <a:rPr lang="zh-CN" altLang="en-US"/>
+                      <a:pPr/>
+                      <a:t>[值]</a:t>
                     </a:fld>
-                    <a:endParaRPr lang="en-US" altLang="zh-CN" b="0" i="0" u="none" strike="noStrike" baseline="0">
-                      <a:latin typeface="Arial" panose="020B0604020202020204" pitchFamily="34" charset="0"/>
-                      <a:ea typeface="Arial" panose="020B0604020202020204" pitchFamily="34" charset="0"/>
-                      <a:cs typeface="+mn-ea"/>
-                    </a:endParaRPr>
+                    <a:endParaRPr lang="zh-CN" altLang="en-US"/>
                   </a:p>
                 </c:rich>
               </c:tx>
@@ -577,25 +650,28 @@
               <c:showPercent val="0"/>
               <c:showBubbleSize val="0"/>
               <c:extLst>
-                <c:ext xmlns:c15="http://schemas.microsoft.com/office/drawing/2012/chart" uri="{CE6537A1-D6FC-4f65-9D91-7224C49458BB}"/>
+                <c:ext xmlns:c15="http://schemas.microsoft.com/office/drawing/2012/chart" uri="{CE6537A1-D6FC-4f65-9D91-7224C49458BB}">
+                  <c15:dlblFieldTable/>
+                  <c15:showDataLabelsRange val="0"/>
+                </c:ext>
+                <c:ext xmlns:c16="http://schemas.microsoft.com/office/drawing/2014/chart" uri="{C3380CC4-5D6E-409C-BE32-E72D297353CC}">
+                  <c16:uniqueId val="{00000004-301B-4A68-B3EF-986127659352}"/>
+                </c:ext>
               </c:extLst>
             </c:dLbl>
             <c:dLbl>
               <c:idx val="1"/>
-              <c:layout/>
               <c:tx>
                 <c:rich>
-                  <a:bodyPr rot="0" spcFirstLastPara="1" vertOverflow="ellipsis" vert="horz" wrap="square" lIns="38100" tIns="19050" rIns="38100" bIns="19050" anchor="ctr" anchorCtr="1"/>
+                  <a:bodyPr/>
                   <a:lstStyle/>
                   <a:p>
-                    <a:fld id="{8ee40000-425b-443a-958a-6ddf4a22d654}" type="VALUE">
-                      <a:t>[VALUE]</a:t>
+                    <a:fld id="{8EE40000-425B-443A-958A-6DDF4A22D654}" type="VALUE">
+                      <a:rPr lang="zh-CN" altLang="en-US"/>
+                      <a:pPr/>
+                      <a:t>[值]</a:t>
                     </a:fld>
-                    <a:endParaRPr lang="en-US" altLang="zh-CN" b="0" i="0" u="none" strike="noStrike" baseline="0">
-                      <a:latin typeface="Arial" panose="020B0604020202020204" pitchFamily="34" charset="0"/>
-                      <a:ea typeface="Arial" panose="020B0604020202020204" pitchFamily="34" charset="0"/>
-                      <a:cs typeface="+mn-ea"/>
-                    </a:endParaRPr>
+                    <a:endParaRPr lang="zh-CN" altLang="en-US"/>
                   </a:p>
                 </c:rich>
               </c:tx>
@@ -607,25 +683,28 @@
               <c:showPercent val="0"/>
               <c:showBubbleSize val="0"/>
               <c:extLst>
-                <c:ext xmlns:c15="http://schemas.microsoft.com/office/drawing/2012/chart" uri="{CE6537A1-D6FC-4f65-9D91-7224C49458BB}"/>
+                <c:ext xmlns:c15="http://schemas.microsoft.com/office/drawing/2012/chart" uri="{CE6537A1-D6FC-4f65-9D91-7224C49458BB}">
+                  <c15:dlblFieldTable/>
+                  <c15:showDataLabelsRange val="0"/>
+                </c:ext>
+                <c:ext xmlns:c16="http://schemas.microsoft.com/office/drawing/2014/chart" uri="{C3380CC4-5D6E-409C-BE32-E72D297353CC}">
+                  <c16:uniqueId val="{00000001-301B-4A68-B3EF-986127659352}"/>
+                </c:ext>
               </c:extLst>
             </c:dLbl>
             <c:dLbl>
               <c:idx val="2"/>
-              <c:layout/>
               <c:tx>
                 <c:rich>
-                  <a:bodyPr rot="0" spcFirstLastPara="1" vertOverflow="ellipsis" vert="horz" wrap="square" lIns="38100" tIns="19050" rIns="38100" bIns="19050" anchor="ctr" anchorCtr="1"/>
+                  <a:bodyPr/>
                   <a:lstStyle/>
                   <a:p>
-                    <a:fld id="{79c5fa82-ca66-4d32-b51d-fb3efc3967da}" type="VALUE">
-                      <a:t>[VALUE]</a:t>
+                    <a:fld id="{79C5FA82-CA66-4D32-B51D-FB3EFC3967DA}" type="VALUE">
+                      <a:rPr lang="zh-CN" altLang="en-US"/>
+                      <a:pPr/>
+                      <a:t>[值]</a:t>
                     </a:fld>
-                    <a:endParaRPr lang="en-US" altLang="zh-CN" b="0" i="0" u="none" strike="noStrike" baseline="0">
-                      <a:latin typeface="Arial" panose="020B0604020202020204" pitchFamily="34" charset="0"/>
-                      <a:ea typeface="Arial" panose="020B0604020202020204" pitchFamily="34" charset="0"/>
-                      <a:cs typeface="+mn-ea"/>
-                    </a:endParaRPr>
+                    <a:endParaRPr lang="zh-CN" altLang="en-US"/>
                   </a:p>
                 </c:rich>
               </c:tx>
@@ -637,7 +716,13 @@
               <c:showPercent val="0"/>
               <c:showBubbleSize val="0"/>
               <c:extLst>
-                <c:ext xmlns:c15="http://schemas.microsoft.com/office/drawing/2012/chart" uri="{CE6537A1-D6FC-4f65-9D91-7224C49458BB}"/>
+                <c:ext xmlns:c15="http://schemas.microsoft.com/office/drawing/2012/chart" uri="{CE6537A1-D6FC-4f65-9D91-7224C49458BB}">
+                  <c15:dlblFieldTable/>
+                  <c15:showDataLabelsRange val="0"/>
+                </c:ext>
+                <c:ext xmlns:c16="http://schemas.microsoft.com/office/drawing/2014/chart" uri="{C3380CC4-5D6E-409C-BE32-E72D297353CC}">
+                  <c16:uniqueId val="{00000003-301B-4A68-B3EF-986127659352}"/>
+                </c:ext>
               </c:extLst>
             </c:dLbl>
             <c:spPr>
@@ -667,6 +752,7 @@
                     <a:cs typeface="+mn-cs"/>
                   </a:defRPr>
                 </a:pPr>
+                <a:endParaRPr lang="zh-CN"/>
               </a:p>
             </c:txPr>
             <c:dLblPos val="ctr"/>
@@ -679,7 +765,6 @@
             <c:showLeaderLines val="0"/>
             <c:extLst>
               <c:ext xmlns:c15="http://schemas.microsoft.com/office/drawing/2012/chart" uri="{CE6537A1-D6FC-4f65-9D91-7224C49458BB}">
-                <c15:layout/>
                 <c15:showLeaderLines val="1"/>
                 <c15:leaderLines>
                   <c:spPr>
@@ -733,6 +818,11 @@
             </c:numRef>
           </c:val>
           <c:smooth val="0"/>
+          <c:extLst>
+            <c:ext xmlns:c16="http://schemas.microsoft.com/office/drawing/2014/chart" uri="{C3380CC4-5D6E-409C-BE32-E72D297353CC}">
+              <c16:uniqueId val="{00000005-301B-4A68-B3EF-986127659352}"/>
+            </c:ext>
+          </c:extLst>
         </c:ser>
         <c:dLbls>
           <c:showLegendKey val="0"/>
@@ -753,7 +843,6 @@
             <a:effectLst/>
           </c:spPr>
         </c:dropLines>
-        <c:marker val="0"/>
         <c:smooth val="0"/>
         <c:axId val="532408000"/>
         <c:axId val="532408392"/>
@@ -790,6 +879,7 @@
                 <a:cs typeface="+mn-cs"/>
               </a:defRPr>
             </a:pPr>
+            <a:endParaRPr lang="zh-CN"/>
           </a:p>
         </c:txPr>
         <c:crossAx val="532408392"/>
@@ -810,22 +900,6 @@
         <c:majorTickMark val="none"/>
         <c:minorTickMark val="none"/>
         <c:tickLblPos val="nextTo"/>
-        <c:txPr>
-          <a:bodyPr rot="-60000000" spcFirstLastPara="0" vertOverflow="ellipsis" vert="horz" wrap="square" anchor="ctr" anchorCtr="1"/>
-          <a:lstStyle/>
-          <a:p>
-            <a:pPr>
-              <a:defRPr lang="zh-CN" sz="1195" b="0" i="0" u="none" strike="noStrike" kern="1200" baseline="0">
-                <a:solidFill>
-                  <a:schemeClr val="lt1"/>
-                </a:solidFill>
-                <a:latin typeface="+mn-lt"/>
-                <a:ea typeface="+mn-ea"/>
-                <a:cs typeface="+mn-cs"/>
-              </a:defRPr>
-            </a:pPr>
-          </a:p>
-        </c:txPr>
         <c:crossAx val="532408000"/>
         <c:crosses val="autoZero"/>
         <c:crossBetween val="between"/>
@@ -861,16 +935,17 @@
       <a:pPr>
         <a:defRPr lang="zh-CN"/>
       </a:pPr>
+      <a:endParaRPr lang="zh-CN"/>
     </a:p>
   </c:txPr>
-  <c:externalData r:id="rId1">
+  <c:externalData r:id="rId3">
     <c:autoUpdate val="0"/>
   </c:externalData>
 </c:chartSpace>
 </file>
 
 <file path=ppt/charts/chart3.xml><?xml version="1.0" encoding="utf-8"?>
-<c:chartSpace xmlns:c="http://schemas.openxmlformats.org/drawingml/2006/chart" xmlns:a="http://schemas.openxmlformats.org/drawingml/2006/main" xmlns:r="http://schemas.openxmlformats.org/officeDocument/2006/relationships">
+<c:chartSpace xmlns:c="http://schemas.openxmlformats.org/drawingml/2006/chart" xmlns:a="http://schemas.openxmlformats.org/drawingml/2006/main" xmlns:r="http://schemas.openxmlformats.org/officeDocument/2006/relationships" xmlns:c16r2="http://schemas.microsoft.com/office/drawing/2015/06/chart">
   <c:date1904 val="0"/>
   <c:lang val="zh-CN"/>
   <c:roundedCorners val="0"/>
@@ -910,11 +985,9 @@
               <a:rPr lang="zh-CN" sz="2400" b="1" baseline="0" dirty="0"/>
               <a:t>集数据分类</a:t>
             </a:r>
-            <a:endParaRPr lang="zh-CN" sz="2400" b="1" baseline="0" dirty="0"/>
           </a:p>
         </c:rich>
       </c:tx>
-      <c:layout/>
       <c:overlay val="0"/>
       <c:spPr>
         <a:noFill/>
@@ -923,6 +996,26 @@
         </a:ln>
         <a:effectLst/>
       </c:spPr>
+      <c:txPr>
+        <a:bodyPr rot="0" spcFirstLastPara="1" vertOverflow="ellipsis" vert="horz" wrap="square" anchor="ctr" anchorCtr="1"/>
+        <a:lstStyle/>
+        <a:p>
+          <a:pPr>
+            <a:defRPr lang="zh-CN" sz="2400" b="0" i="0" u="none" strike="noStrike" kern="1200" spc="0" baseline="0">
+              <a:solidFill>
+                <a:schemeClr val="tx1">
+                  <a:lumMod val="65000"/>
+                  <a:lumOff val="35000"/>
+                </a:schemeClr>
+              </a:solidFill>
+              <a:latin typeface="+mn-lt"/>
+              <a:ea typeface="+mn-ea"/>
+              <a:cs typeface="+mn-cs"/>
+            </a:defRPr>
+          </a:pPr>
+          <a:endParaRPr lang="zh-CN"/>
+        </a:p>
+      </c:txPr>
     </c:title>
     <c:autoTitleDeleted val="0"/>
     <c:plotArea>
@@ -943,8 +1036,6 @@
               </c:strCache>
             </c:strRef>
           </c:tx>
-          <c:spPr/>
-          <c:explosion val="0"/>
           <c:dPt>
             <c:idx val="0"/>
             <c:bubble3D val="0"/>
@@ -959,6 +1050,11 @@
               </a:ln>
               <a:effectLst/>
             </c:spPr>
+            <c:extLst>
+              <c:ext xmlns:c16="http://schemas.microsoft.com/office/drawing/2014/chart" uri="{C3380CC4-5D6E-409C-BE32-E72D297353CC}">
+                <c16:uniqueId val="{00000001-A5DB-4504-BE6D-9E42B0190988}"/>
+              </c:ext>
+            </c:extLst>
           </c:dPt>
           <c:dPt>
             <c:idx val="1"/>
@@ -974,6 +1070,11 @@
               </a:ln>
               <a:effectLst/>
             </c:spPr>
+            <c:extLst>
+              <c:ext xmlns:c16="http://schemas.microsoft.com/office/drawing/2014/chart" uri="{C3380CC4-5D6E-409C-BE32-E72D297353CC}">
+                <c16:uniqueId val="{00000003-A5DB-4504-BE6D-9E42B0190988}"/>
+              </c:ext>
+            </c:extLst>
           </c:dPt>
           <c:dPt>
             <c:idx val="2"/>
@@ -989,6 +1090,11 @@
               </a:ln>
               <a:effectLst/>
             </c:spPr>
+            <c:extLst>
+              <c:ext xmlns:c16="http://schemas.microsoft.com/office/drawing/2014/chart" uri="{C3380CC4-5D6E-409C-BE32-E72D297353CC}">
+                <c16:uniqueId val="{00000005-A5DB-4504-BE6D-9E42B0190988}"/>
+              </c:ext>
+            </c:extLst>
           </c:dPt>
           <c:dPt>
             <c:idx val="3"/>
@@ -1004,6 +1110,11 @@
               </a:ln>
               <a:effectLst/>
             </c:spPr>
+            <c:extLst>
+              <c:ext xmlns:c16="http://schemas.microsoft.com/office/drawing/2014/chart" uri="{C3380CC4-5D6E-409C-BE32-E72D297353CC}">
+                <c16:uniqueId val="{00000007-A5DB-4504-BE6D-9E42B0190988}"/>
+              </c:ext>
+            </c:extLst>
           </c:dPt>
           <c:dPt>
             <c:idx val="4"/>
@@ -1019,6 +1130,11 @@
               </a:ln>
               <a:effectLst/>
             </c:spPr>
+            <c:extLst>
+              <c:ext xmlns:c16="http://schemas.microsoft.com/office/drawing/2014/chart" uri="{C3380CC4-5D6E-409C-BE32-E72D297353CC}">
+                <c16:uniqueId val="{00000009-A5DB-4504-BE6D-9E42B0190988}"/>
+              </c:ext>
+            </c:extLst>
           </c:dPt>
           <c:dPt>
             <c:idx val="5"/>
@@ -1034,10 +1150,12 @@
               </a:ln>
               <a:effectLst/>
             </c:spPr>
+            <c:extLst>
+              <c:ext xmlns:c16="http://schemas.microsoft.com/office/drawing/2014/chart" uri="{C3380CC4-5D6E-409C-BE32-E72D297353CC}">
+                <c16:uniqueId val="{0000000B-A5DB-4504-BE6D-9E42B0190988}"/>
+              </c:ext>
+            </c:extLst>
           </c:dPt>
-          <c:dLbls>
-            <c:delete val="1"/>
-          </c:dLbls>
           <c:cat>
             <c:strRef>
               <c:f>Sheet1!$A$2:$A$7</c:f>
@@ -1091,6 +1209,11 @@
               </c:numCache>
             </c:numRef>
           </c:val>
+          <c:extLst>
+            <c:ext xmlns:c16="http://schemas.microsoft.com/office/drawing/2014/chart" uri="{C3380CC4-5D6E-409C-BE32-E72D297353CC}">
+              <c16:uniqueId val="{0000000C-A5DB-4504-BE6D-9E42B0190988}"/>
+            </c:ext>
+          </c:extLst>
         </c:ser>
         <c:dLbls>
           <c:showLegendKey val="0"/>
@@ -1113,7 +1236,6 @@
     </c:plotArea>
     <c:legend>
       <c:legendPos val="b"/>
-      <c:layout/>
       <c:overlay val="0"/>
       <c:spPr>
         <a:noFill/>
@@ -1139,6 +1261,7 @@
               <a:cs typeface="+mn-cs"/>
             </a:defRPr>
           </a:pPr>
+          <a:endParaRPr lang="zh-CN"/>
         </a:p>
       </c:txPr>
     </c:legend>
@@ -1160,9 +1283,10 @@
       <a:pPr>
         <a:defRPr lang="zh-CN"/>
       </a:pPr>
+      <a:endParaRPr lang="zh-CN"/>
     </a:p>
   </c:txPr>
-  <c:externalData r:id="rId1">
+  <c:externalData r:id="rId3">
     <c:autoUpdate val="0"/>
   </c:externalData>
 </c:chartSpace>
@@ -5933,7 +6057,7 @@
         </a:p>
       </dgm:t>
     </dgm:pt>
-    <dgm:pt modelId="{8B50D62C-2954-45F0-8A45-9FB254D1EC34}" cxnId="{7FA2EE13-D573-4A98-810D-3281F47F70F1}" type="parTrans">
+    <dgm:pt modelId="{8B50D62C-2954-45F0-8A45-9FB254D1EC34}" type="parTrans" cxnId="{7FA2EE13-D573-4A98-810D-3281F47F70F1}">
       <dgm:prSet/>
       <dgm:spPr/>
       <dgm:t>
@@ -5944,7 +6068,7 @@
         </a:p>
       </dgm:t>
     </dgm:pt>
-    <dgm:pt modelId="{20ED9948-2C9A-4616-8F85-809EA78DAC47}" cxnId="{7FA2EE13-D573-4A98-810D-3281F47F70F1}" type="sibTrans">
+    <dgm:pt modelId="{20ED9948-2C9A-4616-8F85-809EA78DAC47}" type="sibTrans" cxnId="{7FA2EE13-D573-4A98-810D-3281F47F70F1}">
       <dgm:prSet/>
       <dgm:spPr/>
       <dgm:t>
@@ -5986,7 +6110,7 @@
         </a:p>
       </dgm:t>
     </dgm:pt>
-    <dgm:pt modelId="{1F526DB5-72C9-4A16-8FFF-2448F6E70992}" cxnId="{7A985181-A85A-4BEB-B8A5-BB654D7E6749}" type="parTrans">
+    <dgm:pt modelId="{1F526DB5-72C9-4A16-8FFF-2448F6E70992}" type="parTrans" cxnId="{7A985181-A85A-4BEB-B8A5-BB654D7E6749}">
       <dgm:prSet/>
       <dgm:spPr/>
       <dgm:t>
@@ -5997,7 +6121,7 @@
         </a:p>
       </dgm:t>
     </dgm:pt>
-    <dgm:pt modelId="{61A422ED-E252-4607-B59A-D71403CA9DB9}" cxnId="{7A985181-A85A-4BEB-B8A5-BB654D7E6749}" type="sibTrans">
+    <dgm:pt modelId="{61A422ED-E252-4607-B59A-D71403CA9DB9}" type="sibTrans" cxnId="{7A985181-A85A-4BEB-B8A5-BB654D7E6749}">
       <dgm:prSet/>
       <dgm:spPr/>
       <dgm:t>
@@ -6064,7 +6188,7 @@
         </a:p>
       </dgm:t>
     </dgm:pt>
-    <dgm:pt modelId="{2D46FAFB-7748-40A6-BAE0-F62E6AD4DF3B}" cxnId="{C5AEF5E3-3AE6-406D-A9EA-AA3ACC731B4F}" type="parTrans">
+    <dgm:pt modelId="{2D46FAFB-7748-40A6-BAE0-F62E6AD4DF3B}" type="parTrans" cxnId="{C5AEF5E3-3AE6-406D-A9EA-AA3ACC731B4F}">
       <dgm:prSet/>
       <dgm:spPr/>
       <dgm:t>
@@ -6075,7 +6199,7 @@
         </a:p>
       </dgm:t>
     </dgm:pt>
-    <dgm:pt modelId="{51E953E5-2852-4A32-A4AD-0F69060E70D9}" cxnId="{C5AEF5E3-3AE6-406D-A9EA-AA3ACC731B4F}" type="sibTrans">
+    <dgm:pt modelId="{51E953E5-2852-4A32-A4AD-0F69060E70D9}" type="sibTrans" cxnId="{C5AEF5E3-3AE6-406D-A9EA-AA3ACC731B4F}">
       <dgm:prSet/>
       <dgm:spPr/>
       <dgm:t>
@@ -6188,7 +6312,7 @@
   <dgm:whole/>
   <dgm:extLst>
     <a:ext uri="http://schemas.microsoft.com/office/drawing/2008/diagram">
-      <dsp:dataModelExt xmlns:dsp="http://schemas.microsoft.com/office/drawing/2008/diagram" relId="rId5" minVer="http://schemas.openxmlformats.org/drawingml/2006/diagram"/>
+      <dsp:dataModelExt xmlns:dsp="http://schemas.microsoft.com/office/drawing/2008/diagram" relId="rId7" minVer="http://schemas.openxmlformats.org/drawingml/2006/diagram"/>
     </a:ext>
   </dgm:extLst>
 </dgm:dataModel>
@@ -6223,7 +6347,7 @@
         </a:p>
       </dgm:t>
     </dgm:pt>
-    <dgm:pt modelId="{4E15428D-6821-46E7-A1D6-8426A275D8F2}" cxnId="{94070967-F5BB-45B0-99B1-981423DC5A52}" type="parTrans">
+    <dgm:pt modelId="{4E15428D-6821-46E7-A1D6-8426A275D8F2}" type="parTrans" cxnId="{94070967-F5BB-45B0-99B1-981423DC5A52}">
       <dgm:prSet/>
       <dgm:spPr/>
       <dgm:t>
@@ -6234,7 +6358,7 @@
         </a:p>
       </dgm:t>
     </dgm:pt>
-    <dgm:pt modelId="{93FA7794-4D14-4FB1-B571-F26317A33ACA}" cxnId="{94070967-F5BB-45B0-99B1-981423DC5A52}" type="sibTrans">
+    <dgm:pt modelId="{93FA7794-4D14-4FB1-B571-F26317A33ACA}" type="sibTrans" cxnId="{94070967-F5BB-45B0-99B1-981423DC5A52}">
       <dgm:prSet/>
       <dgm:spPr/>
       <dgm:t>
@@ -6265,7 +6389,7 @@
         </a:p>
       </dgm:t>
     </dgm:pt>
-    <dgm:pt modelId="{77DCB948-6D3C-405C-9D74-3CBBD0FF7346}" cxnId="{8FB644F7-826A-4216-A8CA-658044595D7B}" type="parTrans">
+    <dgm:pt modelId="{77DCB948-6D3C-405C-9D74-3CBBD0FF7346}" type="parTrans" cxnId="{8FB644F7-826A-4216-A8CA-658044595D7B}">
       <dgm:prSet/>
       <dgm:spPr/>
       <dgm:t>
@@ -6276,7 +6400,7 @@
         </a:p>
       </dgm:t>
     </dgm:pt>
-    <dgm:pt modelId="{2E500C93-E4D6-4993-9EF6-962BC559E79E}" cxnId="{8FB644F7-826A-4216-A8CA-658044595D7B}" type="sibTrans">
+    <dgm:pt modelId="{2E500C93-E4D6-4993-9EF6-962BC559E79E}" type="sibTrans" cxnId="{8FB644F7-826A-4216-A8CA-658044595D7B}">
       <dgm:prSet/>
       <dgm:spPr/>
       <dgm:t>
@@ -6307,7 +6431,7 @@
         </a:p>
       </dgm:t>
     </dgm:pt>
-    <dgm:pt modelId="{5D3B6877-D2EF-4D57-B4E6-6CBA9B5BC1ED}" cxnId="{0DE92535-65D1-4AEE-B082-E4EE17147A7E}" type="parTrans">
+    <dgm:pt modelId="{5D3B6877-D2EF-4D57-B4E6-6CBA9B5BC1ED}" type="parTrans" cxnId="{0DE92535-65D1-4AEE-B082-E4EE17147A7E}">
       <dgm:prSet/>
       <dgm:spPr/>
       <dgm:t>
@@ -6318,7 +6442,7 @@
         </a:p>
       </dgm:t>
     </dgm:pt>
-    <dgm:pt modelId="{1EBC44DF-F694-43FA-8B31-E7993355C576}" cxnId="{0DE92535-65D1-4AEE-B082-E4EE17147A7E}" type="sibTrans">
+    <dgm:pt modelId="{1EBC44DF-F694-43FA-8B31-E7993355C576}" type="sibTrans" cxnId="{0DE92535-65D1-4AEE-B082-E4EE17147A7E}">
       <dgm:prSet/>
       <dgm:spPr/>
       <dgm:t>
@@ -6349,7 +6473,7 @@
         </a:p>
       </dgm:t>
     </dgm:pt>
-    <dgm:pt modelId="{E7A9DB72-1369-4633-BABA-B5075F621B0B}" cxnId="{84140562-DE40-41B8-80E2-687CB2CE6FB1}" type="parTrans">
+    <dgm:pt modelId="{E7A9DB72-1369-4633-BABA-B5075F621B0B}" type="parTrans" cxnId="{84140562-DE40-41B8-80E2-687CB2CE6FB1}">
       <dgm:prSet/>
       <dgm:spPr/>
       <dgm:t>
@@ -6360,7 +6484,7 @@
         </a:p>
       </dgm:t>
     </dgm:pt>
-    <dgm:pt modelId="{3EFDAE90-4F46-4F81-9711-592D85EAAE14}" cxnId="{84140562-DE40-41B8-80E2-687CB2CE6FB1}" type="sibTrans">
+    <dgm:pt modelId="{3EFDAE90-4F46-4F81-9711-592D85EAAE14}" type="sibTrans" cxnId="{84140562-DE40-41B8-80E2-687CB2CE6FB1}">
       <dgm:prSet/>
       <dgm:spPr/>
       <dgm:t>
@@ -6391,7 +6515,7 @@
         </a:p>
       </dgm:t>
     </dgm:pt>
-    <dgm:pt modelId="{8EF5FF71-1BA9-4BE1-971D-DF74FFAA6974}" cxnId="{D8C3A296-4839-4581-8F92-32DC9488B273}" type="parTrans">
+    <dgm:pt modelId="{8EF5FF71-1BA9-4BE1-971D-DF74FFAA6974}" type="parTrans" cxnId="{D8C3A296-4839-4581-8F92-32DC9488B273}">
       <dgm:prSet/>
       <dgm:spPr/>
       <dgm:t>
@@ -6402,7 +6526,7 @@
         </a:p>
       </dgm:t>
     </dgm:pt>
-    <dgm:pt modelId="{E3756FB9-22A2-448E-B57B-4B2F26D879AE}" cxnId="{D8C3A296-4839-4581-8F92-32DC9488B273}" type="sibTrans">
+    <dgm:pt modelId="{E3756FB9-22A2-448E-B57B-4B2F26D879AE}" type="sibTrans" cxnId="{D8C3A296-4839-4581-8F92-32DC9488B273}">
       <dgm:prSet/>
       <dgm:spPr/>
       <dgm:t>
@@ -6441,7 +6565,7 @@
         </a:p>
       </dgm:t>
     </dgm:pt>
-    <dgm:pt modelId="{FBAED336-2AE1-450B-BA36-38940CED8101}" cxnId="{455DB64F-4098-4BB9-B66C-43AEABCF98A3}" type="parTrans">
+    <dgm:pt modelId="{FBAED336-2AE1-450B-BA36-38940CED8101}" type="parTrans" cxnId="{455DB64F-4098-4BB9-B66C-43AEABCF98A3}">
       <dgm:prSet/>
       <dgm:spPr/>
       <dgm:t>
@@ -6452,7 +6576,7 @@
         </a:p>
       </dgm:t>
     </dgm:pt>
-    <dgm:pt modelId="{AA23EDAE-B86E-4F59-9D55-5EC3DCE6EF11}" cxnId="{455DB64F-4098-4BB9-B66C-43AEABCF98A3}" type="sibTrans">
+    <dgm:pt modelId="{AA23EDAE-B86E-4F59-9D55-5EC3DCE6EF11}" type="sibTrans" cxnId="{455DB64F-4098-4BB9-B66C-43AEABCF98A3}">
       <dgm:prSet/>
       <dgm:spPr/>
       <dgm:t>
@@ -6575,7 +6699,7 @@
   <dgm:whole/>
   <dgm:extLst>
     <a:ext uri="http://schemas.microsoft.com/office/drawing/2008/diagram">
-      <dsp:dataModelExt xmlns:dsp="http://schemas.microsoft.com/office/drawing/2008/diagram" relId="rId5" minVer="http://schemas.openxmlformats.org/drawingml/2006/diagram"/>
+      <dsp:dataModelExt xmlns:dsp="http://schemas.microsoft.com/office/drawing/2008/diagram" relId="rId7" minVer="http://schemas.openxmlformats.org/drawingml/2006/diagram"/>
     </a:ext>
   </dgm:extLst>
 </dgm:dataModel>
@@ -6615,7 +6739,7 @@
         </a:p>
       </dgm:t>
     </dgm:pt>
-    <dgm:pt modelId="{8EF5FF71-1BA9-4BE1-971D-DF74FFAA6974}" cxnId="{D8C3A296-4839-4581-8F92-32DC9488B273}" type="parTrans">
+    <dgm:pt modelId="{8EF5FF71-1BA9-4BE1-971D-DF74FFAA6974}" type="parTrans" cxnId="{D8C3A296-4839-4581-8F92-32DC9488B273}">
       <dgm:prSet/>
       <dgm:spPr/>
       <dgm:t>
@@ -6626,7 +6750,7 @@
         </a:p>
       </dgm:t>
     </dgm:pt>
-    <dgm:pt modelId="{E3756FB9-22A2-448E-B57B-4B2F26D879AE}" cxnId="{D8C3A296-4839-4581-8F92-32DC9488B273}" type="sibTrans">
+    <dgm:pt modelId="{E3756FB9-22A2-448E-B57B-4B2F26D879AE}" type="sibTrans" cxnId="{D8C3A296-4839-4581-8F92-32DC9488B273}">
       <dgm:prSet/>
       <dgm:spPr/>
       <dgm:t>
@@ -6665,7 +6789,7 @@
         </a:p>
       </dgm:t>
     </dgm:pt>
-    <dgm:pt modelId="{FBAED336-2AE1-450B-BA36-38940CED8101}" cxnId="{455DB64F-4098-4BB9-B66C-43AEABCF98A3}" type="parTrans">
+    <dgm:pt modelId="{FBAED336-2AE1-450B-BA36-38940CED8101}" type="parTrans" cxnId="{455DB64F-4098-4BB9-B66C-43AEABCF98A3}">
       <dgm:prSet/>
       <dgm:spPr/>
       <dgm:t>
@@ -6676,7 +6800,7 @@
         </a:p>
       </dgm:t>
     </dgm:pt>
-    <dgm:pt modelId="{AA23EDAE-B86E-4F59-9D55-5EC3DCE6EF11}" cxnId="{455DB64F-4098-4BB9-B66C-43AEABCF98A3}" type="sibTrans">
+    <dgm:pt modelId="{AA23EDAE-B86E-4F59-9D55-5EC3DCE6EF11}" type="sibTrans" cxnId="{455DB64F-4098-4BB9-B66C-43AEABCF98A3}">
       <dgm:prSet/>
       <dgm:spPr/>
       <dgm:t>
@@ -6733,7 +6857,7 @@
   <dgm:whole/>
   <dgm:extLst>
     <a:ext uri="http://schemas.microsoft.com/office/drawing/2008/diagram">
-      <dsp:dataModelExt xmlns:dsp="http://schemas.microsoft.com/office/drawing/2008/diagram" relId="rId5" minVer="http://schemas.openxmlformats.org/drawingml/2006/diagram"/>
+      <dsp:dataModelExt xmlns:dsp="http://schemas.microsoft.com/office/drawing/2008/diagram" relId="rId7" minVer="http://schemas.openxmlformats.org/drawingml/2006/diagram"/>
     </a:ext>
   </dgm:extLst>
 </dgm:dataModel>
@@ -6809,7 +6933,7 @@
         </a:p>
       </dgm:t>
     </dgm:pt>
-    <dgm:pt modelId="{E9B19169-E180-4D59-AE91-7668D8DB01EC}" cxnId="{BE4A9C24-813E-4D79-A2DF-533F4BC8E18C}" type="parTrans">
+    <dgm:pt modelId="{E9B19169-E180-4D59-AE91-7668D8DB01EC}" type="parTrans" cxnId="{BE4A9C24-813E-4D79-A2DF-533F4BC8E18C}">
       <dgm:prSet/>
       <dgm:spPr/>
       <dgm:t>
@@ -6820,7 +6944,7 @@
         </a:p>
       </dgm:t>
     </dgm:pt>
-    <dgm:pt modelId="{F61E1FC9-38E2-4AE9-ABC0-9BCD543F15CB}" cxnId="{BE4A9C24-813E-4D79-A2DF-533F4BC8E18C}" type="sibTrans">
+    <dgm:pt modelId="{F61E1FC9-38E2-4AE9-ABC0-9BCD543F15CB}" type="sibTrans" cxnId="{BE4A9C24-813E-4D79-A2DF-533F4BC8E18C}">
       <dgm:prSet/>
       <dgm:spPr/>
       <dgm:t>
@@ -6842,7 +6966,7 @@
         </a:p>
       </dgm:t>
     </dgm:pt>
-    <dgm:pt modelId="{38299F82-EDD5-42D4-A0A9-15D83451DA8A}" cxnId="{4F0F2F1D-9642-4086-9BCC-D1E5956F3F0F}" type="parTrans">
+    <dgm:pt modelId="{38299F82-EDD5-42D4-A0A9-15D83451DA8A}" type="parTrans" cxnId="{4F0F2F1D-9642-4086-9BCC-D1E5956F3F0F}">
       <dgm:prSet/>
       <dgm:spPr/>
       <dgm:t>
@@ -6853,7 +6977,7 @@
         </a:p>
       </dgm:t>
     </dgm:pt>
-    <dgm:pt modelId="{EB918236-476A-461A-86A1-0C3EE664AD5A}" cxnId="{4F0F2F1D-9642-4086-9BCC-D1E5956F3F0F}" type="sibTrans">
+    <dgm:pt modelId="{EB918236-476A-461A-86A1-0C3EE664AD5A}" type="sibTrans" cxnId="{4F0F2F1D-9642-4086-9BCC-D1E5956F3F0F}">
       <dgm:prSet/>
       <dgm:spPr/>
       <dgm:t>
@@ -6900,7 +7024,7 @@
         </a:p>
       </dgm:t>
     </dgm:pt>
-    <dgm:pt modelId="{72548A7B-0718-49ED-AFD6-5ABE5633A919}" cxnId="{CF8F37C0-2401-47F0-AD58-D48ED383F794}" type="parTrans">
+    <dgm:pt modelId="{72548A7B-0718-49ED-AFD6-5ABE5633A919}" type="parTrans" cxnId="{CF8F37C0-2401-47F0-AD58-D48ED383F794}">
       <dgm:prSet/>
       <dgm:spPr/>
       <dgm:t>
@@ -6911,7 +7035,7 @@
         </a:p>
       </dgm:t>
     </dgm:pt>
-    <dgm:pt modelId="{EAD645A7-46A5-4BDD-81D4-C3115887584A}" cxnId="{CF8F37C0-2401-47F0-AD58-D48ED383F794}" type="sibTrans">
+    <dgm:pt modelId="{EAD645A7-46A5-4BDD-81D4-C3115887584A}" type="sibTrans" cxnId="{CF8F37C0-2401-47F0-AD58-D48ED383F794}">
       <dgm:prSet/>
       <dgm:spPr/>
       <dgm:t>
@@ -6994,7 +7118,7 @@
         </a:p>
       </dgm:t>
     </dgm:pt>
-    <dgm:pt modelId="{B05E2504-30BD-4E7E-A254-50FEAA5C3A4D}" cxnId="{C1F8FE0F-1500-4B78-A8FB-EE6276C1BE05}" type="parTrans">
+    <dgm:pt modelId="{B05E2504-30BD-4E7E-A254-50FEAA5C3A4D}" type="parTrans" cxnId="{C1F8FE0F-1500-4B78-A8FB-EE6276C1BE05}">
       <dgm:prSet/>
       <dgm:spPr/>
       <dgm:t>
@@ -7005,7 +7129,7 @@
         </a:p>
       </dgm:t>
     </dgm:pt>
-    <dgm:pt modelId="{B2DD3886-48A6-4F84-871C-73DB12AD4300}" cxnId="{C1F8FE0F-1500-4B78-A8FB-EE6276C1BE05}" type="sibTrans">
+    <dgm:pt modelId="{B2DD3886-48A6-4F84-871C-73DB12AD4300}" type="sibTrans" cxnId="{C1F8FE0F-1500-4B78-A8FB-EE6276C1BE05}">
       <dgm:prSet/>
       <dgm:spPr/>
       <dgm:t>
@@ -7151,7 +7275,7 @@
   <dgm:whole/>
   <dgm:extLst>
     <a:ext uri="http://schemas.microsoft.com/office/drawing/2008/diagram">
-      <dsp:dataModelExt xmlns:dsp="http://schemas.microsoft.com/office/drawing/2008/diagram" relId="rId5" minVer="http://schemas.openxmlformats.org/drawingml/2006/diagram"/>
+      <dsp:dataModelExt xmlns:dsp="http://schemas.microsoft.com/office/drawing/2008/diagram" relId="rId7" minVer="http://schemas.openxmlformats.org/drawingml/2006/diagram"/>
     </a:ext>
   </dgm:extLst>
 </dgm:dataModel>
@@ -8974,7 +9098,7 @@
             <dgm:bulletEnabled val="1"/>
           </dgm:varLst>
           <dgm:alg type="tx"/>
-          <dgm:shape xmlns:r="http://schemas.openxmlformats.org/officeDocument/2006/relationships" type="chevron" r:blip="" rot="90">
+          <dgm:shape xmlns:r="http://schemas.openxmlformats.org/officeDocument/2006/relationships" rot="90" type="chevron" r:blip="">
             <dgm:adjLst/>
           </dgm:shape>
           <dgm:presOf axis="self" ptType="node"/>
@@ -9003,7 +9127,7 @@
                 <dgm:param type="stBulletLvl" val="1"/>
                 <dgm:param type="txAnchorVertCh" val="mid"/>
               </dgm:alg>
-              <dgm:shape xmlns:r="http://schemas.openxmlformats.org/officeDocument/2006/relationships" type="round2SameRect" r:blip="" rot="90">
+              <dgm:shape xmlns:r="http://schemas.openxmlformats.org/officeDocument/2006/relationships" rot="90" type="round2SameRect" r:blip="">
                 <dgm:adjLst/>
               </dgm:shape>
             </dgm:if>
@@ -9012,7 +9136,7 @@
                 <dgm:param type="stBulletLvl" val="1"/>
                 <dgm:param type="txAnchorVertCh" val="mid"/>
               </dgm:alg>
-              <dgm:shape xmlns:r="http://schemas.openxmlformats.org/officeDocument/2006/relationships" type="round2SameRect" r:blip="" rot="-90">
+              <dgm:shape xmlns:r="http://schemas.openxmlformats.org/officeDocument/2006/relationships" rot="-90" type="round2SameRect" r:blip="">
                 <dgm:adjLst/>
               </dgm:shape>
             </dgm:else>
@@ -9230,7 +9354,7 @@
             <dgm:bulletEnabled val="1"/>
           </dgm:varLst>
           <dgm:alg type="tx"/>
-          <dgm:shape xmlns:r="http://schemas.openxmlformats.org/officeDocument/2006/relationships" type="chevron" r:blip="" rot="90">
+          <dgm:shape xmlns:r="http://schemas.openxmlformats.org/officeDocument/2006/relationships" rot="90" type="chevron" r:blip="">
             <dgm:adjLst/>
           </dgm:shape>
           <dgm:presOf axis="self" ptType="node"/>
@@ -9259,7 +9383,7 @@
                 <dgm:param type="stBulletLvl" val="1"/>
                 <dgm:param type="txAnchorVertCh" val="mid"/>
               </dgm:alg>
-              <dgm:shape xmlns:r="http://schemas.openxmlformats.org/officeDocument/2006/relationships" type="round2SameRect" r:blip="" rot="90">
+              <dgm:shape xmlns:r="http://schemas.openxmlformats.org/officeDocument/2006/relationships" rot="90" type="round2SameRect" r:blip="">
                 <dgm:adjLst/>
               </dgm:shape>
             </dgm:if>
@@ -9268,7 +9392,7 @@
                 <dgm:param type="stBulletLvl" val="1"/>
                 <dgm:param type="txAnchorVertCh" val="mid"/>
               </dgm:alg>
-              <dgm:shape xmlns:r="http://schemas.openxmlformats.org/officeDocument/2006/relationships" type="round2SameRect" r:blip="" rot="-90">
+              <dgm:shape xmlns:r="http://schemas.openxmlformats.org/officeDocument/2006/relationships" rot="-90" type="round2SameRect" r:blip="">
                 <dgm:adjLst/>
               </dgm:shape>
             </dgm:else>
@@ -9512,7 +9636,7 @@
               <dgm:alg type="sp"/>
               <dgm:choose name="Name11">
                 <dgm:if name="Name12" func="var" arg="dir" op="equ" val="norm">
-                  <dgm:shape xmlns:r="http://schemas.openxmlformats.org/officeDocument/2006/relationships" type="bentUpArrow" r:blip="" rot="90">
+                  <dgm:shape xmlns:r="http://schemas.openxmlformats.org/officeDocument/2006/relationships" rot="90" type="bentUpArrow" r:blip="">
                     <dgm:adjLst>
                       <dgm:adj idx="1" val="0.3284"/>
                       <dgm:adj idx="2" val="0.25"/>
@@ -9521,7 +9645,7 @@
                   </dgm:shape>
                 </dgm:if>
                 <dgm:else name="Name13">
-                  <dgm:shape xmlns:r="http://schemas.openxmlformats.org/officeDocument/2006/relationships" type="bentArrow" r:blip="" rot="180">
+                  <dgm:shape xmlns:r="http://schemas.openxmlformats.org/officeDocument/2006/relationships" rot="180" type="bentArrow" r:blip="">
                     <dgm:adjLst>
                       <dgm:adj idx="1" val="0.3284"/>
                       <dgm:adj idx="2" val="0.25"/>
@@ -9650,6 +9774,7 @@
       <a:camera prst="orthographicFront"/>
       <a:lightRig rig="threePt" dir="t"/>
     </dgm:scene3d>
+    <dgm:sp3d/>
     <dgm:txPr/>
     <dgm:style>
       <a:lnRef idx="2">
@@ -9669,6 +9794,7 @@
       <a:camera prst="orthographicFront"/>
       <a:lightRig rig="threePt" dir="t"/>
     </dgm:scene3d>
+    <dgm:sp3d/>
     <dgm:txPr/>
     <dgm:style>
       <a:lnRef idx="2">
@@ -9688,6 +9814,7 @@
       <a:camera prst="orthographicFront"/>
       <a:lightRig rig="threePt" dir="t"/>
     </dgm:scene3d>
+    <dgm:sp3d/>
     <dgm:txPr/>
     <dgm:style>
       <a:lnRef idx="2">
@@ -9707,6 +9834,7 @@
       <a:camera prst="orthographicFront"/>
       <a:lightRig rig="threePt" dir="t"/>
     </dgm:scene3d>
+    <dgm:sp3d/>
     <dgm:txPr/>
     <dgm:style>
       <a:lnRef idx="2">
@@ -9728,6 +9856,7 @@
       <a:camera prst="orthographicFront"/>
       <a:lightRig rig="threePt" dir="t"/>
     </dgm:scene3d>
+    <dgm:sp3d/>
     <dgm:txPr/>
     <dgm:style>
       <a:lnRef idx="2">
@@ -9749,6 +9878,7 @@
       <a:camera prst="orthographicFront"/>
       <a:lightRig rig="threePt" dir="t"/>
     </dgm:scene3d>
+    <dgm:sp3d/>
     <dgm:txPr/>
     <dgm:style>
       <a:lnRef idx="2">
@@ -9770,6 +9900,7 @@
       <a:camera prst="orthographicFront"/>
       <a:lightRig rig="threePt" dir="t"/>
     </dgm:scene3d>
+    <dgm:sp3d/>
     <dgm:txPr/>
     <dgm:style>
       <a:lnRef idx="2">
@@ -9791,6 +9922,7 @@
       <a:camera prst="orthographicFront"/>
       <a:lightRig rig="threePt" dir="t"/>
     </dgm:scene3d>
+    <dgm:sp3d/>
     <dgm:txPr/>
     <dgm:style>
       <a:lnRef idx="2">
@@ -9812,6 +9944,7 @@
       <a:camera prst="orthographicFront"/>
       <a:lightRig rig="threePt" dir="t"/>
     </dgm:scene3d>
+    <dgm:sp3d/>
     <dgm:txPr/>
     <dgm:style>
       <a:lnRef idx="2">
@@ -9833,6 +9966,7 @@
       <a:camera prst="orthographicFront"/>
       <a:lightRig rig="threePt" dir="t"/>
     </dgm:scene3d>
+    <dgm:sp3d/>
     <dgm:txPr/>
     <dgm:style>
       <a:lnRef idx="2">
@@ -9852,6 +9986,7 @@
       <a:camera prst="orthographicFront"/>
       <a:lightRig rig="threePt" dir="t"/>
     </dgm:scene3d>
+    <dgm:sp3d/>
     <dgm:txPr/>
     <dgm:style>
       <a:lnRef idx="2">
@@ -9871,6 +10006,7 @@
       <a:camera prst="orthographicFront"/>
       <a:lightRig rig="threePt" dir="t"/>
     </dgm:scene3d>
+    <dgm:sp3d/>
     <dgm:txPr/>
     <dgm:style>
       <a:lnRef idx="2">
@@ -9890,6 +10026,7 @@
       <a:camera prst="orthographicFront"/>
       <a:lightRig rig="threePt" dir="t"/>
     </dgm:scene3d>
+    <dgm:sp3d/>
     <dgm:txPr/>
     <dgm:style>
       <a:lnRef idx="0">
@@ -9909,6 +10046,7 @@
       <a:camera prst="orthographicFront"/>
       <a:lightRig rig="threePt" dir="t"/>
     </dgm:scene3d>
+    <dgm:sp3d/>
     <dgm:txPr/>
     <dgm:style>
       <a:lnRef idx="0">
@@ -9930,6 +10068,7 @@
       <a:camera prst="orthographicFront"/>
       <a:lightRig rig="threePt" dir="t"/>
     </dgm:scene3d>
+    <dgm:sp3d/>
     <dgm:txPr/>
     <dgm:style>
       <a:lnRef idx="2">
@@ -9949,6 +10088,7 @@
       <a:camera prst="orthographicFront"/>
       <a:lightRig rig="threePt" dir="t"/>
     </dgm:scene3d>
+    <dgm:sp3d/>
     <dgm:txPr/>
     <dgm:style>
       <a:lnRef idx="2">
@@ -9968,6 +10108,7 @@
       <a:camera prst="orthographicFront"/>
       <a:lightRig rig="threePt" dir="t"/>
     </dgm:scene3d>
+    <dgm:sp3d/>
     <dgm:txPr/>
     <dgm:style>
       <a:lnRef idx="0">
@@ -9987,6 +10128,7 @@
       <a:camera prst="orthographicFront"/>
       <a:lightRig rig="threePt" dir="t"/>
     </dgm:scene3d>
+    <dgm:sp3d/>
     <dgm:txPr/>
     <dgm:style>
       <a:lnRef idx="2">
@@ -10006,6 +10148,7 @@
       <a:camera prst="orthographicFront"/>
       <a:lightRig rig="threePt" dir="t"/>
     </dgm:scene3d>
+    <dgm:sp3d/>
     <dgm:txPr/>
     <dgm:style>
       <a:lnRef idx="2">
@@ -10025,6 +10168,7 @@
       <a:camera prst="orthographicFront"/>
       <a:lightRig rig="threePt" dir="t"/>
     </dgm:scene3d>
+    <dgm:sp3d/>
     <dgm:txPr/>
     <dgm:style>
       <a:lnRef idx="2">
@@ -10044,6 +10188,7 @@
       <a:camera prst="orthographicFront"/>
       <a:lightRig rig="threePt" dir="t"/>
     </dgm:scene3d>
+    <dgm:sp3d/>
     <dgm:txPr/>
     <dgm:style>
       <a:lnRef idx="2">
@@ -10063,6 +10208,7 @@
       <a:camera prst="orthographicFront"/>
       <a:lightRig rig="threePt" dir="t"/>
     </dgm:scene3d>
+    <dgm:sp3d/>
     <dgm:txPr/>
     <dgm:style>
       <a:lnRef idx="2">
@@ -10082,6 +10228,7 @@
       <a:camera prst="orthographicFront"/>
       <a:lightRig rig="threePt" dir="t"/>
     </dgm:scene3d>
+    <dgm:sp3d/>
     <dgm:txPr/>
     <dgm:style>
       <a:lnRef idx="2">
@@ -10101,6 +10248,7 @@
       <a:camera prst="orthographicFront"/>
       <a:lightRig rig="threePt" dir="t"/>
     </dgm:scene3d>
+    <dgm:sp3d/>
     <dgm:txPr/>
     <dgm:style>
       <a:lnRef idx="2">
@@ -10120,6 +10268,7 @@
       <a:camera prst="orthographicFront"/>
       <a:lightRig rig="threePt" dir="t"/>
     </dgm:scene3d>
+    <dgm:sp3d/>
     <dgm:txPr/>
     <dgm:style>
       <a:lnRef idx="2">
@@ -10139,6 +10288,7 @@
       <a:camera prst="orthographicFront"/>
       <a:lightRig rig="threePt" dir="t"/>
     </dgm:scene3d>
+    <dgm:sp3d/>
     <dgm:txPr/>
     <dgm:style>
       <a:lnRef idx="0">
@@ -10160,6 +10310,7 @@
       <a:camera prst="orthographicFront"/>
       <a:lightRig rig="threePt" dir="t"/>
     </dgm:scene3d>
+    <dgm:sp3d/>
     <dgm:txPr/>
     <dgm:style>
       <a:lnRef idx="2">
@@ -10181,6 +10332,7 @@
       <a:camera prst="orthographicFront"/>
       <a:lightRig rig="threePt" dir="t"/>
     </dgm:scene3d>
+    <dgm:sp3d/>
     <dgm:txPr/>
     <dgm:style>
       <a:lnRef idx="2">
@@ -10202,6 +10354,7 @@
       <a:camera prst="orthographicFront"/>
       <a:lightRig rig="threePt" dir="t"/>
     </dgm:scene3d>
+    <dgm:sp3d/>
     <dgm:txPr/>
     <dgm:style>
       <a:lnRef idx="2">
@@ -10223,6 +10376,7 @@
       <a:camera prst="orthographicFront"/>
       <a:lightRig rig="threePt" dir="t"/>
     </dgm:scene3d>
+    <dgm:sp3d/>
     <dgm:txPr/>
     <dgm:style>
       <a:lnRef idx="2">
@@ -10244,6 +10398,7 @@
       <a:camera prst="orthographicFront"/>
       <a:lightRig rig="threePt" dir="t"/>
     </dgm:scene3d>
+    <dgm:sp3d/>
     <dgm:txPr/>
     <dgm:style>
       <a:lnRef idx="2">
@@ -10265,6 +10420,7 @@
       <a:camera prst="orthographicFront"/>
       <a:lightRig rig="threePt" dir="t"/>
     </dgm:scene3d>
+    <dgm:sp3d/>
     <dgm:txPr/>
     <dgm:style>
       <a:lnRef idx="2">
@@ -10286,6 +10442,7 @@
       <a:camera prst="orthographicFront"/>
       <a:lightRig rig="threePt" dir="t"/>
     </dgm:scene3d>
+    <dgm:sp3d/>
     <dgm:txPr/>
     <dgm:style>
       <a:lnRef idx="2">
@@ -10305,6 +10462,7 @@
       <a:camera prst="orthographicFront"/>
       <a:lightRig rig="threePt" dir="t"/>
     </dgm:scene3d>
+    <dgm:sp3d/>
     <dgm:txPr/>
     <dgm:style>
       <a:lnRef idx="2">
@@ -10324,6 +10482,7 @@
       <a:camera prst="orthographicFront"/>
       <a:lightRig rig="threePt" dir="t"/>
     </dgm:scene3d>
+    <dgm:sp3d/>
     <dgm:txPr/>
     <dgm:style>
       <a:lnRef idx="2">
@@ -10343,6 +10502,7 @@
       <a:camera prst="orthographicFront"/>
       <a:lightRig rig="threePt" dir="t"/>
     </dgm:scene3d>
+    <dgm:sp3d/>
     <dgm:txPr/>
     <dgm:style>
       <a:lnRef idx="2">
@@ -10362,6 +10522,7 @@
       <a:camera prst="orthographicFront"/>
       <a:lightRig rig="threePt" dir="t"/>
     </dgm:scene3d>
+    <dgm:sp3d/>
     <dgm:txPr/>
     <dgm:style>
       <a:lnRef idx="2">
@@ -10383,6 +10544,7 @@
       <a:camera prst="orthographicFront"/>
       <a:lightRig rig="threePt" dir="t"/>
     </dgm:scene3d>
+    <dgm:sp3d/>
     <dgm:txPr/>
     <dgm:style>
       <a:lnRef idx="2">
@@ -10404,6 +10566,7 @@
       <a:camera prst="orthographicFront"/>
       <a:lightRig rig="threePt" dir="t"/>
     </dgm:scene3d>
+    <dgm:sp3d/>
     <dgm:txPr/>
     <dgm:style>
       <a:lnRef idx="2">
@@ -10425,6 +10588,7 @@
       <a:camera prst="orthographicFront"/>
       <a:lightRig rig="threePt" dir="t"/>
     </dgm:scene3d>
+    <dgm:sp3d/>
     <dgm:txPr/>
     <dgm:style>
       <a:lnRef idx="2">
@@ -10446,6 +10610,7 @@
       <a:camera prst="orthographicFront"/>
       <a:lightRig rig="threePt" dir="t"/>
     </dgm:scene3d>
+    <dgm:sp3d/>
     <dgm:txPr/>
     <dgm:style>
       <a:lnRef idx="0">
@@ -10465,6 +10630,7 @@
       <a:camera prst="orthographicFront"/>
       <a:lightRig rig="threePt" dir="t"/>
     </dgm:scene3d>
+    <dgm:sp3d/>
     <dgm:txPr/>
     <dgm:style>
       <a:lnRef idx="1">
@@ -10484,6 +10650,7 @@
       <a:camera prst="orthographicFront"/>
       <a:lightRig rig="threePt" dir="t"/>
     </dgm:scene3d>
+    <dgm:sp3d/>
     <dgm:txPr/>
     <dgm:style>
       <a:lnRef idx="0">
@@ -10505,6 +10672,7 @@
       <a:camera prst="orthographicFront"/>
       <a:lightRig rig="threePt" dir="t"/>
     </dgm:scene3d>
+    <dgm:sp3d/>
     <dgm:txPr/>
     <dgm:style>
       <a:lnRef idx="2">
@@ -10524,6 +10692,7 @@
       <a:camera prst="orthographicFront"/>
       <a:lightRig rig="threePt" dir="t"/>
     </dgm:scene3d>
+    <dgm:sp3d/>
     <dgm:txPr/>
     <dgm:style>
       <a:lnRef idx="2">
@@ -10543,6 +10712,7 @@
       <a:camera prst="orthographicFront"/>
       <a:lightRig rig="threePt" dir="t"/>
     </dgm:scene3d>
+    <dgm:sp3d/>
     <dgm:txPr/>
     <dgm:style>
       <a:lnRef idx="2">
@@ -10562,6 +10732,7 @@
       <a:camera prst="orthographicFront"/>
       <a:lightRig rig="threePt" dir="t"/>
     </dgm:scene3d>
+    <dgm:sp3d/>
     <dgm:txPr/>
     <dgm:style>
       <a:lnRef idx="1">
@@ -10581,6 +10752,7 @@
       <a:camera prst="orthographicFront"/>
       <a:lightRig rig="threePt" dir="t"/>
     </dgm:scene3d>
+    <dgm:sp3d/>
     <dgm:txPr/>
     <dgm:style>
       <a:lnRef idx="0">
@@ -10600,6 +10772,7 @@
       <a:camera prst="orthographicFront"/>
       <a:lightRig rig="threePt" dir="t"/>
     </dgm:scene3d>
+    <dgm:sp3d/>
     <dgm:txPr/>
     <dgm:style>
       <a:lnRef idx="2">
@@ -10635,6 +10808,7 @@
       <a:camera prst="orthographicFront"/>
       <a:lightRig rig="threePt" dir="t"/>
     </dgm:scene3d>
+    <dgm:sp3d/>
     <dgm:txPr/>
     <dgm:style>
       <a:lnRef idx="2">
@@ -10654,6 +10828,7 @@
       <a:camera prst="orthographicFront"/>
       <a:lightRig rig="threePt" dir="t"/>
     </dgm:scene3d>
+    <dgm:sp3d/>
     <dgm:txPr/>
     <dgm:style>
       <a:lnRef idx="2">
@@ -10673,6 +10848,7 @@
       <a:camera prst="orthographicFront"/>
       <a:lightRig rig="threePt" dir="t"/>
     </dgm:scene3d>
+    <dgm:sp3d/>
     <dgm:txPr/>
     <dgm:style>
       <a:lnRef idx="2">
@@ -10692,6 +10868,7 @@
       <a:camera prst="orthographicFront"/>
       <a:lightRig rig="threePt" dir="t"/>
     </dgm:scene3d>
+    <dgm:sp3d/>
     <dgm:txPr/>
     <dgm:style>
       <a:lnRef idx="2">
@@ -10713,6 +10890,7 @@
       <a:camera prst="orthographicFront"/>
       <a:lightRig rig="threePt" dir="t"/>
     </dgm:scene3d>
+    <dgm:sp3d/>
     <dgm:txPr/>
     <dgm:style>
       <a:lnRef idx="2">
@@ -10734,6 +10912,7 @@
       <a:camera prst="orthographicFront"/>
       <a:lightRig rig="threePt" dir="t"/>
     </dgm:scene3d>
+    <dgm:sp3d/>
     <dgm:txPr/>
     <dgm:style>
       <a:lnRef idx="2">
@@ -10755,6 +10934,7 @@
       <a:camera prst="orthographicFront"/>
       <a:lightRig rig="threePt" dir="t"/>
     </dgm:scene3d>
+    <dgm:sp3d/>
     <dgm:txPr/>
     <dgm:style>
       <a:lnRef idx="2">
@@ -10776,6 +10956,7 @@
       <a:camera prst="orthographicFront"/>
       <a:lightRig rig="threePt" dir="t"/>
     </dgm:scene3d>
+    <dgm:sp3d/>
     <dgm:txPr/>
     <dgm:style>
       <a:lnRef idx="2">
@@ -10797,6 +10978,7 @@
       <a:camera prst="orthographicFront"/>
       <a:lightRig rig="threePt" dir="t"/>
     </dgm:scene3d>
+    <dgm:sp3d/>
     <dgm:txPr/>
     <dgm:style>
       <a:lnRef idx="2">
@@ -10818,6 +11000,7 @@
       <a:camera prst="orthographicFront"/>
       <a:lightRig rig="threePt" dir="t"/>
     </dgm:scene3d>
+    <dgm:sp3d/>
     <dgm:txPr/>
     <dgm:style>
       <a:lnRef idx="2">
@@ -10837,6 +11020,7 @@
       <a:camera prst="orthographicFront"/>
       <a:lightRig rig="threePt" dir="t"/>
     </dgm:scene3d>
+    <dgm:sp3d/>
     <dgm:txPr/>
     <dgm:style>
       <a:lnRef idx="2">
@@ -10856,6 +11040,7 @@
       <a:camera prst="orthographicFront"/>
       <a:lightRig rig="threePt" dir="t"/>
     </dgm:scene3d>
+    <dgm:sp3d/>
     <dgm:txPr/>
     <dgm:style>
       <a:lnRef idx="2">
@@ -10875,6 +11060,7 @@
       <a:camera prst="orthographicFront"/>
       <a:lightRig rig="threePt" dir="t"/>
     </dgm:scene3d>
+    <dgm:sp3d/>
     <dgm:txPr/>
     <dgm:style>
       <a:lnRef idx="0">
@@ -10894,6 +11080,7 @@
       <a:camera prst="orthographicFront"/>
       <a:lightRig rig="threePt" dir="t"/>
     </dgm:scene3d>
+    <dgm:sp3d/>
     <dgm:txPr/>
     <dgm:style>
       <a:lnRef idx="0">
@@ -10915,6 +11102,7 @@
       <a:camera prst="orthographicFront"/>
       <a:lightRig rig="threePt" dir="t"/>
     </dgm:scene3d>
+    <dgm:sp3d/>
     <dgm:txPr/>
     <dgm:style>
       <a:lnRef idx="2">
@@ -10934,6 +11122,7 @@
       <a:camera prst="orthographicFront"/>
       <a:lightRig rig="threePt" dir="t"/>
     </dgm:scene3d>
+    <dgm:sp3d/>
     <dgm:txPr/>
     <dgm:style>
       <a:lnRef idx="2">
@@ -10953,6 +11142,7 @@
       <a:camera prst="orthographicFront"/>
       <a:lightRig rig="threePt" dir="t"/>
     </dgm:scene3d>
+    <dgm:sp3d/>
     <dgm:txPr/>
     <dgm:style>
       <a:lnRef idx="0">
@@ -10972,6 +11162,7 @@
       <a:camera prst="orthographicFront"/>
       <a:lightRig rig="threePt" dir="t"/>
     </dgm:scene3d>
+    <dgm:sp3d/>
     <dgm:txPr/>
     <dgm:style>
       <a:lnRef idx="2">
@@ -10991,6 +11182,7 @@
       <a:camera prst="orthographicFront"/>
       <a:lightRig rig="threePt" dir="t"/>
     </dgm:scene3d>
+    <dgm:sp3d/>
     <dgm:txPr/>
     <dgm:style>
       <a:lnRef idx="2">
@@ -11010,6 +11202,7 @@
       <a:camera prst="orthographicFront"/>
       <a:lightRig rig="threePt" dir="t"/>
     </dgm:scene3d>
+    <dgm:sp3d/>
     <dgm:txPr/>
     <dgm:style>
       <a:lnRef idx="2">
@@ -11029,6 +11222,7 @@
       <a:camera prst="orthographicFront"/>
       <a:lightRig rig="threePt" dir="t"/>
     </dgm:scene3d>
+    <dgm:sp3d/>
     <dgm:txPr/>
     <dgm:style>
       <a:lnRef idx="2">
@@ -11048,6 +11242,7 @@
       <a:camera prst="orthographicFront"/>
       <a:lightRig rig="threePt" dir="t"/>
     </dgm:scene3d>
+    <dgm:sp3d/>
     <dgm:txPr/>
     <dgm:style>
       <a:lnRef idx="2">
@@ -11067,6 +11262,7 @@
       <a:camera prst="orthographicFront"/>
       <a:lightRig rig="threePt" dir="t"/>
     </dgm:scene3d>
+    <dgm:sp3d/>
     <dgm:txPr/>
     <dgm:style>
       <a:lnRef idx="2">
@@ -11086,6 +11282,7 @@
       <a:camera prst="orthographicFront"/>
       <a:lightRig rig="threePt" dir="t"/>
     </dgm:scene3d>
+    <dgm:sp3d/>
     <dgm:txPr/>
     <dgm:style>
       <a:lnRef idx="2">
@@ -11105,6 +11302,7 @@
       <a:camera prst="orthographicFront"/>
       <a:lightRig rig="threePt" dir="t"/>
     </dgm:scene3d>
+    <dgm:sp3d/>
     <dgm:txPr/>
     <dgm:style>
       <a:lnRef idx="2">
@@ -11124,6 +11322,7 @@
       <a:camera prst="orthographicFront"/>
       <a:lightRig rig="threePt" dir="t"/>
     </dgm:scene3d>
+    <dgm:sp3d/>
     <dgm:txPr/>
     <dgm:style>
       <a:lnRef idx="0">
@@ -11145,6 +11344,7 @@
       <a:camera prst="orthographicFront"/>
       <a:lightRig rig="threePt" dir="t"/>
     </dgm:scene3d>
+    <dgm:sp3d/>
     <dgm:txPr/>
     <dgm:style>
       <a:lnRef idx="2">
@@ -11166,6 +11366,7 @@
       <a:camera prst="orthographicFront"/>
       <a:lightRig rig="threePt" dir="t"/>
     </dgm:scene3d>
+    <dgm:sp3d/>
     <dgm:txPr/>
     <dgm:style>
       <a:lnRef idx="2">
@@ -11187,6 +11388,7 @@
       <a:camera prst="orthographicFront"/>
       <a:lightRig rig="threePt" dir="t"/>
     </dgm:scene3d>
+    <dgm:sp3d/>
     <dgm:txPr/>
     <dgm:style>
       <a:lnRef idx="2">
@@ -11208,6 +11410,7 @@
       <a:camera prst="orthographicFront"/>
       <a:lightRig rig="threePt" dir="t"/>
     </dgm:scene3d>
+    <dgm:sp3d/>
     <dgm:txPr/>
     <dgm:style>
       <a:lnRef idx="2">
@@ -11229,6 +11432,7 @@
       <a:camera prst="orthographicFront"/>
       <a:lightRig rig="threePt" dir="t"/>
     </dgm:scene3d>
+    <dgm:sp3d/>
     <dgm:txPr/>
     <dgm:style>
       <a:lnRef idx="2">
@@ -11250,6 +11454,7 @@
       <a:camera prst="orthographicFront"/>
       <a:lightRig rig="threePt" dir="t"/>
     </dgm:scene3d>
+    <dgm:sp3d/>
     <dgm:txPr/>
     <dgm:style>
       <a:lnRef idx="2">
@@ -11271,6 +11476,7 @@
       <a:camera prst="orthographicFront"/>
       <a:lightRig rig="threePt" dir="t"/>
     </dgm:scene3d>
+    <dgm:sp3d/>
     <dgm:txPr/>
     <dgm:style>
       <a:lnRef idx="2">
@@ -11290,6 +11496,7 @@
       <a:camera prst="orthographicFront"/>
       <a:lightRig rig="threePt" dir="t"/>
     </dgm:scene3d>
+    <dgm:sp3d/>
     <dgm:txPr/>
     <dgm:style>
       <a:lnRef idx="2">
@@ -11309,6 +11516,7 @@
       <a:camera prst="orthographicFront"/>
       <a:lightRig rig="threePt" dir="t"/>
     </dgm:scene3d>
+    <dgm:sp3d/>
     <dgm:txPr/>
     <dgm:style>
       <a:lnRef idx="2">
@@ -11328,6 +11536,7 @@
       <a:camera prst="orthographicFront"/>
       <a:lightRig rig="threePt" dir="t"/>
     </dgm:scene3d>
+    <dgm:sp3d/>
     <dgm:txPr/>
     <dgm:style>
       <a:lnRef idx="2">
@@ -11347,6 +11556,7 @@
       <a:camera prst="orthographicFront"/>
       <a:lightRig rig="threePt" dir="t"/>
     </dgm:scene3d>
+    <dgm:sp3d/>
     <dgm:txPr/>
     <dgm:style>
       <a:lnRef idx="2">
@@ -11368,6 +11578,7 @@
       <a:camera prst="orthographicFront"/>
       <a:lightRig rig="threePt" dir="t"/>
     </dgm:scene3d>
+    <dgm:sp3d/>
     <dgm:txPr/>
     <dgm:style>
       <a:lnRef idx="2">
@@ -11389,6 +11600,7 @@
       <a:camera prst="orthographicFront"/>
       <a:lightRig rig="threePt" dir="t"/>
     </dgm:scene3d>
+    <dgm:sp3d/>
     <dgm:txPr/>
     <dgm:style>
       <a:lnRef idx="2">
@@ -11410,6 +11622,7 @@
       <a:camera prst="orthographicFront"/>
       <a:lightRig rig="threePt" dir="t"/>
     </dgm:scene3d>
+    <dgm:sp3d/>
     <dgm:txPr/>
     <dgm:style>
       <a:lnRef idx="2">
@@ -11431,6 +11644,7 @@
       <a:camera prst="orthographicFront"/>
       <a:lightRig rig="threePt" dir="t"/>
     </dgm:scene3d>
+    <dgm:sp3d/>
     <dgm:txPr/>
     <dgm:style>
       <a:lnRef idx="0">
@@ -11450,6 +11664,7 @@
       <a:camera prst="orthographicFront"/>
       <a:lightRig rig="threePt" dir="t"/>
     </dgm:scene3d>
+    <dgm:sp3d/>
     <dgm:txPr/>
     <dgm:style>
       <a:lnRef idx="1">
@@ -11469,6 +11684,7 @@
       <a:camera prst="orthographicFront"/>
       <a:lightRig rig="threePt" dir="t"/>
     </dgm:scene3d>
+    <dgm:sp3d/>
     <dgm:txPr/>
     <dgm:style>
       <a:lnRef idx="0">
@@ -11490,6 +11706,7 @@
       <a:camera prst="orthographicFront"/>
       <a:lightRig rig="threePt" dir="t"/>
     </dgm:scene3d>
+    <dgm:sp3d/>
     <dgm:txPr/>
     <dgm:style>
       <a:lnRef idx="2">
@@ -11509,6 +11726,7 @@
       <a:camera prst="orthographicFront"/>
       <a:lightRig rig="threePt" dir="t"/>
     </dgm:scene3d>
+    <dgm:sp3d/>
     <dgm:txPr/>
     <dgm:style>
       <a:lnRef idx="2">
@@ -11528,6 +11746,7 @@
       <a:camera prst="orthographicFront"/>
       <a:lightRig rig="threePt" dir="t"/>
     </dgm:scene3d>
+    <dgm:sp3d/>
     <dgm:txPr/>
     <dgm:style>
       <a:lnRef idx="2">
@@ -11547,6 +11766,7 @@
       <a:camera prst="orthographicFront"/>
       <a:lightRig rig="threePt" dir="t"/>
     </dgm:scene3d>
+    <dgm:sp3d/>
     <dgm:txPr/>
     <dgm:style>
       <a:lnRef idx="1">
@@ -11566,6 +11786,7 @@
       <a:camera prst="orthographicFront"/>
       <a:lightRig rig="threePt" dir="t"/>
     </dgm:scene3d>
+    <dgm:sp3d/>
     <dgm:txPr/>
     <dgm:style>
       <a:lnRef idx="0">
@@ -11585,6 +11806,7 @@
       <a:camera prst="orthographicFront"/>
       <a:lightRig rig="threePt" dir="t"/>
     </dgm:scene3d>
+    <dgm:sp3d/>
     <dgm:txPr/>
     <dgm:style>
       <a:lnRef idx="2">
@@ -11620,6 +11842,7 @@
       <a:camera prst="orthographicFront"/>
       <a:lightRig rig="threePt" dir="t"/>
     </dgm:scene3d>
+    <dgm:sp3d/>
     <dgm:txPr/>
     <dgm:style>
       <a:lnRef idx="2">
@@ -11639,6 +11862,7 @@
       <a:camera prst="orthographicFront"/>
       <a:lightRig rig="threePt" dir="t"/>
     </dgm:scene3d>
+    <dgm:sp3d/>
     <dgm:txPr/>
     <dgm:style>
       <a:lnRef idx="2">
@@ -11658,6 +11882,7 @@
       <a:camera prst="orthographicFront"/>
       <a:lightRig rig="threePt" dir="t"/>
     </dgm:scene3d>
+    <dgm:sp3d/>
     <dgm:txPr/>
     <dgm:style>
       <a:lnRef idx="2">
@@ -11677,6 +11902,7 @@
       <a:camera prst="orthographicFront"/>
       <a:lightRig rig="threePt" dir="t"/>
     </dgm:scene3d>
+    <dgm:sp3d/>
     <dgm:txPr/>
     <dgm:style>
       <a:lnRef idx="2">
@@ -11698,6 +11924,7 @@
       <a:camera prst="orthographicFront"/>
       <a:lightRig rig="threePt" dir="t"/>
     </dgm:scene3d>
+    <dgm:sp3d/>
     <dgm:txPr/>
     <dgm:style>
       <a:lnRef idx="2">
@@ -11719,6 +11946,7 @@
       <a:camera prst="orthographicFront"/>
       <a:lightRig rig="threePt" dir="t"/>
     </dgm:scene3d>
+    <dgm:sp3d/>
     <dgm:txPr/>
     <dgm:style>
       <a:lnRef idx="2">
@@ -11740,6 +11968,7 @@
       <a:camera prst="orthographicFront"/>
       <a:lightRig rig="threePt" dir="t"/>
     </dgm:scene3d>
+    <dgm:sp3d/>
     <dgm:txPr/>
     <dgm:style>
       <a:lnRef idx="2">
@@ -11761,6 +11990,7 @@
       <a:camera prst="orthographicFront"/>
       <a:lightRig rig="threePt" dir="t"/>
     </dgm:scene3d>
+    <dgm:sp3d/>
     <dgm:txPr/>
     <dgm:style>
       <a:lnRef idx="2">
@@ -11782,6 +12012,7 @@
       <a:camera prst="orthographicFront"/>
       <a:lightRig rig="threePt" dir="t"/>
     </dgm:scene3d>
+    <dgm:sp3d/>
     <dgm:txPr/>
     <dgm:style>
       <a:lnRef idx="2">
@@ -11803,6 +12034,7 @@
       <a:camera prst="orthographicFront"/>
       <a:lightRig rig="threePt" dir="t"/>
     </dgm:scene3d>
+    <dgm:sp3d/>
     <dgm:txPr/>
     <dgm:style>
       <a:lnRef idx="2">
@@ -11822,6 +12054,7 @@
       <a:camera prst="orthographicFront"/>
       <a:lightRig rig="threePt" dir="t"/>
     </dgm:scene3d>
+    <dgm:sp3d/>
     <dgm:txPr/>
     <dgm:style>
       <a:lnRef idx="2">
@@ -11841,6 +12074,7 @@
       <a:camera prst="orthographicFront"/>
       <a:lightRig rig="threePt" dir="t"/>
     </dgm:scene3d>
+    <dgm:sp3d/>
     <dgm:txPr/>
     <dgm:style>
       <a:lnRef idx="2">
@@ -11860,6 +12094,7 @@
       <a:camera prst="orthographicFront"/>
       <a:lightRig rig="threePt" dir="t"/>
     </dgm:scene3d>
+    <dgm:sp3d/>
     <dgm:txPr/>
     <dgm:style>
       <a:lnRef idx="0">
@@ -11879,6 +12114,7 @@
       <a:camera prst="orthographicFront"/>
       <a:lightRig rig="threePt" dir="t"/>
     </dgm:scene3d>
+    <dgm:sp3d/>
     <dgm:txPr/>
     <dgm:style>
       <a:lnRef idx="0">
@@ -11900,6 +12136,7 @@
       <a:camera prst="orthographicFront"/>
       <a:lightRig rig="threePt" dir="t"/>
     </dgm:scene3d>
+    <dgm:sp3d/>
     <dgm:txPr/>
     <dgm:style>
       <a:lnRef idx="2">
@@ -11919,6 +12156,7 @@
       <a:camera prst="orthographicFront"/>
       <a:lightRig rig="threePt" dir="t"/>
     </dgm:scene3d>
+    <dgm:sp3d/>
     <dgm:txPr/>
     <dgm:style>
       <a:lnRef idx="2">
@@ -11938,6 +12176,7 @@
       <a:camera prst="orthographicFront"/>
       <a:lightRig rig="threePt" dir="t"/>
     </dgm:scene3d>
+    <dgm:sp3d/>
     <dgm:txPr/>
     <dgm:style>
       <a:lnRef idx="0">
@@ -11957,6 +12196,7 @@
       <a:camera prst="orthographicFront"/>
       <a:lightRig rig="threePt" dir="t"/>
     </dgm:scene3d>
+    <dgm:sp3d/>
     <dgm:txPr/>
     <dgm:style>
       <a:lnRef idx="2">
@@ -11976,6 +12216,7 @@
       <a:camera prst="orthographicFront"/>
       <a:lightRig rig="threePt" dir="t"/>
     </dgm:scene3d>
+    <dgm:sp3d/>
     <dgm:txPr/>
     <dgm:style>
       <a:lnRef idx="2">
@@ -11995,6 +12236,7 @@
       <a:camera prst="orthographicFront"/>
       <a:lightRig rig="threePt" dir="t"/>
     </dgm:scene3d>
+    <dgm:sp3d/>
     <dgm:txPr/>
     <dgm:style>
       <a:lnRef idx="2">
@@ -12014,6 +12256,7 @@
       <a:camera prst="orthographicFront"/>
       <a:lightRig rig="threePt" dir="t"/>
     </dgm:scene3d>
+    <dgm:sp3d/>
     <dgm:txPr/>
     <dgm:style>
       <a:lnRef idx="2">
@@ -12033,6 +12276,7 @@
       <a:camera prst="orthographicFront"/>
       <a:lightRig rig="threePt" dir="t"/>
     </dgm:scene3d>
+    <dgm:sp3d/>
     <dgm:txPr/>
     <dgm:style>
       <a:lnRef idx="2">
@@ -12052,6 +12296,7 @@
       <a:camera prst="orthographicFront"/>
       <a:lightRig rig="threePt" dir="t"/>
     </dgm:scene3d>
+    <dgm:sp3d/>
     <dgm:txPr/>
     <dgm:style>
       <a:lnRef idx="2">
@@ -12071,6 +12316,7 @@
       <a:camera prst="orthographicFront"/>
       <a:lightRig rig="threePt" dir="t"/>
     </dgm:scene3d>
+    <dgm:sp3d/>
     <dgm:txPr/>
     <dgm:style>
       <a:lnRef idx="2">
@@ -12090,6 +12336,7 @@
       <a:camera prst="orthographicFront"/>
       <a:lightRig rig="threePt" dir="t"/>
     </dgm:scene3d>
+    <dgm:sp3d/>
     <dgm:txPr/>
     <dgm:style>
       <a:lnRef idx="2">
@@ -12109,6 +12356,7 @@
       <a:camera prst="orthographicFront"/>
       <a:lightRig rig="threePt" dir="t"/>
     </dgm:scene3d>
+    <dgm:sp3d/>
     <dgm:txPr/>
     <dgm:style>
       <a:lnRef idx="0">
@@ -12130,6 +12378,7 @@
       <a:camera prst="orthographicFront"/>
       <a:lightRig rig="threePt" dir="t"/>
     </dgm:scene3d>
+    <dgm:sp3d/>
     <dgm:txPr/>
     <dgm:style>
       <a:lnRef idx="2">
@@ -12151,6 +12400,7 @@
       <a:camera prst="orthographicFront"/>
       <a:lightRig rig="threePt" dir="t"/>
     </dgm:scene3d>
+    <dgm:sp3d/>
     <dgm:txPr/>
     <dgm:style>
       <a:lnRef idx="2">
@@ -12172,6 +12422,7 @@
       <a:camera prst="orthographicFront"/>
       <a:lightRig rig="threePt" dir="t"/>
     </dgm:scene3d>
+    <dgm:sp3d/>
     <dgm:txPr/>
     <dgm:style>
       <a:lnRef idx="2">
@@ -12193,6 +12444,7 @@
       <a:camera prst="orthographicFront"/>
       <a:lightRig rig="threePt" dir="t"/>
     </dgm:scene3d>
+    <dgm:sp3d/>
     <dgm:txPr/>
     <dgm:style>
       <a:lnRef idx="2">
@@ -12214,6 +12466,7 @@
       <a:camera prst="orthographicFront"/>
       <a:lightRig rig="threePt" dir="t"/>
     </dgm:scene3d>
+    <dgm:sp3d/>
     <dgm:txPr/>
     <dgm:style>
       <a:lnRef idx="2">
@@ -12235,6 +12488,7 @@
       <a:camera prst="orthographicFront"/>
       <a:lightRig rig="threePt" dir="t"/>
     </dgm:scene3d>
+    <dgm:sp3d/>
     <dgm:txPr/>
     <dgm:style>
       <a:lnRef idx="2">
@@ -12256,6 +12510,7 @@
       <a:camera prst="orthographicFront"/>
       <a:lightRig rig="threePt" dir="t"/>
     </dgm:scene3d>
+    <dgm:sp3d/>
     <dgm:txPr/>
     <dgm:style>
       <a:lnRef idx="2">
@@ -12275,6 +12530,7 @@
       <a:camera prst="orthographicFront"/>
       <a:lightRig rig="threePt" dir="t"/>
     </dgm:scene3d>
+    <dgm:sp3d/>
     <dgm:txPr/>
     <dgm:style>
       <a:lnRef idx="2">
@@ -12294,6 +12550,7 @@
       <a:camera prst="orthographicFront"/>
       <a:lightRig rig="threePt" dir="t"/>
     </dgm:scene3d>
+    <dgm:sp3d/>
     <dgm:txPr/>
     <dgm:style>
       <a:lnRef idx="2">
@@ -12313,6 +12570,7 @@
       <a:camera prst="orthographicFront"/>
       <a:lightRig rig="threePt" dir="t"/>
     </dgm:scene3d>
+    <dgm:sp3d/>
     <dgm:txPr/>
     <dgm:style>
       <a:lnRef idx="2">
@@ -12332,6 +12590,7 @@
       <a:camera prst="orthographicFront"/>
       <a:lightRig rig="threePt" dir="t"/>
     </dgm:scene3d>
+    <dgm:sp3d/>
     <dgm:txPr/>
     <dgm:style>
       <a:lnRef idx="2">
@@ -12353,6 +12612,7 @@
       <a:camera prst="orthographicFront"/>
       <a:lightRig rig="threePt" dir="t"/>
     </dgm:scene3d>
+    <dgm:sp3d/>
     <dgm:txPr/>
     <dgm:style>
       <a:lnRef idx="2">
@@ -12374,6 +12634,7 @@
       <a:camera prst="orthographicFront"/>
       <a:lightRig rig="threePt" dir="t"/>
     </dgm:scene3d>
+    <dgm:sp3d/>
     <dgm:txPr/>
     <dgm:style>
       <a:lnRef idx="2">
@@ -12395,6 +12656,7 @@
       <a:camera prst="orthographicFront"/>
       <a:lightRig rig="threePt" dir="t"/>
     </dgm:scene3d>
+    <dgm:sp3d/>
     <dgm:txPr/>
     <dgm:style>
       <a:lnRef idx="2">
@@ -12416,6 +12678,7 @@
       <a:camera prst="orthographicFront"/>
       <a:lightRig rig="threePt" dir="t"/>
     </dgm:scene3d>
+    <dgm:sp3d/>
     <dgm:txPr/>
     <dgm:style>
       <a:lnRef idx="0">
@@ -12435,6 +12698,7 @@
       <a:camera prst="orthographicFront"/>
       <a:lightRig rig="threePt" dir="t"/>
     </dgm:scene3d>
+    <dgm:sp3d/>
     <dgm:txPr/>
     <dgm:style>
       <a:lnRef idx="1">
@@ -12454,6 +12718,7 @@
       <a:camera prst="orthographicFront"/>
       <a:lightRig rig="threePt" dir="t"/>
     </dgm:scene3d>
+    <dgm:sp3d/>
     <dgm:txPr/>
     <dgm:style>
       <a:lnRef idx="0">
@@ -12475,6 +12740,7 @@
       <a:camera prst="orthographicFront"/>
       <a:lightRig rig="threePt" dir="t"/>
     </dgm:scene3d>
+    <dgm:sp3d/>
     <dgm:txPr/>
     <dgm:style>
       <a:lnRef idx="2">
@@ -12494,6 +12760,7 @@
       <a:camera prst="orthographicFront"/>
       <a:lightRig rig="threePt" dir="t"/>
     </dgm:scene3d>
+    <dgm:sp3d/>
     <dgm:txPr/>
     <dgm:style>
       <a:lnRef idx="2">
@@ -12513,6 +12780,7 @@
       <a:camera prst="orthographicFront"/>
       <a:lightRig rig="threePt" dir="t"/>
     </dgm:scene3d>
+    <dgm:sp3d/>
     <dgm:txPr/>
     <dgm:style>
       <a:lnRef idx="2">
@@ -12532,6 +12800,7 @@
       <a:camera prst="orthographicFront"/>
       <a:lightRig rig="threePt" dir="t"/>
     </dgm:scene3d>
+    <dgm:sp3d/>
     <dgm:txPr/>
     <dgm:style>
       <a:lnRef idx="1">
@@ -12551,6 +12820,7 @@
       <a:camera prst="orthographicFront"/>
       <a:lightRig rig="threePt" dir="t"/>
     </dgm:scene3d>
+    <dgm:sp3d/>
     <dgm:txPr/>
     <dgm:style>
       <a:lnRef idx="0">
@@ -12570,6 +12840,7 @@
       <a:camera prst="orthographicFront"/>
       <a:lightRig rig="threePt" dir="t"/>
     </dgm:scene3d>
+    <dgm:sp3d/>
     <dgm:txPr/>
     <dgm:style>
       <a:lnRef idx="2">
@@ -12605,6 +12876,7 @@
       <a:camera prst="orthographicFront"/>
       <a:lightRig rig="threePt" dir="t"/>
     </dgm:scene3d>
+    <dgm:sp3d/>
     <dgm:txPr/>
     <dgm:style>
       <a:lnRef idx="2">
@@ -12624,6 +12896,7 @@
       <a:camera prst="orthographicFront"/>
       <a:lightRig rig="threePt" dir="t"/>
     </dgm:scene3d>
+    <dgm:sp3d/>
     <dgm:txPr/>
     <dgm:style>
       <a:lnRef idx="2">
@@ -12643,6 +12916,7 @@
       <a:camera prst="orthographicFront"/>
       <a:lightRig rig="threePt" dir="t"/>
     </dgm:scene3d>
+    <dgm:sp3d/>
     <dgm:txPr/>
     <dgm:style>
       <a:lnRef idx="2">
@@ -12662,6 +12936,7 @@
       <a:camera prst="orthographicFront"/>
       <a:lightRig rig="threePt" dir="t"/>
     </dgm:scene3d>
+    <dgm:sp3d/>
     <dgm:txPr/>
     <dgm:style>
       <a:lnRef idx="2">
@@ -12683,6 +12958,7 @@
       <a:camera prst="orthographicFront"/>
       <a:lightRig rig="threePt" dir="t"/>
     </dgm:scene3d>
+    <dgm:sp3d/>
     <dgm:txPr/>
     <dgm:style>
       <a:lnRef idx="2">
@@ -12704,6 +12980,7 @@
       <a:camera prst="orthographicFront"/>
       <a:lightRig rig="threePt" dir="t"/>
     </dgm:scene3d>
+    <dgm:sp3d/>
     <dgm:txPr/>
     <dgm:style>
       <a:lnRef idx="2">
@@ -12725,6 +13002,7 @@
       <a:camera prst="orthographicFront"/>
       <a:lightRig rig="threePt" dir="t"/>
     </dgm:scene3d>
+    <dgm:sp3d/>
     <dgm:txPr/>
     <dgm:style>
       <a:lnRef idx="2">
@@ -12746,6 +13024,7 @@
       <a:camera prst="orthographicFront"/>
       <a:lightRig rig="threePt" dir="t"/>
     </dgm:scene3d>
+    <dgm:sp3d/>
     <dgm:txPr/>
     <dgm:style>
       <a:lnRef idx="2">
@@ -12767,6 +13046,7 @@
       <a:camera prst="orthographicFront"/>
       <a:lightRig rig="threePt" dir="t"/>
     </dgm:scene3d>
+    <dgm:sp3d/>
     <dgm:txPr/>
     <dgm:style>
       <a:lnRef idx="2">
@@ -12788,6 +13068,7 @@
       <a:camera prst="orthographicFront"/>
       <a:lightRig rig="threePt" dir="t"/>
     </dgm:scene3d>
+    <dgm:sp3d/>
     <dgm:txPr/>
     <dgm:style>
       <a:lnRef idx="2">
@@ -12807,6 +13088,7 @@
       <a:camera prst="orthographicFront"/>
       <a:lightRig rig="threePt" dir="t"/>
     </dgm:scene3d>
+    <dgm:sp3d/>
     <dgm:txPr/>
     <dgm:style>
       <a:lnRef idx="2">
@@ -12826,6 +13108,7 @@
       <a:camera prst="orthographicFront"/>
       <a:lightRig rig="threePt" dir="t"/>
     </dgm:scene3d>
+    <dgm:sp3d/>
     <dgm:txPr/>
     <dgm:style>
       <a:lnRef idx="2">
@@ -12845,6 +13128,7 @@
       <a:camera prst="orthographicFront"/>
       <a:lightRig rig="threePt" dir="t"/>
     </dgm:scene3d>
+    <dgm:sp3d/>
     <dgm:txPr/>
     <dgm:style>
       <a:lnRef idx="0">
@@ -12864,6 +13148,7 @@
       <a:camera prst="orthographicFront"/>
       <a:lightRig rig="threePt" dir="t"/>
     </dgm:scene3d>
+    <dgm:sp3d/>
     <dgm:txPr/>
     <dgm:style>
       <a:lnRef idx="0">
@@ -12885,6 +13170,7 @@
       <a:camera prst="orthographicFront"/>
       <a:lightRig rig="threePt" dir="t"/>
     </dgm:scene3d>
+    <dgm:sp3d/>
     <dgm:txPr/>
     <dgm:style>
       <a:lnRef idx="2">
@@ -12904,6 +13190,7 @@
       <a:camera prst="orthographicFront"/>
       <a:lightRig rig="threePt" dir="t"/>
     </dgm:scene3d>
+    <dgm:sp3d/>
     <dgm:txPr/>
     <dgm:style>
       <a:lnRef idx="2">
@@ -12923,6 +13210,7 @@
       <a:camera prst="orthographicFront"/>
       <a:lightRig rig="threePt" dir="t"/>
     </dgm:scene3d>
+    <dgm:sp3d/>
     <dgm:txPr/>
     <dgm:style>
       <a:lnRef idx="0">
@@ -12942,6 +13230,7 @@
       <a:camera prst="orthographicFront"/>
       <a:lightRig rig="threePt" dir="t"/>
     </dgm:scene3d>
+    <dgm:sp3d/>
     <dgm:txPr/>
     <dgm:style>
       <a:lnRef idx="2">
@@ -12961,6 +13250,7 @@
       <a:camera prst="orthographicFront"/>
       <a:lightRig rig="threePt" dir="t"/>
     </dgm:scene3d>
+    <dgm:sp3d/>
     <dgm:txPr/>
     <dgm:style>
       <a:lnRef idx="2">
@@ -12980,6 +13270,7 @@
       <a:camera prst="orthographicFront"/>
       <a:lightRig rig="threePt" dir="t"/>
     </dgm:scene3d>
+    <dgm:sp3d/>
     <dgm:txPr/>
     <dgm:style>
       <a:lnRef idx="2">
@@ -12999,6 +13290,7 @@
       <a:camera prst="orthographicFront"/>
       <a:lightRig rig="threePt" dir="t"/>
     </dgm:scene3d>
+    <dgm:sp3d/>
     <dgm:txPr/>
     <dgm:style>
       <a:lnRef idx="2">
@@ -13018,6 +13310,7 @@
       <a:camera prst="orthographicFront"/>
       <a:lightRig rig="threePt" dir="t"/>
     </dgm:scene3d>
+    <dgm:sp3d/>
     <dgm:txPr/>
     <dgm:style>
       <a:lnRef idx="2">
@@ -13037,6 +13330,7 @@
       <a:camera prst="orthographicFront"/>
       <a:lightRig rig="threePt" dir="t"/>
     </dgm:scene3d>
+    <dgm:sp3d/>
     <dgm:txPr/>
     <dgm:style>
       <a:lnRef idx="2">
@@ -13056,6 +13350,7 @@
       <a:camera prst="orthographicFront"/>
       <a:lightRig rig="threePt" dir="t"/>
     </dgm:scene3d>
+    <dgm:sp3d/>
     <dgm:txPr/>
     <dgm:style>
       <a:lnRef idx="2">
@@ -13075,6 +13370,7 @@
       <a:camera prst="orthographicFront"/>
       <a:lightRig rig="threePt" dir="t"/>
     </dgm:scene3d>
+    <dgm:sp3d/>
     <dgm:txPr/>
     <dgm:style>
       <a:lnRef idx="2">
@@ -13094,6 +13390,7 @@
       <a:camera prst="orthographicFront"/>
       <a:lightRig rig="threePt" dir="t"/>
     </dgm:scene3d>
+    <dgm:sp3d/>
     <dgm:txPr/>
     <dgm:style>
       <a:lnRef idx="0">
@@ -13115,6 +13412,7 @@
       <a:camera prst="orthographicFront"/>
       <a:lightRig rig="threePt" dir="t"/>
     </dgm:scene3d>
+    <dgm:sp3d/>
     <dgm:txPr/>
     <dgm:style>
       <a:lnRef idx="2">
@@ -13136,6 +13434,7 @@
       <a:camera prst="orthographicFront"/>
       <a:lightRig rig="threePt" dir="t"/>
     </dgm:scene3d>
+    <dgm:sp3d/>
     <dgm:txPr/>
     <dgm:style>
       <a:lnRef idx="2">
@@ -13157,6 +13456,7 @@
       <a:camera prst="orthographicFront"/>
       <a:lightRig rig="threePt" dir="t"/>
     </dgm:scene3d>
+    <dgm:sp3d/>
     <dgm:txPr/>
     <dgm:style>
       <a:lnRef idx="2">
@@ -13178,6 +13478,7 @@
       <a:camera prst="orthographicFront"/>
       <a:lightRig rig="threePt" dir="t"/>
     </dgm:scene3d>
+    <dgm:sp3d/>
     <dgm:txPr/>
     <dgm:style>
       <a:lnRef idx="2">
@@ -13199,6 +13500,7 @@
       <a:camera prst="orthographicFront"/>
       <a:lightRig rig="threePt" dir="t"/>
     </dgm:scene3d>
+    <dgm:sp3d/>
     <dgm:txPr/>
     <dgm:style>
       <a:lnRef idx="2">
@@ -13220,6 +13522,7 @@
       <a:camera prst="orthographicFront"/>
       <a:lightRig rig="threePt" dir="t"/>
     </dgm:scene3d>
+    <dgm:sp3d/>
     <dgm:txPr/>
     <dgm:style>
       <a:lnRef idx="2">
@@ -13241,6 +13544,7 @@
       <a:camera prst="orthographicFront"/>
       <a:lightRig rig="threePt" dir="t"/>
     </dgm:scene3d>
+    <dgm:sp3d/>
     <dgm:txPr/>
     <dgm:style>
       <a:lnRef idx="2">
@@ -13260,6 +13564,7 @@
       <a:camera prst="orthographicFront"/>
       <a:lightRig rig="threePt" dir="t"/>
     </dgm:scene3d>
+    <dgm:sp3d/>
     <dgm:txPr/>
     <dgm:style>
       <a:lnRef idx="2">
@@ -13279,6 +13584,7 @@
       <a:camera prst="orthographicFront"/>
       <a:lightRig rig="threePt" dir="t"/>
     </dgm:scene3d>
+    <dgm:sp3d/>
     <dgm:txPr/>
     <dgm:style>
       <a:lnRef idx="2">
@@ -13298,6 +13604,7 @@
       <a:camera prst="orthographicFront"/>
       <a:lightRig rig="threePt" dir="t"/>
     </dgm:scene3d>
+    <dgm:sp3d/>
     <dgm:txPr/>
     <dgm:style>
       <a:lnRef idx="2">
@@ -13317,6 +13624,7 @@
       <a:camera prst="orthographicFront"/>
       <a:lightRig rig="threePt" dir="t"/>
     </dgm:scene3d>
+    <dgm:sp3d/>
     <dgm:txPr/>
     <dgm:style>
       <a:lnRef idx="2">
@@ -13338,6 +13646,7 @@
       <a:camera prst="orthographicFront"/>
       <a:lightRig rig="threePt" dir="t"/>
     </dgm:scene3d>
+    <dgm:sp3d/>
     <dgm:txPr/>
     <dgm:style>
       <a:lnRef idx="2">
@@ -13359,6 +13668,7 @@
       <a:camera prst="orthographicFront"/>
       <a:lightRig rig="threePt" dir="t"/>
     </dgm:scene3d>
+    <dgm:sp3d/>
     <dgm:txPr/>
     <dgm:style>
       <a:lnRef idx="2">
@@ -13380,6 +13690,7 @@
       <a:camera prst="orthographicFront"/>
       <a:lightRig rig="threePt" dir="t"/>
     </dgm:scene3d>
+    <dgm:sp3d/>
     <dgm:txPr/>
     <dgm:style>
       <a:lnRef idx="2">
@@ -13401,6 +13712,7 @@
       <a:camera prst="orthographicFront"/>
       <a:lightRig rig="threePt" dir="t"/>
     </dgm:scene3d>
+    <dgm:sp3d/>
     <dgm:txPr/>
     <dgm:style>
       <a:lnRef idx="0">
@@ -13420,6 +13732,7 @@
       <a:camera prst="orthographicFront"/>
       <a:lightRig rig="threePt" dir="t"/>
     </dgm:scene3d>
+    <dgm:sp3d/>
     <dgm:txPr/>
     <dgm:style>
       <a:lnRef idx="1">
@@ -13439,6 +13752,7 @@
       <a:camera prst="orthographicFront"/>
       <a:lightRig rig="threePt" dir="t"/>
     </dgm:scene3d>
+    <dgm:sp3d/>
     <dgm:txPr/>
     <dgm:style>
       <a:lnRef idx="0">
@@ -13460,6 +13774,7 @@
       <a:camera prst="orthographicFront"/>
       <a:lightRig rig="threePt" dir="t"/>
     </dgm:scene3d>
+    <dgm:sp3d/>
     <dgm:txPr/>
     <dgm:style>
       <a:lnRef idx="2">
@@ -13479,6 +13794,7 @@
       <a:camera prst="orthographicFront"/>
       <a:lightRig rig="threePt" dir="t"/>
     </dgm:scene3d>
+    <dgm:sp3d/>
     <dgm:txPr/>
     <dgm:style>
       <a:lnRef idx="2">
@@ -13498,6 +13814,7 @@
       <a:camera prst="orthographicFront"/>
       <a:lightRig rig="threePt" dir="t"/>
     </dgm:scene3d>
+    <dgm:sp3d/>
     <dgm:txPr/>
     <dgm:style>
       <a:lnRef idx="2">
@@ -13517,6 +13834,7 @@
       <a:camera prst="orthographicFront"/>
       <a:lightRig rig="threePt" dir="t"/>
     </dgm:scene3d>
+    <dgm:sp3d/>
     <dgm:txPr/>
     <dgm:style>
       <a:lnRef idx="1">
@@ -13536,6 +13854,7 @@
       <a:camera prst="orthographicFront"/>
       <a:lightRig rig="threePt" dir="t"/>
     </dgm:scene3d>
+    <dgm:sp3d/>
     <dgm:txPr/>
     <dgm:style>
       <a:lnRef idx="0">
@@ -13555,6 +13874,7 @@
       <a:camera prst="orthographicFront"/>
       <a:lightRig rig="threePt" dir="t"/>
     </dgm:scene3d>
+    <dgm:sp3d/>
     <dgm:txPr/>
     <dgm:style>
       <a:lnRef idx="2">
@@ -13656,6 +13976,7 @@
           <a:p>
             <a:fld id="{00EDCCCA-0BC9-4E4A-BDA5-57CA6EE6A4D0}" type="datetimeFigureOut">
               <a:rPr lang="zh-CN" altLang="en-US" smtClean="0"/>
+              <a:t>2019/5/14</a:t>
             </a:fld>
             <a:endParaRPr lang="zh-CN" altLang="en-US"/>
           </a:p>
@@ -13722,7 +14043,6 @@
               <a:rPr lang="zh-CN" altLang="en-US"/>
               <a:t>编辑母版文本样式</a:t>
             </a:r>
-            <a:endParaRPr lang="zh-CN" altLang="en-US"/>
           </a:p>
           <a:p>
             <a:pPr lvl="1"/>
@@ -13730,7 +14050,6 @@
               <a:rPr lang="zh-CN" altLang="en-US"/>
               <a:t>第二级</a:t>
             </a:r>
-            <a:endParaRPr lang="zh-CN" altLang="en-US"/>
           </a:p>
           <a:p>
             <a:pPr lvl="2"/>
@@ -13738,7 +14057,6 @@
               <a:rPr lang="zh-CN" altLang="en-US"/>
               <a:t>第三级</a:t>
             </a:r>
-            <a:endParaRPr lang="zh-CN" altLang="en-US"/>
           </a:p>
           <a:p>
             <a:pPr lvl="3"/>
@@ -13746,7 +14064,6 @@
               <a:rPr lang="zh-CN" altLang="en-US"/>
               <a:t>第四级</a:t>
             </a:r>
-            <a:endParaRPr lang="zh-CN" altLang="en-US"/>
           </a:p>
           <a:p>
             <a:pPr lvl="4"/>
@@ -13754,7 +14071,6 @@
               <a:rPr lang="zh-CN" altLang="en-US"/>
               <a:t>第五级</a:t>
             </a:r>
-            <a:endParaRPr lang="zh-CN" altLang="en-US"/>
           </a:p>
         </p:txBody>
       </p:sp>
@@ -13818,6 +14134,7 @@
           <a:p>
             <a:fld id="{C7E06540-3D4A-4D1B-89C3-AFCFAF39EF4F}" type="slidenum">
               <a:rPr lang="zh-CN" altLang="en-US" smtClean="0"/>
+              <a:t>‹#›</a:t>
             </a:fld>
             <a:endParaRPr lang="zh-CN" altLang="en-US"/>
           </a:p>
@@ -13986,6 +14303,7 @@
           <a:p>
             <a:fld id="{C7E06540-3D4A-4D1B-89C3-AFCFAF39EF4F}" type="slidenum">
               <a:rPr lang="zh-CN" altLang="en-US" smtClean="0"/>
+              <a:t>1</a:t>
             </a:fld>
             <a:endParaRPr lang="zh-CN" altLang="en-US"/>
           </a:p>
@@ -14211,6 +14529,7 @@
           <a:p>
             <a:fld id="{C7E06540-3D4A-4D1B-89C3-AFCFAF39EF4F}" type="slidenum">
               <a:rPr lang="zh-CN" altLang="en-US" smtClean="0"/>
+              <a:t>10</a:t>
             </a:fld>
             <a:endParaRPr lang="zh-CN" altLang="en-US"/>
           </a:p>
@@ -14274,9 +14593,6 @@
               </a:rPr>
               <a:t>能够通过测试集的补丁并不一定正确.正确性(correctness)指的是修复后的程序达到了预期的行为,即,程序</a:t>
             </a:r>
-            <a:endParaRPr lang="zh-CN" altLang="en-US" dirty="0">
-              <a:sym typeface="+mn-ea"/>
-            </a:endParaRPr>
           </a:p>
           <a:p>
             <a:r>
@@ -14285,9 +14601,6 @@
               </a:rPr>
               <a:t>的输出能够满足潜在的测试预言(test oracle).例如,一个修复划分三角形类别程序的补丁正确,指的是程序可以</a:t>
             </a:r>
-            <a:endParaRPr lang="zh-CN" altLang="en-US" dirty="0">
-              <a:sym typeface="+mn-ea"/>
-            </a:endParaRPr>
           </a:p>
           <a:p>
             <a:r>
@@ -14296,9 +14609,6 @@
               </a:rPr>
               <a:t>无误地划分任何潜在的三角形类别,而不是仅仅满足有限数量的测试用例的通过.正确性目前还不能通过自动</a:t>
             </a:r>
-            <a:endParaRPr lang="zh-CN" altLang="en-US" dirty="0">
-              <a:sym typeface="+mn-ea"/>
-            </a:endParaRPr>
           </a:p>
           <a:p>
             <a:r>
@@ -14307,9 +14617,6 @@
               </a:rPr>
               <a:t>技术完成,只能手动验证.近期的一些工作采用了正确性作为评价标准[10,25,26].</a:t>
             </a:r>
-            <a:endParaRPr lang="zh-CN" altLang="en-US" dirty="0">
-              <a:sym typeface="+mn-ea"/>
-            </a:endParaRPr>
           </a:p>
         </p:txBody>
       </p:sp>
@@ -14330,6 +14637,7 @@
           <a:p>
             <a:fld id="{C7E06540-3D4A-4D1B-89C3-AFCFAF39EF4F}" type="slidenum">
               <a:rPr lang="zh-CN" altLang="en-US" smtClean="0"/>
+              <a:t>11</a:t>
             </a:fld>
             <a:endParaRPr lang="zh-CN" altLang="en-US"/>
           </a:p>
@@ -14558,6 +14866,7 @@
           <a:p>
             <a:fld id="{C7E06540-3D4A-4D1B-89C3-AFCFAF39EF4F}" type="slidenum">
               <a:rPr lang="zh-CN" altLang="en-US" smtClean="0"/>
+              <a:t>12</a:t>
             </a:fld>
             <a:endParaRPr lang="zh-CN" altLang="en-US"/>
           </a:p>
@@ -15174,6 +15483,7 @@
           <a:p>
             <a:fld id="{C7E06540-3D4A-4D1B-89C3-AFCFAF39EF4F}" type="slidenum">
               <a:rPr lang="zh-CN" altLang="en-US" smtClean="0"/>
+              <a:t>13</a:t>
             </a:fld>
             <a:endParaRPr lang="zh-CN" altLang="en-US"/>
           </a:p>
@@ -15315,15 +15625,6 @@
               </a:rPr>
               <a:t>，从而决定向人类工程师按一定的优先次序进行推荐。如何评价补丁的质量呢？主要从这三个方面来评估：</a:t>
             </a:r>
-            <a:endParaRPr lang="zh-CN" altLang="en-US" sz="1200" b="0" i="0" kern="1200" dirty="0">
-              <a:solidFill>
-                <a:schemeClr val="tx1"/>
-              </a:solidFill>
-              <a:effectLst/>
-              <a:latin typeface="+mn-lt"/>
-              <a:ea typeface="+mn-ea"/>
-              <a:cs typeface="+mn-cs"/>
-            </a:endParaRPr>
           </a:p>
           <a:p>
             <a:r>
@@ -15338,15 +15639,6 @@
               </a:rPr>
               <a:t>是否存在编译错误？</a:t>
             </a:r>
-            <a:endParaRPr lang="zh-CN" altLang="en-US" sz="1200" b="0" i="0" kern="1200" dirty="0">
-              <a:solidFill>
-                <a:schemeClr val="tx1"/>
-              </a:solidFill>
-              <a:effectLst/>
-              <a:latin typeface="+mn-lt"/>
-              <a:ea typeface="+mn-ea"/>
-              <a:cs typeface="+mn-cs"/>
-            </a:endParaRPr>
           </a:p>
           <a:p>
             <a:r>
@@ -15361,15 +15653,6 @@
               </a:rPr>
               <a:t>程序是否仍然会崩溃？</a:t>
             </a:r>
-            <a:endParaRPr lang="zh-CN" altLang="en-US" sz="1200" b="0" i="0" kern="1200" dirty="0">
-              <a:solidFill>
-                <a:schemeClr val="tx1"/>
-              </a:solidFill>
-              <a:effectLst/>
-              <a:latin typeface="+mn-lt"/>
-              <a:ea typeface="+mn-ea"/>
-              <a:cs typeface="+mn-cs"/>
-            </a:endParaRPr>
           </a:p>
           <a:p>
             <a:r>
@@ -15384,15 +15667,6 @@
               </a:rPr>
               <a:t>补丁是否引入了新的崩溃？</a:t>
             </a:r>
-            <a:endParaRPr lang="zh-CN" altLang="en-US" sz="1200" b="0" i="0" kern="1200" dirty="0">
-              <a:solidFill>
-                <a:schemeClr val="tx1"/>
-              </a:solidFill>
-              <a:effectLst/>
-              <a:latin typeface="+mn-lt"/>
-              <a:ea typeface="+mn-ea"/>
-              <a:cs typeface="+mn-cs"/>
-            </a:endParaRPr>
           </a:p>
           <a:p>
             <a:r>
@@ -15467,15 +15741,6 @@
               </a:rPr>
               <a:t>尝试之前由开发人员完成的调试工作</a:t>
             </a:r>
-            <a:endParaRPr lang="zh-CN" altLang="en-US" sz="1200" b="0" i="0" kern="1200" dirty="0">
-              <a:solidFill>
-                <a:schemeClr val="tx1"/>
-              </a:solidFill>
-              <a:effectLst/>
-              <a:latin typeface="+mn-lt"/>
-              <a:ea typeface="+mn-ea"/>
-              <a:cs typeface="+mn-cs"/>
-            </a:endParaRPr>
           </a:p>
           <a:p>
             <a:endParaRPr lang="en-US" altLang="zh-CN" sz="1200" kern="1200" dirty="0">
@@ -15507,6 +15772,7 @@
           <a:p>
             <a:fld id="{C7E06540-3D4A-4D1B-89C3-AFCFAF39EF4F}" type="slidenum">
               <a:rPr lang="zh-CN" altLang="en-US" smtClean="0"/>
+              <a:t>14</a:t>
             </a:fld>
             <a:endParaRPr lang="zh-CN" altLang="en-US"/>
           </a:p>
@@ -15568,7 +15834,6 @@
               <a:rPr lang="zh-CN" altLang="en-US" dirty="0"/>
               <a:t>接下来我将介绍测试集的构建过程。</a:t>
             </a:r>
-            <a:endParaRPr lang="zh-CN" altLang="en-US" dirty="0"/>
           </a:p>
         </p:txBody>
       </p:sp>
@@ -15589,6 +15854,7 @@
           <a:p>
             <a:fld id="{C7E06540-3D4A-4D1B-89C3-AFCFAF39EF4F}" type="slidenum">
               <a:rPr lang="zh-CN" altLang="en-US" smtClean="0"/>
+              <a:t>15</a:t>
             </a:fld>
             <a:endParaRPr lang="zh-CN" altLang="en-US"/>
           </a:p>
@@ -15835,6 +16101,7 @@
           <a:p>
             <a:fld id="{C7E06540-3D4A-4D1B-89C3-AFCFAF39EF4F}" type="slidenum">
               <a:rPr lang="zh-CN" altLang="en-US" smtClean="0"/>
+              <a:t>16</a:t>
             </a:fld>
             <a:endParaRPr lang="zh-CN" altLang="en-US"/>
           </a:p>
@@ -16081,6 +16348,7 @@
           <a:p>
             <a:fld id="{C7E06540-3D4A-4D1B-89C3-AFCFAF39EF4F}" type="slidenum">
               <a:rPr lang="zh-CN" altLang="en-US" smtClean="0"/>
+              <a:t>17</a:t>
             </a:fld>
             <a:endParaRPr lang="zh-CN" altLang="en-US"/>
           </a:p>
@@ -16598,6 +16866,7 @@
           <a:p>
             <a:fld id="{C7E06540-3D4A-4D1B-89C3-AFCFAF39EF4F}" type="slidenum">
               <a:rPr lang="zh-CN" altLang="en-US" smtClean="0"/>
+              <a:t>18</a:t>
             </a:fld>
             <a:endParaRPr lang="zh-CN" altLang="en-US"/>
           </a:p>
@@ -16719,7 +16988,6 @@
               <a:rPr lang="en-US" altLang="zh-CN" dirty="0"/>
               <a:t>)</a:t>
             </a:r>
-            <a:endParaRPr lang="en-US" altLang="zh-CN" dirty="0"/>
           </a:p>
           <a:p>
             <a:r>
@@ -16811,6 +17079,7 @@
           <a:p>
             <a:fld id="{C7E06540-3D4A-4D1B-89C3-AFCFAF39EF4F}" type="slidenum">
               <a:rPr lang="zh-CN" altLang="en-US" smtClean="0"/>
+              <a:t>19</a:t>
             </a:fld>
             <a:endParaRPr lang="zh-CN" altLang="en-US"/>
           </a:p>
@@ -16880,7 +17149,6 @@
               <a:rPr lang="zh-CN" altLang="en-US" dirty="0"/>
               <a:t>个部分 第一个大点是自动程序修复技术的介绍 第二个大点是自动程序修复工具中的数据集如何构建的相关背景、以及构建过程和实证研究（利用该构建过程所得到的一个结果）。</a:t>
             </a:r>
-            <a:endParaRPr lang="zh-CN" altLang="en-US" dirty="0"/>
           </a:p>
         </p:txBody>
       </p:sp>
@@ -16901,6 +17169,7 @@
           <a:p>
             <a:fld id="{C7E06540-3D4A-4D1B-89C3-AFCFAF39EF4F}" type="slidenum">
               <a:rPr lang="zh-CN" altLang="en-US" smtClean="0"/>
+              <a:t>2</a:t>
             </a:fld>
             <a:endParaRPr lang="zh-CN" altLang="en-US"/>
           </a:p>
@@ -17442,6 +17711,7 @@
           <a:p>
             <a:fld id="{C7E06540-3D4A-4D1B-89C3-AFCFAF39EF4F}" type="slidenum">
               <a:rPr lang="zh-CN" altLang="en-US" smtClean="0"/>
+              <a:t>20</a:t>
             </a:fld>
             <a:endParaRPr lang="zh-CN" altLang="en-US"/>
           </a:p>
@@ -18259,6 +18529,7 @@
           <a:p>
             <a:fld id="{C7E06540-3D4A-4D1B-89C3-AFCFAF39EF4F}" type="slidenum">
               <a:rPr lang="zh-CN" altLang="en-US" smtClean="0"/>
+              <a:t>21</a:t>
             </a:fld>
             <a:endParaRPr lang="zh-CN" altLang="en-US"/>
           </a:p>
@@ -18700,6 +18971,7 @@
           <a:p>
             <a:fld id="{C7E06540-3D4A-4D1B-89C3-AFCFAF39EF4F}" type="slidenum">
               <a:rPr lang="zh-CN" altLang="en-US" smtClean="0"/>
+              <a:t>22</a:t>
             </a:fld>
             <a:endParaRPr lang="zh-CN" altLang="en-US"/>
           </a:p>
@@ -18785,6 +19057,7 @@
           <a:p>
             <a:fld id="{C7E06540-3D4A-4D1B-89C3-AFCFAF39EF4F}" type="slidenum">
               <a:rPr lang="zh-CN" altLang="en-US" smtClean="0"/>
+              <a:t>23</a:t>
             </a:fld>
             <a:endParaRPr lang="zh-CN" altLang="en-US"/>
           </a:p>
@@ -18934,7 +19207,6 @@
               <a:rPr lang="zh-CN" altLang="en-US" dirty="0"/>
               <a:t>。（半）</a:t>
             </a:r>
-            <a:endParaRPr lang="zh-CN" altLang="en-US" dirty="0"/>
           </a:p>
         </p:txBody>
       </p:sp>
@@ -18955,6 +19227,7 @@
           <a:p>
             <a:fld id="{C7E06540-3D4A-4D1B-89C3-AFCFAF39EF4F}" type="slidenum">
               <a:rPr lang="zh-CN" altLang="en-US" smtClean="0"/>
+              <a:t>24</a:t>
             </a:fld>
             <a:endParaRPr lang="zh-CN" altLang="en-US"/>
           </a:p>
@@ -19033,6 +19306,7 @@
           <a:p>
             <a:fld id="{C7E06540-3D4A-4D1B-89C3-AFCFAF39EF4F}" type="slidenum">
               <a:rPr lang="zh-CN" altLang="en-US" smtClean="0"/>
+              <a:t>25</a:t>
             </a:fld>
             <a:endParaRPr lang="zh-CN" altLang="en-US"/>
           </a:p>
@@ -19746,6 +20020,7 @@
           <a:p>
             <a:fld id="{C7E06540-3D4A-4D1B-89C3-AFCFAF39EF4F}" type="slidenum">
               <a:rPr lang="zh-CN" altLang="en-US" smtClean="0"/>
+              <a:t>26</a:t>
             </a:fld>
             <a:endParaRPr lang="zh-CN" altLang="en-US"/>
           </a:p>
@@ -20186,6 +20461,7 @@
           <a:p>
             <a:fld id="{C7E06540-3D4A-4D1B-89C3-AFCFAF39EF4F}" type="slidenum">
               <a:rPr lang="zh-CN" altLang="en-US" smtClean="0"/>
+              <a:t>27</a:t>
             </a:fld>
             <a:endParaRPr lang="zh-CN" altLang="en-US"/>
           </a:p>
@@ -20390,15 +20666,6 @@
               </a:rPr>
               <a:t>debug)</a:t>
             </a:r>
-            <a:endParaRPr lang="en-US" altLang="zh-CN" sz="1200" kern="1200" dirty="0">
-              <a:solidFill>
-                <a:schemeClr val="tx1"/>
-              </a:solidFill>
-              <a:effectLst/>
-              <a:latin typeface="+mn-lt"/>
-              <a:ea typeface="+mn-ea"/>
-              <a:cs typeface="+mn-cs"/>
-            </a:endParaRPr>
           </a:p>
           <a:p>
             <a:pPr marL="228600" indent="-228600">
@@ -20720,6 +20987,7 @@
           <a:p>
             <a:fld id="{C7E06540-3D4A-4D1B-89C3-AFCFAF39EF4F}" type="slidenum">
               <a:rPr lang="zh-CN" altLang="en-US" smtClean="0"/>
+              <a:t>28</a:t>
             </a:fld>
             <a:endParaRPr lang="zh-CN" altLang="en-US"/>
           </a:p>
@@ -21651,6 +21919,7 @@
           <a:p>
             <a:fld id="{C7E06540-3D4A-4D1B-89C3-AFCFAF39EF4F}" type="slidenum">
               <a:rPr lang="zh-CN" altLang="en-US" smtClean="0"/>
+              <a:t>29</a:t>
             </a:fld>
             <a:endParaRPr lang="zh-CN" altLang="en-US"/>
           </a:p>
@@ -21752,6 +22021,7 @@
           <a:p>
             <a:fld id="{C7E06540-3D4A-4D1B-89C3-AFCFAF39EF4F}" type="slidenum">
               <a:rPr lang="zh-CN" altLang="en-US" smtClean="0"/>
+              <a:t>3</a:t>
             </a:fld>
             <a:endParaRPr lang="zh-CN" altLang="en-US"/>
           </a:p>
@@ -22341,6 +22611,7 @@
           <a:p>
             <a:fld id="{C7E06540-3D4A-4D1B-89C3-AFCFAF39EF4F}" type="slidenum">
               <a:rPr lang="zh-CN" altLang="en-US" smtClean="0"/>
+              <a:t>30</a:t>
             </a:fld>
             <a:endParaRPr lang="zh-CN" altLang="en-US"/>
           </a:p>
@@ -22431,6 +22702,7 @@
           <a:p>
             <a:fld id="{C7E06540-3D4A-4D1B-89C3-AFCFAF39EF4F}" type="slidenum">
               <a:rPr lang="zh-CN" altLang="en-US" smtClean="0"/>
+              <a:t>31</a:t>
             </a:fld>
             <a:endParaRPr lang="zh-CN" altLang="en-US"/>
           </a:p>
@@ -22774,6 +23046,7 @@
           <a:p>
             <a:fld id="{C7E06540-3D4A-4D1B-89C3-AFCFAF39EF4F}" type="slidenum">
               <a:rPr lang="zh-CN" altLang="en-US" smtClean="0"/>
+              <a:t>32</a:t>
             </a:fld>
             <a:endParaRPr lang="zh-CN" altLang="en-US"/>
           </a:p>
@@ -23010,6 +23283,7 @@
           <a:p>
             <a:fld id="{C7E06540-3D4A-4D1B-89C3-AFCFAF39EF4F}" type="slidenum">
               <a:rPr lang="zh-CN" altLang="en-US" smtClean="0"/>
+              <a:t>33</a:t>
             </a:fld>
             <a:endParaRPr lang="zh-CN" altLang="en-US"/>
           </a:p>
@@ -23779,6 +24053,7 @@
           <a:p>
             <a:fld id="{C7E06540-3D4A-4D1B-89C3-AFCFAF39EF4F}" type="slidenum">
               <a:rPr lang="zh-CN" altLang="en-US" smtClean="0"/>
+              <a:t>34</a:t>
             </a:fld>
             <a:endParaRPr lang="zh-CN" altLang="en-US"/>
           </a:p>
@@ -23881,6 +24156,7 @@
           <a:p>
             <a:fld id="{C7E06540-3D4A-4D1B-89C3-AFCFAF39EF4F}" type="slidenum">
               <a:rPr lang="zh-CN" altLang="en-US" smtClean="0"/>
+              <a:t>35</a:t>
             </a:fld>
             <a:endParaRPr lang="zh-CN" altLang="en-US"/>
           </a:p>
@@ -23942,7 +24218,6 @@
               <a:rPr lang="zh-CN" altLang="en-US" dirty="0"/>
               <a:t>我的展示结束了，谢谢大家！（半）</a:t>
             </a:r>
-            <a:endParaRPr lang="zh-CN" altLang="en-US" dirty="0"/>
           </a:p>
         </p:txBody>
       </p:sp>
@@ -23963,6 +24238,7 @@
           <a:p>
             <a:fld id="{C7E06540-3D4A-4D1B-89C3-AFCFAF39EF4F}" type="slidenum">
               <a:rPr lang="zh-CN" altLang="en-US" smtClean="0"/>
+              <a:t>37</a:t>
             </a:fld>
             <a:endParaRPr lang="zh-CN" altLang="en-US"/>
           </a:p>
@@ -24049,6 +24325,7 @@
           <a:p>
             <a:fld id="{C7E06540-3D4A-4D1B-89C3-AFCFAF39EF4F}" type="slidenum">
               <a:rPr lang="zh-CN" altLang="en-US" smtClean="0"/>
+              <a:t>4</a:t>
             </a:fld>
             <a:endParaRPr lang="zh-CN" altLang="en-US"/>
           </a:p>
@@ -24147,6 +24424,7 @@
           <a:p>
             <a:fld id="{C7E06540-3D4A-4D1B-89C3-AFCFAF39EF4F}" type="slidenum">
               <a:rPr lang="zh-CN" altLang="en-US" smtClean="0"/>
+              <a:t>5</a:t>
             </a:fld>
             <a:endParaRPr lang="zh-CN" altLang="en-US"/>
           </a:p>
@@ -24233,6 +24511,7 @@
           <a:p>
             <a:fld id="{C7E06540-3D4A-4D1B-89C3-AFCFAF39EF4F}" type="slidenum">
               <a:rPr lang="zh-CN" altLang="en-US" smtClean="0"/>
+              <a:t>6</a:t>
             </a:fld>
             <a:endParaRPr lang="zh-CN" altLang="en-US"/>
           </a:p>
@@ -24319,6 +24598,7 @@
           <a:p>
             <a:fld id="{C7E06540-3D4A-4D1B-89C3-AFCFAF39EF4F}" type="slidenum">
               <a:rPr lang="zh-CN" altLang="en-US" smtClean="0"/>
+              <a:t>7</a:t>
             </a:fld>
             <a:endParaRPr lang="zh-CN" altLang="en-US"/>
           </a:p>
@@ -24388,15 +24668,6 @@
               </a:rPr>
               <a:t>基于代码穷举(exhaustion based patch generation)的方法和基于约束求解(constraint-solving based patch </a:t>
             </a:r>
-            <a:endParaRPr lang="en-US" altLang="zh-CN" sz="1200" kern="1200" dirty="0">
-              <a:solidFill>
-                <a:schemeClr val="tx1"/>
-              </a:solidFill>
-              <a:effectLst/>
-              <a:latin typeface="+mn-lt"/>
-              <a:ea typeface="+mn-ea"/>
-              <a:cs typeface="+mn-cs"/>
-            </a:endParaRPr>
           </a:p>
           <a:p>
             <a:r>
@@ -24411,15 +24682,6 @@
               </a:rPr>
               <a:t>generation)的方法.基于搜索的方法使用源自基于搜索的软件工程[7,18,19]中“搜索”的定义,即,采用元启发式</a:t>
             </a:r>
-            <a:endParaRPr lang="en-US" altLang="zh-CN" sz="1200" kern="1200" dirty="0">
-              <a:solidFill>
-                <a:schemeClr val="tx1"/>
-              </a:solidFill>
-              <a:effectLst/>
-              <a:latin typeface="+mn-lt"/>
-              <a:ea typeface="+mn-ea"/>
-              <a:cs typeface="+mn-cs"/>
-            </a:endParaRPr>
           </a:p>
           <a:p>
             <a:r>
@@ -24434,15 +24696,6 @@
               </a:rPr>
               <a:t>(meta-heuristics)方法、演化算法(evolutionary computation)等优化方法进行补丁的搜索.基于搜索的方法是程序</a:t>
             </a:r>
-            <a:endParaRPr lang="en-US" altLang="zh-CN" sz="1200" kern="1200" dirty="0">
-              <a:solidFill>
-                <a:schemeClr val="tx1"/>
-              </a:solidFill>
-              <a:effectLst/>
-              <a:latin typeface="+mn-lt"/>
-              <a:ea typeface="+mn-ea"/>
-              <a:cs typeface="+mn-cs"/>
-            </a:endParaRPr>
           </a:p>
           <a:p>
             <a:r>
@@ -24457,15 +24710,6 @@
               </a:rPr>
               <a:t>修复中的主要部分,尤其在领域创始之初更占有重要地位,代表算法包括基于遗传规划的抽象语法树修复算法</a:t>
             </a:r>
-            <a:endParaRPr lang="en-US" altLang="zh-CN" sz="1200" kern="1200" dirty="0">
-              <a:solidFill>
-                <a:schemeClr val="tx1"/>
-              </a:solidFill>
-              <a:effectLst/>
-              <a:latin typeface="+mn-lt"/>
-              <a:ea typeface="+mn-ea"/>
-              <a:cs typeface="+mn-cs"/>
-            </a:endParaRPr>
           </a:p>
           <a:p>
             <a:r>
@@ -24480,15 +24724,6 @@
               </a:rPr>
               <a:t>GenProg[5]、基于程序等价性的遗传修复算法 AE[20]、基于随机搜索的修复算法 RSRepair[16]等.基于代码穷举</a:t>
             </a:r>
-            <a:endParaRPr lang="en-US" altLang="zh-CN" sz="1200" kern="1200" dirty="0">
-              <a:solidFill>
-                <a:schemeClr val="tx1"/>
-              </a:solidFill>
-              <a:effectLst/>
-              <a:latin typeface="+mn-lt"/>
-              <a:ea typeface="+mn-ea"/>
-              <a:cs typeface="+mn-cs"/>
-            </a:endParaRPr>
           </a:p>
           <a:p>
             <a:r>
@@ -24503,15 +24738,6 @@
               </a:rPr>
               <a:t>的方法无差别地变异全部可疑语句,同时,有策略地穷举可能出现的代码修改,追求补丁的有效性而忽略算法效</a:t>
             </a:r>
-            <a:endParaRPr lang="en-US" altLang="zh-CN" sz="1200" kern="1200" dirty="0">
-              <a:solidFill>
-                <a:schemeClr val="tx1"/>
-              </a:solidFill>
-              <a:effectLst/>
-              <a:latin typeface="+mn-lt"/>
-              <a:ea typeface="+mn-ea"/>
-              <a:cs typeface="+mn-cs"/>
-            </a:endParaRPr>
           </a:p>
           <a:p>
             <a:r>
@@ -24526,15 +24752,6 @@
               </a:rPr>
               <a:t>率.这类算法不多,代表算法包括程序变异算法[21]、代码消除算法 Kali[10].基于约束求解的方法,顾名思义,将补</a:t>
             </a:r>
-            <a:endParaRPr lang="en-US" altLang="zh-CN" sz="1200" kern="1200" dirty="0">
-              <a:solidFill>
-                <a:schemeClr val="tx1"/>
-              </a:solidFill>
-              <a:effectLst/>
-              <a:latin typeface="+mn-lt"/>
-              <a:ea typeface="+mn-ea"/>
-              <a:cs typeface="+mn-cs"/>
-            </a:endParaRPr>
           </a:p>
           <a:p>
             <a:r>
@@ -24549,15 +24766,6 @@
               </a:rPr>
               <a:t>丁生成转换为约束求解问题,应用求解器直接计算可行解(feasible solution),进而转换为最终补丁,代表算法包</a:t>
             </a:r>
-            <a:endParaRPr lang="en-US" altLang="zh-CN" sz="1200" kern="1200" dirty="0">
-              <a:solidFill>
-                <a:schemeClr val="tx1"/>
-              </a:solidFill>
-              <a:effectLst/>
-              <a:latin typeface="+mn-lt"/>
-              <a:ea typeface="+mn-ea"/>
-              <a:cs typeface="+mn-cs"/>
-            </a:endParaRPr>
           </a:p>
           <a:p>
             <a:r>
@@ -24572,15 +24780,6 @@
               </a:rPr>
               <a:t>括程序语义修复 SemFix[22]、补丁简化算法 DirectFix[23]、条件 bug 修复 Nopol[24,25]等.</a:t>
             </a:r>
-            <a:endParaRPr lang="en-US" altLang="zh-CN" sz="1200" kern="1200" dirty="0">
-              <a:solidFill>
-                <a:schemeClr val="tx1"/>
-              </a:solidFill>
-              <a:effectLst/>
-              <a:latin typeface="+mn-lt"/>
-              <a:ea typeface="+mn-ea"/>
-              <a:cs typeface="+mn-cs"/>
-            </a:endParaRPr>
           </a:p>
         </p:txBody>
       </p:sp>
@@ -24601,6 +24800,7 @@
           <a:p>
             <a:fld id="{C7E06540-3D4A-4D1B-89C3-AFCFAF39EF4F}" type="slidenum">
               <a:rPr lang="zh-CN" altLang="en-US" smtClean="0"/>
+              <a:t>8</a:t>
             </a:fld>
             <a:endParaRPr lang="zh-CN" altLang="en-US"/>
           </a:p>
@@ -25096,6 +25296,7 @@
           <a:p>
             <a:fld id="{C7E06540-3D4A-4D1B-89C3-AFCFAF39EF4F}" type="slidenum">
               <a:rPr lang="zh-CN" altLang="en-US" smtClean="0"/>
+              <a:t>9</a:t>
             </a:fld>
             <a:endParaRPr lang="zh-CN" altLang="en-US"/>
           </a:p>
@@ -26147,17 +26348,6 @@
               </a:rPr>
               <a:t>背景图片素材</a:t>
             </a:r>
-            <a:endParaRPr lang="zh-CN" altLang="en-US" sz="1800" dirty="0">
-              <a:solidFill>
-                <a:schemeClr val="tx1">
-                  <a:lumMod val="75000"/>
-                  <a:lumOff val="25000"/>
-                </a:schemeClr>
-              </a:solidFill>
-              <a:latin typeface="Segoe UI Light" panose="020B0502040204020203"/>
-              <a:ea typeface="微软雅黑" panose="020B0503020204020204" charset="-122"/>
-              <a:cs typeface="Segoe UI Light" panose="020B0502040204020203"/>
-            </a:endParaRPr>
           </a:p>
         </p:txBody>
       </p:sp>
@@ -26277,14 +26467,6 @@
               </a:rPr>
               <a:t>标注</a:t>
             </a:r>
-            <a:endParaRPr lang="zh-CN" altLang="en-US" sz="1800" dirty="0">
-              <a:solidFill>
-                <a:srgbClr val="FFFFFF"/>
-              </a:solidFill>
-              <a:latin typeface="Segoe UI Light" panose="020B0502040204020203"/>
-              <a:ea typeface="微软雅黑" panose="020B0503020204020204" charset="-122"/>
-              <a:cs typeface="Segoe UI Light" panose="020B0502040204020203"/>
-            </a:endParaRPr>
           </a:p>
         </p:txBody>
       </p:sp>
@@ -26467,14 +26649,6 @@
               </a:rPr>
               <a:t>背景图片出处</a:t>
             </a:r>
-            <a:endParaRPr lang="zh-CN" altLang="en-US" sz="1400" dirty="0">
-              <a:solidFill>
-                <a:srgbClr val="FFFFFF"/>
-              </a:solidFill>
-              <a:latin typeface="Segoe UI Light" panose="020B0502040204020203"/>
-              <a:ea typeface="微软雅黑" panose="020B0503020204020204" charset="-122"/>
-              <a:cs typeface="Segoe UI Light" panose="020B0502040204020203"/>
-            </a:endParaRPr>
           </a:p>
           <a:p>
             <a:pPr defTabSz="609600">
@@ -26688,14 +26862,6 @@
               </a:rPr>
               <a:t>1.3</a:t>
             </a:r>
-            <a:endParaRPr lang="en-US" altLang="zh-CN" sz="1400" dirty="0">
-              <a:solidFill>
-                <a:srgbClr val="FFFFFF"/>
-              </a:solidFill>
-              <a:latin typeface="Segoe UI Light" panose="020B0502040204020203"/>
-              <a:ea typeface="微软雅黑" panose="020B0503020204020204" charset="-122"/>
-              <a:cs typeface="Segoe UI Light" panose="020B0502040204020203"/>
-            </a:endParaRPr>
           </a:p>
           <a:p>
             <a:pPr defTabSz="609600">
@@ -27174,20 +27340,6 @@
               </a:rPr>
               <a:t>不得被全部或部分的复制、传播、销售，否则将承担法律责任。</a:t>
             </a:r>
-            <a:endParaRPr kumimoji="0" lang="zh-CN" altLang="en-US" sz="1335" b="0" i="0" u="none" strike="noStrike" kern="1200" cap="none" spc="0" normalizeH="0" baseline="0" noProof="0" dirty="0">
-              <a:ln>
-                <a:noFill/>
-              </a:ln>
-              <a:solidFill>
-                <a:prstClr val="white"/>
-              </a:solidFill>
-              <a:effectLst/>
-              <a:uLnTx/>
-              <a:uFillTx/>
-              <a:latin typeface="Century Gothic" panose="020B0502020202020204"/>
-              <a:ea typeface="微软雅黑" panose="020B0503020204020204" charset="-122"/>
-              <a:cs typeface="+mn-cs"/>
-            </a:endParaRPr>
           </a:p>
         </p:txBody>
       </p:sp>
@@ -27314,13 +27466,6 @@
               </a:rPr>
               <a:t>获取更多优质模板（放映模式）</a:t>
             </a:r>
-            <a:endParaRPr kumimoji="1" lang="zh-CN" altLang="en-US" sz="1335" dirty="0">
-              <a:solidFill>
-                <a:srgbClr val="000000"/>
-              </a:solidFill>
-              <a:latin typeface="Century Gothic" panose="020B0502020202020204"/>
-              <a:ea typeface="微软雅黑" panose="020B0503020204020204" charset="-122"/>
-            </a:endParaRPr>
           </a:p>
         </p:txBody>
       </p:sp>
@@ -27361,13 +27506,13 @@
   <p:clrMapOvr>
     <a:masterClrMapping/>
   </p:clrMapOvr>
-  <mc:AlternateContent xmlns:mc="http://schemas.openxmlformats.org/markup-compatibility/2006">
-    <mc:Choice xmlns:p14="http://schemas.microsoft.com/office/powerpoint/2010/main" Requires="p14">
+  <mc:AlternateContent xmlns:mc="http://schemas.openxmlformats.org/markup-compatibility/2006" xmlns:p14="http://schemas.microsoft.com/office/powerpoint/2010/main">
+    <mc:Choice Requires="p14">
       <p:transition spd="med" p14:dur="700">
         <p:fade/>
       </p:transition>
     </mc:Choice>
-    <mc:Fallback>
+    <mc:Fallback xmlns="">
       <p:transition spd="med">
         <p:fade/>
       </p:transition>
@@ -32008,16 +32153,16 @@
             <a:picLocks noChangeAspect="1"/>
           </p:cNvPicPr>
           <p:nvPr>
-            <a:audioFile r:link="rId1"/>
+            <a:audioFile r:link="rId2"/>
             <p:extLst>
               <p:ext uri="{DAA4B4D4-6D71-4841-9C94-3DE7FCFB9230}">
-                <p14:media xmlns:p14="http://schemas.microsoft.com/office/powerpoint/2010/main" r:embed="rId2"/>
+                <p14:media xmlns:p14="http://schemas.microsoft.com/office/powerpoint/2010/main" r:embed="rId1"/>
               </p:ext>
             </p:extLst>
           </p:nvPr>
         </p:nvPicPr>
         <p:blipFill>
-          <a:blip r:embed="rId3"/>
+          <a:blip r:embed="rId5"/>
           <a:stretch>
             <a:fillRect/>
           </a:stretch>
@@ -32063,11 +32208,6 @@
               </a:rPr>
               <a:t>automatic program repair</a:t>
             </a:r>
-            <a:endParaRPr lang="en-US" altLang="zh-CN" sz="2000" b="1" dirty="0">
-              <a:solidFill>
-                <a:schemeClr val="bg1"/>
-              </a:solidFill>
-            </a:endParaRPr>
           </a:p>
         </p:txBody>
       </p:sp>
@@ -32080,7 +32220,7 @@
           <p:nvPr/>
         </p:nvPicPr>
         <p:blipFill>
-          <a:blip r:embed="rId4" cstate="print">
+          <a:blip r:embed="rId6" cstate="print">
             <a:extLst>
               <a:ext uri="{28A0092B-C50C-407E-A947-70E740481C1C}">
                 <a14:useLocalDpi xmlns:a14="http://schemas.microsoft.com/office/drawing/2010/main" val="0"/>
@@ -33078,7 +33218,6 @@
               <a:rPr lang="zh-CN" altLang="en-US" sz="1600" b="1" dirty="0"/>
               <a:t>组员：林豪 周南</a:t>
             </a:r>
-            <a:endParaRPr lang="zh-CN" altLang="en-US" sz="1600" b="1" dirty="0"/>
           </a:p>
         </p:txBody>
       </p:sp>
@@ -33118,13 +33257,13 @@
   <p:clrMapOvr>
     <a:masterClrMapping/>
   </p:clrMapOvr>
-  <mc:AlternateContent xmlns:mc="http://schemas.openxmlformats.org/markup-compatibility/2006">
-    <mc:Choice xmlns:p14="http://schemas.microsoft.com/office/powerpoint/2010/main" Requires="p14">
+  <mc:AlternateContent xmlns:mc="http://schemas.openxmlformats.org/markup-compatibility/2006" xmlns:p14="http://schemas.microsoft.com/office/powerpoint/2010/main">
+    <mc:Choice Requires="p14">
       <p:transition spd="slow" p14:dur="1600" advTm="158">
         <p:blinds dir="vert"/>
       </p:transition>
     </mc:Choice>
-    <mc:Fallback>
+    <mc:Fallback xmlns="">
       <p:transition spd="slow" advTm="158">
         <p:blinds dir="vert"/>
       </p:transition>
@@ -33300,14 +33439,12 @@
               <a:rPr lang="en-US" altLang="zh-CN" sz="2000" dirty="0"/>
               <a:t>Part One</a:t>
             </a:r>
-            <a:endParaRPr lang="en-US" altLang="zh-CN" sz="2000" dirty="0"/>
           </a:p>
           <a:p>
             <a:r>
               <a:rPr lang="zh-CN" altLang="en-US" sz="2000" dirty="0"/>
               <a:t>自动程序修复技术介绍</a:t>
             </a:r>
-            <a:endParaRPr lang="zh-CN" altLang="en-US" sz="2000" dirty="0"/>
           </a:p>
         </p:txBody>
       </p:sp>
@@ -33450,13 +33587,6 @@
               </a:rPr>
               <a:t>symbolic analysis</a:t>
             </a:r>
-            <a:endParaRPr lang="en-US" sz="2400" i="1" dirty="0">
-              <a:solidFill>
-                <a:srgbClr val="212529"/>
-              </a:solidFill>
-              <a:latin typeface="Calibri" panose="020F0502020204030204" pitchFamily="34" charset="0"/>
-              <a:cs typeface="Calibri" panose="020F0502020204030204" pitchFamily="34" charset="0"/>
-            </a:endParaRPr>
           </a:p>
         </p:txBody>
       </p:sp>
@@ -33520,13 +33650,6 @@
               </a:rPr>
               <a:t>deep learning</a:t>
             </a:r>
-            <a:endParaRPr lang="en-US" sz="2400" i="1" dirty="0">
-              <a:solidFill>
-                <a:srgbClr val="212529"/>
-              </a:solidFill>
-              <a:latin typeface="Calibri" panose="020F0502020204030204" pitchFamily="34" charset="0"/>
-              <a:cs typeface="Calibri" panose="020F0502020204030204" pitchFamily="34" charset="0"/>
-            </a:endParaRPr>
           </a:p>
         </p:txBody>
       </p:sp>
@@ -33547,7 +33670,13 @@
             <a:tbl>
               <a:tblPr/>
               <a:tblGrid>
-                <a:gridCol w="9878396"/>
+                <a:gridCol w="9878396">
+                  <a:extLst>
+                    <a:ext uri="{9D8B030D-6E8A-4147-A177-3AD203B41FA5}">
+                      <a16:colId xmlns:a16="http://schemas.microsoft.com/office/drawing/2014/main" val="20000"/>
+                    </a:ext>
+                  </a:extLst>
+                </a:gridCol>
               </a:tblGrid>
               <a:tr h="0">
                 <a:tc>
@@ -33584,14 +33713,6 @@
                         </a:rPr>
                         <a:t>automated program repair tool with accurate condition synthesis</a:t>
                       </a:r>
-                      <a:endParaRPr lang="en-US" sz="2400" kern="1200" dirty="0">
-                        <a:solidFill>
-                          <a:srgbClr val="212529"/>
-                        </a:solidFill>
-                        <a:latin typeface="Calibri" panose="020F0502020204030204" pitchFamily="34" charset="0"/>
-                        <a:ea typeface="+mn-ea"/>
-                        <a:cs typeface="Calibri" panose="020F0502020204030204" pitchFamily="34" charset="0"/>
-                      </a:endParaRPr>
                     </a:p>
                   </a:txBody>
                   <a:tcPr>
@@ -33610,6 +33731,11 @@
                     <a:noFill/>
                   </a:tcPr>
                 </a:tc>
+                <a:extLst>
+                  <a:ext uri="{0D108BD9-81ED-4DB2-BD59-A6C34878D82A}">
+                    <a16:rowId xmlns:a16="http://schemas.microsoft.com/office/drawing/2014/main" val="10000"/>
+                  </a:ext>
+                </a:extLst>
               </a:tr>
             </a:tbl>
           </a:graphicData>
@@ -33665,13 +33791,6 @@
               </a:rPr>
               <a:t>automated program repair tool for conditional expressions</a:t>
             </a:r>
-            <a:endParaRPr lang="en-US" sz="2400" dirty="0">
-              <a:solidFill>
-                <a:srgbClr val="212529"/>
-              </a:solidFill>
-              <a:latin typeface="Calibri" panose="020F0502020204030204" pitchFamily="34" charset="0"/>
-              <a:cs typeface="Calibri" panose="020F0502020204030204" pitchFamily="34" charset="0"/>
-            </a:endParaRPr>
           </a:p>
         </p:txBody>
       </p:sp>
@@ -33692,7 +33811,13 @@
             <a:tbl>
               <a:tblPr/>
               <a:tblGrid>
-                <a:gridCol w="9877108"/>
+                <a:gridCol w="9877108">
+                  <a:extLst>
+                    <a:ext uri="{9D8B030D-6E8A-4147-A177-3AD203B41FA5}">
+                      <a16:colId xmlns:a16="http://schemas.microsoft.com/office/drawing/2014/main" val="20000"/>
+                    </a:ext>
+                  </a:extLst>
+                </a:gridCol>
               </a:tblGrid>
               <a:tr h="0">
                 <a:tc>
@@ -33729,14 +33854,6 @@
                         </a:rPr>
                         <a:t>fixing Java bugs by leveraging existing patches and similar code</a:t>
                       </a:r>
-                      <a:endParaRPr lang="en-US" sz="2400" kern="1200" dirty="0">
-                        <a:solidFill>
-                          <a:srgbClr val="212529"/>
-                        </a:solidFill>
-                        <a:latin typeface="Calibri" panose="020F0502020204030204" pitchFamily="34" charset="0"/>
-                        <a:ea typeface="+mn-ea"/>
-                        <a:cs typeface="Calibri" panose="020F0502020204030204" pitchFamily="34" charset="0"/>
-                      </a:endParaRPr>
                     </a:p>
                   </a:txBody>
                   <a:tcPr>
@@ -33755,6 +33872,11 @@
                     <a:noFill/>
                   </a:tcPr>
                 </a:tc>
+                <a:extLst>
+                  <a:ext uri="{0D108BD9-81ED-4DB2-BD59-A6C34878D82A}">
+                    <a16:rowId xmlns:a16="http://schemas.microsoft.com/office/drawing/2014/main" val="10000"/>
+                  </a:ext>
+                </a:extLst>
               </a:tr>
             </a:tbl>
           </a:graphicData>
@@ -33868,11 +33990,6 @@
               </a:rPr>
               <a:t>C++</a:t>
             </a:r>
-            <a:endParaRPr lang="en-US" b="1" dirty="0">
-              <a:solidFill>
-                <a:srgbClr val="FF0000"/>
-              </a:solidFill>
-            </a:endParaRPr>
           </a:p>
         </p:txBody>
       </p:sp>
@@ -33906,11 +34023,6 @@
               </a:rPr>
               <a:t>Java</a:t>
             </a:r>
-            <a:endParaRPr lang="en-US" b="1" dirty="0">
-              <a:solidFill>
-                <a:srgbClr val="FF0000"/>
-              </a:solidFill>
-            </a:endParaRPr>
           </a:p>
         </p:txBody>
       </p:sp>
@@ -33940,7 +34052,6 @@
               <a:rPr lang="en-US" dirty="0"/>
               <a:t>……</a:t>
             </a:r>
-            <a:endParaRPr lang="en-US" dirty="0"/>
           </a:p>
         </p:txBody>
       </p:sp>
@@ -33949,13 +34060,13 @@
   <p:clrMapOvr>
     <a:masterClrMapping/>
   </p:clrMapOvr>
-  <mc:AlternateContent xmlns:mc="http://schemas.openxmlformats.org/markup-compatibility/2006">
-    <mc:Choice xmlns:p14="http://schemas.microsoft.com/office/powerpoint/2010/main" Requires="p14">
+  <mc:AlternateContent xmlns:mc="http://schemas.openxmlformats.org/markup-compatibility/2006" xmlns:p14="http://schemas.microsoft.com/office/powerpoint/2010/main">
+    <mc:Choice Requires="p14">
       <p:transition spd="med" p14:dur="700">
         <p:fade/>
       </p:transition>
     </mc:Choice>
-    <mc:Fallback>
+    <mc:Fallback xmlns="">
       <p:transition spd="med">
         <p:fade/>
       </p:transition>
@@ -34044,14 +34155,12 @@
               <a:rPr lang="en-US" altLang="zh-CN" sz="2000" dirty="0"/>
               <a:t>Part One</a:t>
             </a:r>
-            <a:endParaRPr lang="en-US" altLang="zh-CN" sz="2000" dirty="0"/>
           </a:p>
           <a:p>
             <a:r>
               <a:rPr lang="zh-CN" altLang="en-US" sz="2000" dirty="0"/>
               <a:t>自动程序修复技术介绍</a:t>
             </a:r>
-            <a:endParaRPr lang="zh-CN" altLang="en-US" sz="2000" dirty="0"/>
           </a:p>
         </p:txBody>
       </p:sp>
@@ -34266,13 +34375,6 @@
               </a:rPr>
               <a:t>. </a:t>
             </a:r>
-            <a:endParaRPr lang="en-US" altLang="zh-CN" sz="2400" dirty="0">
-              <a:solidFill>
-                <a:srgbClr val="212529"/>
-              </a:solidFill>
-              <a:latin typeface="Calibri" panose="020F0502020204030204" pitchFamily="34" charset="0"/>
-              <a:cs typeface="Calibri" panose="020F0502020204030204" pitchFamily="34" charset="0"/>
-            </a:endParaRPr>
           </a:p>
           <a:p>
             <a:r>
@@ -34487,13 +34589,13 @@
   <p:clrMapOvr>
     <a:masterClrMapping/>
   </p:clrMapOvr>
-  <mc:AlternateContent xmlns:mc="http://schemas.openxmlformats.org/markup-compatibility/2006">
-    <mc:Choice xmlns:p14="http://schemas.microsoft.com/office/powerpoint/2010/main" Requires="p14">
+  <mc:AlternateContent xmlns:mc="http://schemas.openxmlformats.org/markup-compatibility/2006" xmlns:p14="http://schemas.microsoft.com/office/powerpoint/2010/main">
+    <mc:Choice Requires="p14">
       <p:transition spd="med" p14:dur="700">
         <p:fade/>
       </p:transition>
     </mc:Choice>
-    <mc:Fallback>
+    <mc:Fallback xmlns="">
       <p:transition spd="med">
         <p:fade/>
       </p:transition>
@@ -34582,14 +34684,12 @@
               <a:rPr lang="en-US" altLang="zh-CN" sz="2000" dirty="0"/>
               <a:t>Part One</a:t>
             </a:r>
-            <a:endParaRPr lang="en-US" altLang="zh-CN" sz="2000" dirty="0"/>
           </a:p>
           <a:p>
             <a:r>
               <a:rPr lang="zh-CN" altLang="en-US" sz="2000" dirty="0"/>
               <a:t>自动程序修复技术介绍</a:t>
             </a:r>
-            <a:endParaRPr lang="zh-CN" altLang="en-US" sz="2000" dirty="0"/>
           </a:p>
         </p:txBody>
       </p:sp>
@@ -34664,13 +34764,6 @@
               </a:rPr>
               <a:t>: a database of existing faults to enable controlled testing studies for Java</a:t>
             </a:r>
-            <a:endParaRPr lang="en-US" sz="2400" dirty="0">
-              <a:solidFill>
-                <a:srgbClr val="212529"/>
-              </a:solidFill>
-              <a:latin typeface="Calibri" panose="020F0502020204030204" pitchFamily="34" charset="0"/>
-              <a:cs typeface="Calibri" panose="020F0502020204030204" pitchFamily="34" charset="0"/>
-            </a:endParaRPr>
           </a:p>
         </p:txBody>
       </p:sp>
@@ -34729,13 +34822,6 @@
               </a:rPr>
               <a:t>automated program repair benchmark that consists of 185 defects from large popular open-source projects</a:t>
             </a:r>
-            <a:endParaRPr lang="en-US" sz="2400" dirty="0">
-              <a:solidFill>
-                <a:srgbClr val="212529"/>
-              </a:solidFill>
-              <a:latin typeface="Calibri" panose="020F0502020204030204" pitchFamily="34" charset="0"/>
-              <a:cs typeface="Calibri" panose="020F0502020204030204" pitchFamily="34" charset="0"/>
-            </a:endParaRPr>
           </a:p>
         </p:txBody>
       </p:sp>
@@ -34765,7 +34851,6 @@
               <a:rPr lang="en-US" dirty="0"/>
               <a:t>……</a:t>
             </a:r>
-            <a:endParaRPr lang="en-US" dirty="0"/>
           </a:p>
         </p:txBody>
       </p:sp>
@@ -34774,13 +34859,13 @@
   <p:clrMapOvr>
     <a:masterClrMapping/>
   </p:clrMapOvr>
-  <mc:AlternateContent xmlns:mc="http://schemas.openxmlformats.org/markup-compatibility/2006">
-    <mc:Choice xmlns:p14="http://schemas.microsoft.com/office/powerpoint/2010/main" Requires="p14">
+  <mc:AlternateContent xmlns:mc="http://schemas.openxmlformats.org/markup-compatibility/2006" xmlns:p14="http://schemas.microsoft.com/office/powerpoint/2010/main">
+    <mc:Choice Requires="p14">
       <p:transition spd="med" p14:dur="700">
         <p:fade/>
       </p:transition>
     </mc:Choice>
-    <mc:Fallback>
+    <mc:Fallback xmlns="">
       <p:transition spd="med">
         <p:fade/>
       </p:transition>
@@ -34869,14 +34954,12 @@
               <a:rPr lang="en-US" altLang="zh-CN" sz="2000" dirty="0"/>
               <a:t>Part One</a:t>
             </a:r>
-            <a:endParaRPr lang="en-US" altLang="zh-CN" sz="2000" dirty="0"/>
           </a:p>
           <a:p>
             <a:r>
               <a:rPr lang="zh-CN" altLang="en-US" sz="2000" dirty="0"/>
               <a:t>自动程序修复技术介绍</a:t>
             </a:r>
-            <a:endParaRPr lang="zh-CN" altLang="en-US" sz="2000" dirty="0"/>
           </a:p>
         </p:txBody>
       </p:sp>
@@ -35014,7 +35097,7 @@
           <a:p>
             <a:r>
               <a:rPr lang="en-US" sz="3200" dirty="0">
-                <a:hlinkClick r:id="rId1"/>
+                <a:hlinkClick r:id="rId3"/>
               </a:rPr>
               <a:t>http://program-repair.org</a:t>
             </a:r>
@@ -35057,13 +35140,13 @@
   <p:clrMapOvr>
     <a:masterClrMapping/>
   </p:clrMapOvr>
-  <mc:AlternateContent xmlns:mc="http://schemas.openxmlformats.org/markup-compatibility/2006">
-    <mc:Choice xmlns:p14="http://schemas.microsoft.com/office/powerpoint/2010/main" Requires="p14">
+  <mc:AlternateContent xmlns:mc="http://schemas.openxmlformats.org/markup-compatibility/2006" xmlns:p14="http://schemas.microsoft.com/office/powerpoint/2010/main">
+    <mc:Choice Requires="p14">
       <p:transition spd="med" p14:dur="700">
         <p:fade/>
       </p:transition>
     </mc:Choice>
-    <mc:Fallback>
+    <mc:Fallback xmlns="">
       <p:transition spd="med">
         <p:fade/>
       </p:transition>
@@ -35152,14 +35235,12 @@
               <a:rPr lang="en-US" altLang="zh-CN" sz="2000" dirty="0"/>
               <a:t>Part One</a:t>
             </a:r>
-            <a:endParaRPr lang="en-US" altLang="zh-CN" sz="2000" dirty="0"/>
           </a:p>
           <a:p>
             <a:r>
               <a:rPr lang="zh-CN" altLang="en-US" sz="2000" dirty="0"/>
               <a:t>自动程序修复技术介绍</a:t>
             </a:r>
-            <a:endParaRPr lang="zh-CN" altLang="en-US" sz="2000" dirty="0"/>
           </a:p>
         </p:txBody>
       </p:sp>
@@ -35273,7 +35354,7 @@
           <p:nvPr/>
         </p:nvPicPr>
         <p:blipFill>
-          <a:blip r:embed="rId1">
+          <a:blip r:embed="rId3">
             <a:extLst>
               <a:ext uri="{28A0092B-C50C-407E-A947-70E740481C1C}">
                 <a14:useLocalDpi xmlns:a14="http://schemas.microsoft.com/office/drawing/2010/main" val="0"/>
@@ -35432,13 +35513,13 @@
   <p:clrMapOvr>
     <a:masterClrMapping/>
   </p:clrMapOvr>
-  <mc:AlternateContent xmlns:mc="http://schemas.openxmlformats.org/markup-compatibility/2006">
-    <mc:Choice xmlns:p14="http://schemas.microsoft.com/office/powerpoint/2010/main" Requires="p14">
+  <mc:AlternateContent xmlns:mc="http://schemas.openxmlformats.org/markup-compatibility/2006" xmlns:p14="http://schemas.microsoft.com/office/powerpoint/2010/main">
+    <mc:Choice Requires="p14">
       <p:transition spd="med" p14:dur="700">
         <p:fade/>
       </p:transition>
     </mc:Choice>
-    <mc:Fallback>
+    <mc:Fallback xmlns="">
       <p:transition spd="med">
         <p:fade/>
       </p:transition>
@@ -35494,11 +35575,6 @@
               </a:rPr>
               <a:t>Part Two</a:t>
             </a:r>
-            <a:endParaRPr lang="en-US" altLang="zh-CN" sz="5400" b="1" dirty="0">
-              <a:solidFill>
-                <a:schemeClr val="bg1"/>
-              </a:solidFill>
-            </a:endParaRPr>
           </a:p>
           <a:p>
             <a:r>
@@ -35509,11 +35585,6 @@
               </a:rPr>
               <a:t>面向自动程序修复工具数据集构建</a:t>
             </a:r>
-            <a:endParaRPr lang="zh-CN" altLang="en-US" sz="5400" dirty="0">
-              <a:solidFill>
-                <a:schemeClr val="bg1"/>
-              </a:solidFill>
-            </a:endParaRPr>
           </a:p>
         </p:txBody>
       </p:sp>
@@ -35555,7 +35626,7 @@
       <p:pic>
         <p:nvPicPr>
           <p:cNvPr id="5" name="图片 4">
-            <a:hlinkClick r:id="rId1"/>
+            <a:hlinkClick r:id="rId3"/>
           </p:cNvPr>
           <p:cNvPicPr>
             <a:picLocks noChangeAspect="1"/>
@@ -35563,11 +35634,11 @@
           <p:nvPr/>
         </p:nvPicPr>
         <p:blipFill>
-          <a:blip r:embed="rId2">
+          <a:blip r:embed="rId4">
             <a:extLst>
               <a:ext uri="{BEBA8EAE-BF5A-486C-A8C5-ECC9F3942E4B}">
                 <a14:imgProps xmlns:a14="http://schemas.microsoft.com/office/drawing/2010/main">
-                  <a14:imgLayer r:embed="rId3">
+                  <a14:imgLayer r:embed="rId5">
                     <a14:imgEffect>
                       <a14:brightnessContrast bright="100000"/>
                     </a14:imgEffect>
@@ -35601,13 +35672,13 @@
   <p:clrMapOvr>
     <a:masterClrMapping/>
   </p:clrMapOvr>
-  <mc:AlternateContent xmlns:mc="http://schemas.openxmlformats.org/markup-compatibility/2006">
-    <mc:Choice xmlns:p15="http://schemas.microsoft.com/office/powerpoint/2012/main" Requires="p15">
-      <p:transition xmlns:p14="http://schemas.microsoft.com/office/powerpoint/2010/main" spd="slow" Requires="p14" p14:dur="1250">
+  <mc:AlternateContent xmlns:mc="http://schemas.openxmlformats.org/markup-compatibility/2006" xmlns:p15="http://schemas.microsoft.com/office/powerpoint/2012/main">
+    <mc:Choice Requires="p15">
+      <p:transition xmlns:p14="http://schemas.microsoft.com/office/powerpoint/2010/main" spd="slow" p14:dur="1250">
         <p15:prstTrans prst="peelOff"/>
       </p:transition>
     </mc:Choice>
-    <mc:Fallback>
+    <mc:Fallback xmlns="">
       <p:transition spd="slow">
         <p:fade/>
       </p:transition>
@@ -35782,14 +35853,12 @@
               <a:rPr lang="en-US" altLang="zh-CN" sz="2000" dirty="0"/>
               <a:t>Part One</a:t>
             </a:r>
-            <a:endParaRPr lang="en-US" altLang="zh-CN" sz="2000" dirty="0"/>
           </a:p>
           <a:p>
             <a:r>
               <a:rPr lang="zh-CN" altLang="en-US" sz="2000" dirty="0"/>
               <a:t>自动程序修复技术介绍</a:t>
             </a:r>
-            <a:endParaRPr lang="zh-CN" altLang="en-US" sz="2000" dirty="0"/>
           </a:p>
         </p:txBody>
       </p:sp>
@@ -35798,13 +35867,13 @@
   <p:clrMapOvr>
     <a:masterClrMapping/>
   </p:clrMapOvr>
-  <mc:AlternateContent xmlns:mc="http://schemas.openxmlformats.org/markup-compatibility/2006">
-    <mc:Choice xmlns:p14="http://schemas.microsoft.com/office/powerpoint/2010/main" Requires="p14">
+  <mc:AlternateContent xmlns:mc="http://schemas.openxmlformats.org/markup-compatibility/2006" xmlns:p14="http://schemas.microsoft.com/office/powerpoint/2010/main">
+    <mc:Choice Requires="p14">
       <p:transition spd="med" p14:dur="700">
         <p:fade/>
       </p:transition>
     </mc:Choice>
-    <mc:Fallback>
+    <mc:Fallback xmlns="">
       <p:transition spd="med">
         <p:fade/>
       </p:transition>
@@ -35934,12 +36003,6 @@
               </a:rPr>
               <a:t>同时验证生成后的补丁是否通过测试集</a:t>
             </a:r>
-            <a:endParaRPr lang="zh-CN" altLang="en-US" sz="2000" b="1" dirty="0">
-              <a:solidFill>
-                <a:srgbClr val="CC3300"/>
-              </a:solidFill>
-              <a:latin typeface="Times New Roman" panose="02020603050405020304" pitchFamily="18" charset="0"/>
-            </a:endParaRPr>
           </a:p>
         </p:txBody>
       </p:sp>
@@ -36006,14 +36069,12 @@
               <a:rPr lang="en-US" altLang="zh-CN" sz="2000" dirty="0"/>
               <a:t>Part One</a:t>
             </a:r>
-            <a:endParaRPr lang="en-US" altLang="zh-CN" sz="2000" dirty="0"/>
           </a:p>
           <a:p>
             <a:r>
               <a:rPr lang="zh-CN" altLang="en-US" sz="2000" dirty="0"/>
               <a:t>自动程序修复技术介绍</a:t>
             </a:r>
-            <a:endParaRPr lang="zh-CN" altLang="en-US" sz="2000" dirty="0"/>
           </a:p>
         </p:txBody>
       </p:sp>
@@ -36022,13 +36083,13 @@
   <p:clrMapOvr>
     <a:masterClrMapping/>
   </p:clrMapOvr>
-  <mc:AlternateContent xmlns:mc="http://schemas.openxmlformats.org/markup-compatibility/2006">
-    <mc:Choice xmlns:p14="http://schemas.microsoft.com/office/powerpoint/2010/main" Requires="p14">
+  <mc:AlternateContent xmlns:mc="http://schemas.openxmlformats.org/markup-compatibility/2006" xmlns:p14="http://schemas.microsoft.com/office/powerpoint/2010/main">
+    <mc:Choice Requires="p14">
       <p:transition spd="med" p14:dur="700">
         <p:fade/>
       </p:transition>
     </mc:Choice>
-    <mc:Fallback>
+    <mc:Fallback xmlns="">
       <p:transition spd="med">
         <p:fade/>
       </p:transition>
@@ -36117,14 +36178,12 @@
               <a:rPr lang="en-US" altLang="zh-CN" sz="2000" dirty="0"/>
               <a:t>Part Two</a:t>
             </a:r>
-            <a:endParaRPr lang="en-US" altLang="zh-CN" sz="2000" dirty="0"/>
           </a:p>
           <a:p>
             <a:r>
               <a:rPr lang="zh-CN" altLang="en-US" sz="2000" dirty="0"/>
               <a:t>背景综述</a:t>
             </a:r>
-            <a:endParaRPr lang="zh-CN" altLang="en-US" sz="2000" dirty="0"/>
           </a:p>
         </p:txBody>
       </p:sp>
@@ -36197,7 +36256,6 @@
                 <a:rPr lang="en-US" altLang="zh-CN" sz="2000" dirty="0"/>
                 <a:t>APR)</a:t>
               </a:r>
-              <a:endParaRPr lang="en-US" altLang="zh-CN" sz="2000" dirty="0"/>
             </a:p>
           </p:txBody>
         </p:sp>
@@ -36210,7 +36268,7 @@
             <p:nvPr/>
           </p:nvPicPr>
           <p:blipFill>
-            <a:blip r:embed="rId1">
+            <a:blip r:embed="rId3">
               <a:extLst>
                 <a:ext uri="{28A0092B-C50C-407E-A947-70E740481C1C}">
                   <a14:useLocalDpi xmlns:a14="http://schemas.microsoft.com/office/drawing/2010/main" val="0"/>
@@ -36410,7 +36468,7 @@
             <p:nvPr/>
           </p:nvPicPr>
           <p:blipFill>
-            <a:blip r:embed="rId2">
+            <a:blip r:embed="rId4">
               <a:extLst>
                 <a:ext uri="{28A0092B-C50C-407E-A947-70E740481C1C}">
                   <a14:useLocalDpi xmlns:a14="http://schemas.microsoft.com/office/drawing/2010/main" val="0"/>
@@ -36467,7 +36525,6 @@
                 <a:rPr lang="zh-CN" altLang="en-US" sz="2000" dirty="0"/>
                 <a:t>测试集</a:t>
               </a:r>
-              <a:endParaRPr lang="zh-CN" altLang="en-US" sz="2000" dirty="0"/>
             </a:p>
           </p:txBody>
         </p:sp>
@@ -36495,7 +36552,7 @@
             <p:nvPr/>
           </p:nvPicPr>
           <p:blipFill>
-            <a:blip r:embed="rId3">
+            <a:blip r:embed="rId5">
               <a:extLst>
                 <a:ext uri="{28A0092B-C50C-407E-A947-70E740481C1C}">
                   <a14:useLocalDpi xmlns:a14="http://schemas.microsoft.com/office/drawing/2010/main" val="0"/>
@@ -36525,7 +36582,7 @@
             <p:nvPr/>
           </p:nvPicPr>
           <p:blipFill>
-            <a:blip r:embed="rId4">
+            <a:blip r:embed="rId6">
               <a:extLst>
                 <a:ext uri="{28A0092B-C50C-407E-A947-70E740481C1C}">
                   <a14:useLocalDpi xmlns:a14="http://schemas.microsoft.com/office/drawing/2010/main" val="0"/>
@@ -36679,13 +36736,13 @@
   <p:clrMapOvr>
     <a:masterClrMapping/>
   </p:clrMapOvr>
-  <mc:AlternateContent xmlns:mc="http://schemas.openxmlformats.org/markup-compatibility/2006">
-    <mc:Choice xmlns:p14="http://schemas.microsoft.com/office/powerpoint/2010/main" Requires="p14">
+  <mc:AlternateContent xmlns:mc="http://schemas.openxmlformats.org/markup-compatibility/2006" xmlns:p14="http://schemas.microsoft.com/office/powerpoint/2010/main">
+    <mc:Choice Requires="p14">
       <p:transition spd="med" p14:dur="700">
         <p:fade/>
       </p:transition>
     </mc:Choice>
-    <mc:Fallback>
+    <mc:Fallback xmlns="">
       <p:transition spd="med">
         <p:fade/>
       </p:transition>
@@ -36876,7 +36933,6 @@
               <a:rPr lang="zh-CN" altLang="en-US" sz="2800" dirty="0"/>
               <a:t>答辩</a:t>
             </a:r>
-            <a:endParaRPr lang="zh-CN" altLang="en-US" sz="2800" dirty="0"/>
           </a:p>
         </p:txBody>
       </p:sp>
@@ -36889,7 +36945,7 @@
           <p:nvPr/>
         </p:nvPicPr>
         <p:blipFill>
-          <a:blip r:embed="rId1">
+          <a:blip r:embed="rId3">
             <a:extLst>
               <a:ext uri="{28A0092B-C50C-407E-A947-70E740481C1C}">
                 <a14:useLocalDpi xmlns:a14="http://schemas.microsoft.com/office/drawing/2010/main" val="0"/>
@@ -36943,7 +36999,7 @@
           <p:nvPr/>
         </p:nvPicPr>
         <p:blipFill>
-          <a:blip r:embed="rId2">
+          <a:blip r:embed="rId4">
             <a:extLst>
               <a:ext uri="{28A0092B-C50C-407E-A947-70E740481C1C}">
                 <a14:useLocalDpi xmlns:a14="http://schemas.microsoft.com/office/drawing/2010/main" val="0"/>
@@ -37014,7 +37070,6 @@
               <a:rPr lang="zh-CN" altLang="en-US" sz="2400" dirty="0"/>
               <a:t>修复基准</a:t>
             </a:r>
-            <a:endParaRPr lang="zh-CN" altLang="en-US" sz="2400" dirty="0"/>
           </a:p>
         </p:txBody>
       </p:sp>
@@ -37052,7 +37107,6 @@
               <a:rPr lang="zh-CN" altLang="en-US" sz="2400" dirty="0"/>
               <a:t>的测试用例</a:t>
             </a:r>
-            <a:endParaRPr lang="zh-CN" altLang="en-US" sz="2400" dirty="0"/>
           </a:p>
         </p:txBody>
       </p:sp>
@@ -37061,13 +37115,13 @@
   <p:clrMapOvr>
     <a:masterClrMapping/>
   </p:clrMapOvr>
-  <mc:AlternateContent xmlns:mc="http://schemas.openxmlformats.org/markup-compatibility/2006">
-    <mc:Choice xmlns:p14="http://schemas.microsoft.com/office/powerpoint/2010/main" Requires="p14">
+  <mc:AlternateContent xmlns:mc="http://schemas.openxmlformats.org/markup-compatibility/2006" xmlns:p14="http://schemas.microsoft.com/office/powerpoint/2010/main">
+    <mc:Choice Requires="p14">
       <p:transition spd="med" p14:dur="700">
         <p:fade/>
       </p:transition>
     </mc:Choice>
-    <mc:Fallback>
+    <mc:Fallback xmlns="">
       <p:transition spd="med">
         <p:fade/>
       </p:transition>
@@ -37171,7 +37225,6 @@
               <a:rPr lang="zh-CN" altLang="en-US" sz="2000" dirty="0"/>
               <a:t>自动程序修复技术介绍</a:t>
             </a:r>
-            <a:endParaRPr lang="zh-CN" altLang="en-US" sz="2000" dirty="0"/>
           </a:p>
         </p:txBody>
       </p:sp>
@@ -37205,7 +37258,6 @@
               <a:rPr lang="zh-CN" altLang="en-US" sz="2000" dirty="0"/>
               <a:t>面向自动程序修复工具数据集构建</a:t>
             </a:r>
-            <a:endParaRPr lang="zh-CN" altLang="en-US" sz="2000" dirty="0"/>
           </a:p>
           <a:p>
             <a:endParaRPr lang="zh-CN" altLang="en-US" sz="2000" dirty="0"/>
@@ -37250,11 +37302,6 @@
               </a:rPr>
               <a:t>背景</a:t>
             </a:r>
-            <a:endParaRPr lang="zh-CN" altLang="en-US" sz="2000" dirty="0">
-              <a:solidFill>
-                <a:schemeClr val="bg1"/>
-              </a:solidFill>
-            </a:endParaRPr>
           </a:p>
         </p:txBody>
       </p:sp>
@@ -37296,11 +37343,6 @@
               </a:rPr>
               <a:t>数据集构建</a:t>
             </a:r>
-            <a:endParaRPr lang="zh-CN" altLang="en-US" sz="2000" dirty="0">
-              <a:solidFill>
-                <a:schemeClr val="bg1"/>
-              </a:solidFill>
-            </a:endParaRPr>
           </a:p>
         </p:txBody>
       </p:sp>
@@ -37377,11 +37419,6 @@
               </a:rPr>
               <a:t>实证研究</a:t>
             </a:r>
-            <a:endParaRPr lang="zh-CN" altLang="en-US" sz="2000" dirty="0">
-              <a:solidFill>
-                <a:schemeClr val="bg1"/>
-              </a:solidFill>
-            </a:endParaRPr>
           </a:p>
         </p:txBody>
       </p:sp>
@@ -37414,7 +37451,6 @@
               <a:rPr lang="zh-CN" altLang="en-US" dirty="0"/>
               <a:t>参考资料</a:t>
             </a:r>
-            <a:endParaRPr lang="zh-CN" altLang="en-US" dirty="0"/>
           </a:p>
         </p:txBody>
       </p:sp>
@@ -37423,13 +37459,13 @@
   <p:clrMapOvr>
     <a:masterClrMapping/>
   </p:clrMapOvr>
-  <mc:AlternateContent xmlns:mc="http://schemas.openxmlformats.org/markup-compatibility/2006">
-    <mc:Choice xmlns:p14="http://schemas.microsoft.com/office/powerpoint/2010/main" Requires="p14">
+  <mc:AlternateContent xmlns:mc="http://schemas.openxmlformats.org/markup-compatibility/2006" xmlns:p14="http://schemas.microsoft.com/office/powerpoint/2010/main">
+    <mc:Choice Requires="p14">
       <p:transition spd="slow" p14:dur="1600">
         <p:blinds dir="vert"/>
       </p:transition>
     </mc:Choice>
-    <mc:Fallback>
+    <mc:Fallback xmlns="">
       <p:transition spd="slow">
         <p:blinds dir="vert"/>
       </p:transition>
@@ -37464,7 +37500,7 @@
           <p:nvPr/>
         </p:nvPicPr>
         <p:blipFill>
-          <a:blip r:embed="rId1">
+          <a:blip r:embed="rId3">
             <a:extLst>
               <a:ext uri="{28A0092B-C50C-407E-A947-70E740481C1C}">
                 <a14:useLocalDpi xmlns:a14="http://schemas.microsoft.com/office/drawing/2010/main" val="0"/>
@@ -37518,7 +37554,7 @@
           <p:nvPr/>
         </p:nvPicPr>
         <p:blipFill>
-          <a:blip r:embed="rId2">
+          <a:blip r:embed="rId4">
             <a:extLst>
               <a:ext uri="{28A0092B-C50C-407E-A947-70E740481C1C}">
                 <a14:useLocalDpi xmlns:a14="http://schemas.microsoft.com/office/drawing/2010/main" val="0"/>
@@ -37597,7 +37633,6 @@
               <a:rPr lang="zh-CN" altLang="en-US" sz="2400" dirty="0"/>
               <a:t>的测试用例</a:t>
             </a:r>
-            <a:endParaRPr lang="zh-CN" altLang="en-US" sz="2400" dirty="0"/>
           </a:p>
         </p:txBody>
       </p:sp>
@@ -37627,7 +37662,6 @@
               <a:rPr lang="zh-CN" altLang="en-US" sz="2400" dirty="0"/>
               <a:t>修复基准</a:t>
             </a:r>
-            <a:endParaRPr lang="zh-CN" altLang="en-US" sz="2400" dirty="0"/>
           </a:p>
         </p:txBody>
       </p:sp>
@@ -37636,13 +37670,13 @@
   <p:clrMapOvr>
     <a:masterClrMapping/>
   </p:clrMapOvr>
-  <mc:AlternateContent xmlns:mc="http://schemas.openxmlformats.org/markup-compatibility/2006">
-    <mc:Choice xmlns:p14="http://schemas.microsoft.com/office/powerpoint/2010/main" Requires="p14">
+  <mc:AlternateContent xmlns:mc="http://schemas.openxmlformats.org/markup-compatibility/2006" xmlns:p14="http://schemas.microsoft.com/office/powerpoint/2010/main">
+    <mc:Choice Requires="p14">
       <p:transition spd="med" p14:dur="700">
         <p:fade/>
       </p:transition>
     </mc:Choice>
-    <mc:Fallback>
+    <mc:Fallback xmlns="">
       <p:transition spd="med">
         <p:fade/>
       </p:transition>
@@ -37928,11 +37962,6 @@
               </a:rPr>
               <a:t>No preconception of bug fixes</a:t>
             </a:r>
-            <a:endParaRPr lang="en-US" altLang="zh-CN" sz="2400" b="1" dirty="0">
-              <a:solidFill>
-                <a:schemeClr val="bg1"/>
-              </a:solidFill>
-            </a:endParaRPr>
           </a:p>
           <a:p>
             <a:pPr algn="ctr"/>
@@ -38000,11 +38029,6 @@
               </a:rPr>
               <a:t>修复的先验知识</a:t>
             </a:r>
-            <a:endParaRPr lang="zh-CN" altLang="en-US" sz="2000" b="1" dirty="0">
-              <a:solidFill>
-                <a:schemeClr val="bg1"/>
-              </a:solidFill>
-            </a:endParaRPr>
           </a:p>
         </p:txBody>
       </p:sp>
@@ -38042,7 +38066,6 @@
               <a:rPr lang="zh-CN" altLang="en-US" sz="2800" dirty="0"/>
               <a:t>工具测试集的三个特征：</a:t>
             </a:r>
-            <a:endParaRPr lang="zh-CN" altLang="en-US" sz="2800" dirty="0"/>
           </a:p>
         </p:txBody>
       </p:sp>
@@ -38076,11 +38099,6 @@
               </a:rPr>
               <a:t>Diversity</a:t>
             </a:r>
-            <a:endParaRPr lang="en-US" altLang="zh-CN" sz="2400" b="1" dirty="0">
-              <a:solidFill>
-                <a:schemeClr val="bg1"/>
-              </a:solidFill>
-            </a:endParaRPr>
           </a:p>
           <a:p>
             <a:pPr algn="ctr"/>
@@ -38100,11 +38118,6 @@
               </a:rPr>
               <a:t>数据多样性</a:t>
             </a:r>
-            <a:endParaRPr lang="zh-CN" altLang="en-US" sz="2000" b="1" dirty="0">
-              <a:solidFill>
-                <a:schemeClr val="bg1"/>
-              </a:solidFill>
-            </a:endParaRPr>
           </a:p>
         </p:txBody>
       </p:sp>
@@ -38311,11 +38324,6 @@
               </a:rPr>
               <a:t>)</a:t>
             </a:r>
-            <a:endParaRPr lang="en-US" altLang="zh-CN" sz="2000" b="1" dirty="0">
-              <a:solidFill>
-                <a:schemeClr val="bg1"/>
-              </a:solidFill>
-            </a:endParaRPr>
           </a:p>
           <a:p>
             <a:pPr algn="ctr">
@@ -38402,14 +38410,12 @@
               <a:rPr lang="en-US" altLang="zh-CN" sz="2000" dirty="0"/>
               <a:t>Part Two</a:t>
             </a:r>
-            <a:endParaRPr lang="en-US" altLang="zh-CN" sz="2000" dirty="0"/>
           </a:p>
           <a:p>
             <a:r>
               <a:rPr lang="zh-CN" altLang="en-US" sz="2000" dirty="0"/>
               <a:t>背景综述</a:t>
             </a:r>
-            <a:endParaRPr lang="zh-CN" altLang="en-US" sz="2000" dirty="0"/>
           </a:p>
         </p:txBody>
       </p:sp>
@@ -38418,13 +38424,13 @@
   <p:clrMapOvr>
     <a:masterClrMapping/>
   </p:clrMapOvr>
-  <mc:AlternateContent xmlns:mc="http://schemas.openxmlformats.org/markup-compatibility/2006">
-    <mc:Choice xmlns:p14="http://schemas.microsoft.com/office/powerpoint/2010/main" Requires="p14">
+  <mc:AlternateContent xmlns:mc="http://schemas.openxmlformats.org/markup-compatibility/2006" xmlns:p14="http://schemas.microsoft.com/office/powerpoint/2010/main">
+    <mc:Choice Requires="p14">
       <p:transition spd="med" p14:dur="700">
         <p:fade/>
       </p:transition>
     </mc:Choice>
-    <mc:Fallback>
+    <mc:Fallback xmlns="">
       <p:transition spd="med">
         <p:fade/>
       </p:transition>
@@ -38666,14 +38672,12 @@
               <a:rPr lang="en-US" altLang="zh-CN" sz="2000" dirty="0"/>
               <a:t>Part Two</a:t>
             </a:r>
-            <a:endParaRPr lang="en-US" altLang="zh-CN" sz="2000" dirty="0"/>
           </a:p>
           <a:p>
             <a:r>
               <a:rPr lang="zh-CN" altLang="en-US" sz="2000" dirty="0"/>
               <a:t>背景综述</a:t>
             </a:r>
-            <a:endParaRPr lang="zh-CN" altLang="en-US" sz="2000" dirty="0"/>
           </a:p>
         </p:txBody>
       </p:sp>
@@ -38726,12 +38730,6 @@
               </a:rPr>
               <a:t>工具测试集的三个特征是什么？</a:t>
             </a:r>
-            <a:endParaRPr lang="zh-CN" altLang="en-US" b="1" dirty="0">
-              <a:solidFill>
-                <a:srgbClr val="CC3300"/>
-              </a:solidFill>
-              <a:latin typeface="Times New Roman" panose="02020603050405020304" pitchFamily="18" charset="0"/>
-            </a:endParaRPr>
           </a:p>
         </p:txBody>
       </p:sp>
@@ -38740,13 +38738,13 @@
   <p:clrMapOvr>
     <a:masterClrMapping/>
   </p:clrMapOvr>
-  <mc:AlternateContent xmlns:mc="http://schemas.openxmlformats.org/markup-compatibility/2006">
-    <mc:Choice xmlns:p14="http://schemas.microsoft.com/office/powerpoint/2010/main" Requires="p14">
+  <mc:AlternateContent xmlns:mc="http://schemas.openxmlformats.org/markup-compatibility/2006" xmlns:p14="http://schemas.microsoft.com/office/powerpoint/2010/main">
+    <mc:Choice Requires="p14">
       <p:transition spd="med" p14:dur="700">
         <p:fade/>
       </p:transition>
     </mc:Choice>
-    <mc:Fallback>
+    <mc:Fallback xmlns="">
       <p:transition spd="med">
         <p:fade/>
       </p:transition>
@@ -38802,11 +38800,6 @@
               </a:rPr>
               <a:t>Part Two-02</a:t>
             </a:r>
-            <a:endParaRPr lang="en-US" altLang="zh-CN" sz="5400" b="1" dirty="0">
-              <a:solidFill>
-                <a:schemeClr val="bg1"/>
-              </a:solidFill>
-            </a:endParaRPr>
           </a:p>
           <a:p>
             <a:r>
@@ -38817,11 +38810,6 @@
               </a:rPr>
               <a:t>数据集构建</a:t>
             </a:r>
-            <a:endParaRPr lang="zh-CN" altLang="en-US" sz="5400" dirty="0">
-              <a:solidFill>
-                <a:schemeClr val="bg1"/>
-              </a:solidFill>
-            </a:endParaRPr>
           </a:p>
         </p:txBody>
       </p:sp>
@@ -38863,7 +38851,7 @@
       <p:pic>
         <p:nvPicPr>
           <p:cNvPr id="5" name="图片 4">
-            <a:hlinkClick r:id="rId1"/>
+            <a:hlinkClick r:id="rId3"/>
           </p:cNvPr>
           <p:cNvPicPr>
             <a:picLocks noChangeAspect="1"/>
@@ -38871,11 +38859,11 @@
           <p:nvPr/>
         </p:nvPicPr>
         <p:blipFill>
-          <a:blip r:embed="rId2">
+          <a:blip r:embed="rId4">
             <a:extLst>
               <a:ext uri="{BEBA8EAE-BF5A-486C-A8C5-ECC9F3942E4B}">
                 <a14:imgProps xmlns:a14="http://schemas.microsoft.com/office/drawing/2010/main">
-                  <a14:imgLayer r:embed="rId3">
+                  <a14:imgLayer r:embed="rId5">
                     <a14:imgEffect>
                       <a14:brightnessContrast bright="100000"/>
                     </a14:imgEffect>
@@ -38909,13 +38897,13 @@
   <p:clrMapOvr>
     <a:masterClrMapping/>
   </p:clrMapOvr>
-  <mc:AlternateContent xmlns:mc="http://schemas.openxmlformats.org/markup-compatibility/2006">
-    <mc:Choice xmlns:p15="http://schemas.microsoft.com/office/powerpoint/2012/main" Requires="p15">
-      <p:transition xmlns:p14="http://schemas.microsoft.com/office/powerpoint/2010/main" spd="slow" Requires="p14" p14:dur="1250">
+  <mc:AlternateContent xmlns:mc="http://schemas.openxmlformats.org/markup-compatibility/2006" xmlns:p15="http://schemas.microsoft.com/office/powerpoint/2012/main">
+    <mc:Choice Requires="p15">
+      <p:transition xmlns:p14="http://schemas.microsoft.com/office/powerpoint/2010/main" spd="slow" p14:dur="1250">
         <p15:prstTrans prst="peelOff"/>
       </p:transition>
     </mc:Choice>
-    <mc:Fallback>
+    <mc:Fallback xmlns="">
       <p:transition spd="slow">
         <p:fade/>
       </p:transition>
@@ -38953,7 +38941,7 @@
         </p:xfrm>
         <a:graphic>
           <a:graphicData uri="http://schemas.openxmlformats.org/drawingml/2006/chart">
-            <c:chart xmlns:c="http://schemas.openxmlformats.org/drawingml/2006/chart" xmlns:r="http://schemas.openxmlformats.org/officeDocument/2006/relationships" r:id="rId1"/>
+            <c:chart xmlns:c="http://schemas.openxmlformats.org/drawingml/2006/chart" xmlns:r="http://schemas.openxmlformats.org/officeDocument/2006/relationships" r:id="rId3"/>
           </a:graphicData>
         </a:graphic>
       </p:graphicFrame>
@@ -39089,11 +39077,6 @@
               </a:rPr>
               <a:t>待修复程序源代码</a:t>
             </a:r>
-            <a:endParaRPr lang="zh-CN" altLang="en-US" sz="2400" b="1" dirty="0">
-              <a:solidFill>
-                <a:srgbClr val="231F20"/>
-              </a:solidFill>
-            </a:endParaRPr>
           </a:p>
         </p:txBody>
       </p:sp>
@@ -39142,11 +39125,6 @@
               </a:rPr>
               <a:t>的测试用例</a:t>
             </a:r>
-            <a:endParaRPr lang="zh-CN" altLang="en-US" sz="2400" b="1" dirty="0">
-              <a:solidFill>
-                <a:srgbClr val="231F20"/>
-              </a:solidFill>
-            </a:endParaRPr>
           </a:p>
         </p:txBody>
       </p:sp>
@@ -39285,14 +39263,6 @@
               </a:rPr>
               <a:t>测试集中的数据</a:t>
             </a:r>
-            <a:endParaRPr lang="zh-CN" altLang="en-US" sz="2800" b="1" dirty="0">
-              <a:solidFill>
-                <a:schemeClr val="tx1">
-                  <a:lumMod val="75000"/>
-                  <a:lumOff val="25000"/>
-                </a:schemeClr>
-              </a:solidFill>
-            </a:endParaRPr>
           </a:p>
         </p:txBody>
       </p:sp>
@@ -39305,7 +39275,7 @@
           <p:nvPr/>
         </p:nvPicPr>
         <p:blipFill>
-          <a:blip r:embed="rId2">
+          <a:blip r:embed="rId4">
             <a:extLst>
               <a:ext uri="{28A0092B-C50C-407E-A947-70E740481C1C}">
                 <a14:useLocalDpi xmlns:a14="http://schemas.microsoft.com/office/drawing/2010/main" val="0"/>
@@ -39389,14 +39359,12 @@
               <a:rPr lang="en-US" altLang="zh-CN" sz="2000" dirty="0"/>
               <a:t>Part Two</a:t>
             </a:r>
-            <a:endParaRPr lang="en-US" altLang="zh-CN" sz="2000" dirty="0"/>
           </a:p>
           <a:p>
             <a:r>
               <a:rPr lang="zh-CN" altLang="en-US" sz="2000" dirty="0"/>
               <a:t>测试集构建</a:t>
             </a:r>
-            <a:endParaRPr lang="zh-CN" altLang="en-US" sz="2000" dirty="0"/>
           </a:p>
         </p:txBody>
       </p:sp>
@@ -39529,7 +39497,6 @@
               <a:rPr lang="zh-CN" altLang="en-US" dirty="0"/>
               <a:t>（回归测试中失败的测试用例）</a:t>
             </a:r>
-            <a:endParaRPr lang="zh-CN" altLang="en-US" dirty="0"/>
           </a:p>
         </p:txBody>
       </p:sp>
@@ -39562,11 +39529,6 @@
               </a:rPr>
               <a:t>修复基准</a:t>
             </a:r>
-            <a:endParaRPr lang="zh-CN" altLang="en-US" sz="2400" b="1" dirty="0">
-              <a:solidFill>
-                <a:srgbClr val="231F20"/>
-              </a:solidFill>
-            </a:endParaRPr>
           </a:p>
         </p:txBody>
       </p:sp>
@@ -39604,7 +39566,6 @@
               <a:rPr lang="zh-CN" altLang="en-US" dirty="0"/>
               <a:t>人工修复的补丁）</a:t>
             </a:r>
-            <a:endParaRPr lang="zh-CN" altLang="en-US" dirty="0"/>
           </a:p>
         </p:txBody>
       </p:sp>
@@ -39613,13 +39574,13 @@
   <p:clrMapOvr>
     <a:masterClrMapping/>
   </p:clrMapOvr>
-  <mc:AlternateContent xmlns:mc="http://schemas.openxmlformats.org/markup-compatibility/2006">
-    <mc:Choice xmlns:p14="http://schemas.microsoft.com/office/powerpoint/2010/main" Requires="p14">
+  <mc:AlternateContent xmlns:mc="http://schemas.openxmlformats.org/markup-compatibility/2006" xmlns:p14="http://schemas.microsoft.com/office/powerpoint/2010/main">
+    <mc:Choice Requires="p14">
       <p:transition spd="med" p14:dur="700">
         <p:fade/>
       </p:transition>
     </mc:Choice>
-    <mc:Fallback>
+    <mc:Fallback xmlns="">
       <p:transition spd="med">
         <p:fade/>
       </p:transition>
@@ -40116,14 +40077,6 @@
                 </a:rPr>
                 <a:t>项目筛选</a:t>
               </a:r>
-              <a:endParaRPr lang="zh-CN" altLang="en-US" sz="2000" b="1" dirty="0">
-                <a:solidFill>
-                  <a:schemeClr val="tx1">
-                    <a:lumMod val="75000"/>
-                    <a:lumOff val="25000"/>
-                  </a:schemeClr>
-                </a:solidFill>
-              </a:endParaRPr>
             </a:p>
           </p:txBody>
         </p:sp>
@@ -40170,14 +40123,6 @@
                 </a:rPr>
                 <a:t>及修复基准筛选</a:t>
               </a:r>
-              <a:endParaRPr lang="zh-CN" altLang="en-US" sz="2000" b="1" dirty="0">
-                <a:solidFill>
-                  <a:schemeClr val="tx1">
-                    <a:lumMod val="75000"/>
-                    <a:lumOff val="25000"/>
-                  </a:schemeClr>
-                </a:solidFill>
-              </a:endParaRPr>
             </a:p>
           </p:txBody>
         </p:sp>
@@ -40245,14 +40190,6 @@
                 </a:rPr>
                 <a:t>修复基准正确性验证</a:t>
               </a:r>
-              <a:endParaRPr lang="zh-CN" altLang="en-US" sz="2000" b="1" dirty="0">
-                <a:solidFill>
-                  <a:schemeClr val="tx1">
-                    <a:lumMod val="75000"/>
-                    <a:lumOff val="25000"/>
-                  </a:schemeClr>
-                </a:solidFill>
-              </a:endParaRPr>
             </a:p>
           </p:txBody>
         </p:sp>
@@ -40266,7 +40203,7 @@
           <p:nvPr/>
         </p:nvPicPr>
         <p:blipFill>
-          <a:blip r:embed="rId1">
+          <a:blip r:embed="rId3">
             <a:extLst>
               <a:ext uri="{28A0092B-C50C-407E-A947-70E740481C1C}">
                 <a14:useLocalDpi xmlns:a14="http://schemas.microsoft.com/office/drawing/2010/main" val="0"/>
@@ -40374,14 +40311,12 @@
               <a:rPr lang="en-US" altLang="zh-CN" sz="2000" dirty="0"/>
               <a:t>Part Two</a:t>
             </a:r>
-            <a:endParaRPr lang="en-US" altLang="zh-CN" sz="2000" dirty="0"/>
           </a:p>
           <a:p>
             <a:r>
               <a:rPr lang="zh-CN" altLang="en-US" sz="2000" dirty="0"/>
               <a:t>测试集构建</a:t>
             </a:r>
-            <a:endParaRPr lang="zh-CN" altLang="en-US" sz="2000" dirty="0"/>
           </a:p>
         </p:txBody>
       </p:sp>
@@ -40390,13 +40325,13 @@
   <p:clrMapOvr>
     <a:masterClrMapping/>
   </p:clrMapOvr>
-  <mc:AlternateContent xmlns:mc="http://schemas.openxmlformats.org/markup-compatibility/2006">
-    <mc:Choice xmlns:p14="http://schemas.microsoft.com/office/powerpoint/2010/main" Requires="p14">
+  <mc:AlternateContent xmlns:mc="http://schemas.openxmlformats.org/markup-compatibility/2006" xmlns:p14="http://schemas.microsoft.com/office/powerpoint/2010/main">
+    <mc:Choice Requires="p14">
       <p:transition spd="med" p14:dur="700">
         <p:fade/>
       </p:transition>
     </mc:Choice>
-    <mc:Fallback>
+    <mc:Fallback xmlns="">
       <p:transition spd="med">
         <p:fade/>
       </p:transition>
@@ -40434,7 +40369,7 @@
         </p:xfrm>
         <a:graphic>
           <a:graphicData uri="http://schemas.openxmlformats.org/drawingml/2006/diagram">
-            <dgm:relIds xmlns:dgm="http://schemas.openxmlformats.org/drawingml/2006/diagram" xmlns:r="http://schemas.openxmlformats.org/officeDocument/2006/relationships" r:dm="rId1" r:lo="rId2" r:qs="rId3" r:cs="rId4"/>
+            <dgm:relIds xmlns:dgm="http://schemas.openxmlformats.org/drawingml/2006/diagram" xmlns:r="http://schemas.openxmlformats.org/officeDocument/2006/relationships" r:dm="rId3" r:lo="rId4" r:qs="rId5" r:cs="rId6"/>
           </a:graphicData>
         </a:graphic>
       </p:graphicFrame>
@@ -41008,14 +40943,6 @@
                 </a:rPr>
                 <a:t>项目筛选</a:t>
               </a:r>
-              <a:endParaRPr lang="zh-CN" altLang="en-US" sz="2800" b="1" dirty="0">
-                <a:solidFill>
-                  <a:schemeClr val="tx1">
-                    <a:lumMod val="75000"/>
-                    <a:lumOff val="25000"/>
-                  </a:schemeClr>
-                </a:solidFill>
-              </a:endParaRPr>
             </a:p>
           </p:txBody>
         </p:sp>
@@ -41062,14 +40989,6 @@
                 </a:rPr>
                 <a:t>及修复基准筛选</a:t>
               </a:r>
-              <a:endParaRPr lang="zh-CN" altLang="en-US" sz="2000" b="1" dirty="0">
-                <a:solidFill>
-                  <a:schemeClr val="tx1">
-                    <a:lumMod val="75000"/>
-                    <a:lumOff val="25000"/>
-                  </a:schemeClr>
-                </a:solidFill>
-              </a:endParaRPr>
             </a:p>
           </p:txBody>
         </p:sp>
@@ -41137,14 +41056,6 @@
                 </a:rPr>
                 <a:t>修复基准正确性验证</a:t>
               </a:r>
-              <a:endParaRPr lang="zh-CN" altLang="en-US" sz="2000" b="1" dirty="0">
-                <a:solidFill>
-                  <a:schemeClr val="tx1">
-                    <a:lumMod val="75000"/>
-                    <a:lumOff val="25000"/>
-                  </a:schemeClr>
-                </a:solidFill>
-              </a:endParaRPr>
             </a:p>
           </p:txBody>
         </p:sp>
@@ -41219,7 +41130,6 @@
               <a:rPr lang="zh-CN" altLang="en-US" dirty="0"/>
               <a:t>次数</a:t>
             </a:r>
-            <a:endParaRPr lang="zh-CN" altLang="en-US" dirty="0"/>
           </a:p>
           <a:p>
             <a:endParaRPr lang="zh-CN" altLang="en-US" dirty="0"/>
@@ -41289,14 +41199,12 @@
               <a:rPr lang="en-US" altLang="zh-CN" sz="2000" dirty="0"/>
               <a:t>Part Two</a:t>
             </a:r>
-            <a:endParaRPr lang="en-US" altLang="zh-CN" sz="2000" dirty="0"/>
           </a:p>
           <a:p>
             <a:r>
               <a:rPr lang="zh-CN" altLang="en-US" sz="2000" dirty="0"/>
               <a:t>测试集构建</a:t>
             </a:r>
-            <a:endParaRPr lang="zh-CN" altLang="en-US" sz="2000" dirty="0"/>
           </a:p>
         </p:txBody>
       </p:sp>
@@ -41305,13 +41213,13 @@
   <p:clrMapOvr>
     <a:masterClrMapping/>
   </p:clrMapOvr>
-  <mc:AlternateContent xmlns:mc="http://schemas.openxmlformats.org/markup-compatibility/2006">
-    <mc:Choice xmlns:p14="http://schemas.microsoft.com/office/powerpoint/2010/main" Requires="p14">
+  <mc:AlternateContent xmlns:mc="http://schemas.openxmlformats.org/markup-compatibility/2006" xmlns:p14="http://schemas.microsoft.com/office/powerpoint/2010/main">
+    <mc:Choice Requires="p14">
       <p:transition spd="med" p14:dur="700">
         <p:fade/>
       </p:transition>
     </mc:Choice>
-    <mc:Fallback>
+    <mc:Fallback xmlns="">
       <p:transition spd="med">
         <p:fade/>
       </p:transition>
@@ -41808,14 +41716,6 @@
                 </a:rPr>
                 <a:t>项目筛选</a:t>
               </a:r>
-              <a:endParaRPr lang="zh-CN" altLang="en-US" sz="2000" b="1" dirty="0">
-                <a:solidFill>
-                  <a:schemeClr val="tx1">
-                    <a:lumMod val="75000"/>
-                    <a:lumOff val="25000"/>
-                  </a:schemeClr>
-                </a:solidFill>
-              </a:endParaRPr>
             </a:p>
           </p:txBody>
         </p:sp>
@@ -41862,14 +41762,6 @@
                 </a:rPr>
                 <a:t>及修复基准筛选</a:t>
               </a:r>
-              <a:endParaRPr lang="zh-CN" altLang="en-US" sz="2800" b="1" dirty="0">
-                <a:solidFill>
-                  <a:schemeClr val="tx1">
-                    <a:lumMod val="75000"/>
-                    <a:lumOff val="25000"/>
-                  </a:schemeClr>
-                </a:solidFill>
-              </a:endParaRPr>
             </a:p>
           </p:txBody>
         </p:sp>
@@ -41937,14 +41829,6 @@
                 </a:rPr>
                 <a:t>修复基准正确性验证</a:t>
               </a:r>
-              <a:endParaRPr lang="zh-CN" altLang="en-US" sz="2000" b="1" dirty="0">
-                <a:solidFill>
-                  <a:schemeClr val="tx1">
-                    <a:lumMod val="75000"/>
-                    <a:lumOff val="25000"/>
-                  </a:schemeClr>
-                </a:solidFill>
-              </a:endParaRPr>
             </a:p>
           </p:txBody>
         </p:sp>
@@ -41961,7 +41845,7 @@
         </p:xfrm>
         <a:graphic>
           <a:graphicData uri="http://schemas.openxmlformats.org/drawingml/2006/diagram">
-            <dgm:relIds xmlns:dgm="http://schemas.openxmlformats.org/drawingml/2006/diagram" xmlns:r="http://schemas.openxmlformats.org/officeDocument/2006/relationships" r:dm="rId1" r:lo="rId2" r:qs="rId3" r:cs="rId4"/>
+            <dgm:relIds xmlns:dgm="http://schemas.openxmlformats.org/drawingml/2006/diagram" xmlns:r="http://schemas.openxmlformats.org/officeDocument/2006/relationships" r:dm="rId3" r:lo="rId4" r:qs="rId5" r:cs="rId6"/>
           </a:graphicData>
         </a:graphic>
       </p:graphicFrame>
@@ -42081,7 +41965,6 @@
               <a:rPr lang="zh-CN" altLang="en-US" sz="2000" dirty="0"/>
               <a:t>的测试用例</a:t>
             </a:r>
-            <a:endParaRPr lang="zh-CN" altLang="en-US" sz="2000" dirty="0"/>
           </a:p>
         </p:txBody>
       </p:sp>
@@ -42147,7 +42030,6 @@
               <a:rPr lang="zh-CN" altLang="en-US" dirty="0"/>
               <a:t>修复后的程序源代码</a:t>
             </a:r>
-            <a:endParaRPr lang="zh-CN" altLang="en-US" dirty="0"/>
           </a:p>
         </p:txBody>
       </p:sp>
@@ -42214,14 +42096,12 @@
               <a:rPr lang="en-US" altLang="zh-CN" sz="2000" dirty="0"/>
               <a:t>Part Two</a:t>
             </a:r>
-            <a:endParaRPr lang="en-US" altLang="zh-CN" sz="2000" dirty="0"/>
           </a:p>
           <a:p>
             <a:r>
               <a:rPr lang="zh-CN" altLang="en-US" sz="2000" dirty="0"/>
               <a:t>测试集构建</a:t>
             </a:r>
-            <a:endParaRPr lang="zh-CN" altLang="en-US" sz="2000" dirty="0"/>
           </a:p>
         </p:txBody>
       </p:sp>
@@ -42230,13 +42110,13 @@
   <p:clrMapOvr>
     <a:masterClrMapping/>
   </p:clrMapOvr>
-  <mc:AlternateContent xmlns:mc="http://schemas.openxmlformats.org/markup-compatibility/2006">
-    <mc:Choice xmlns:p14="http://schemas.microsoft.com/office/powerpoint/2010/main" Requires="p14">
+  <mc:AlternateContent xmlns:mc="http://schemas.openxmlformats.org/markup-compatibility/2006" xmlns:p14="http://schemas.microsoft.com/office/powerpoint/2010/main">
+    <mc:Choice Requires="p14">
       <p:transition spd="med" p14:dur="700">
         <p:fade/>
       </p:transition>
     </mc:Choice>
-    <mc:Fallback>
+    <mc:Fallback xmlns="">
       <p:transition spd="med">
         <p:fade/>
       </p:transition>
@@ -42733,14 +42613,6 @@
                 </a:rPr>
                 <a:t>项目筛选</a:t>
               </a:r>
-              <a:endParaRPr lang="zh-CN" altLang="en-US" sz="2000" b="1" dirty="0">
-                <a:solidFill>
-                  <a:schemeClr val="tx1">
-                    <a:lumMod val="75000"/>
-                    <a:lumOff val="25000"/>
-                  </a:schemeClr>
-                </a:solidFill>
-              </a:endParaRPr>
             </a:p>
           </p:txBody>
         </p:sp>
@@ -42787,14 +42659,6 @@
                 </a:rPr>
                 <a:t>及修复基准筛选</a:t>
               </a:r>
-              <a:endParaRPr lang="zh-CN" altLang="en-US" sz="2800" b="1" dirty="0">
-                <a:solidFill>
-                  <a:schemeClr val="tx1">
-                    <a:lumMod val="75000"/>
-                    <a:lumOff val="25000"/>
-                  </a:schemeClr>
-                </a:solidFill>
-              </a:endParaRPr>
             </a:p>
           </p:txBody>
         </p:sp>
@@ -42862,14 +42726,6 @@
                 </a:rPr>
                 <a:t>修复基准正确性验证</a:t>
               </a:r>
-              <a:endParaRPr lang="zh-CN" altLang="en-US" sz="2000" b="1" dirty="0">
-                <a:solidFill>
-                  <a:schemeClr val="tx1">
-                    <a:lumMod val="75000"/>
-                    <a:lumOff val="25000"/>
-                  </a:schemeClr>
-                </a:solidFill>
-              </a:endParaRPr>
             </a:p>
           </p:txBody>
         </p:sp>
@@ -42886,7 +42742,7 @@
         </p:xfrm>
         <a:graphic>
           <a:graphicData uri="http://schemas.openxmlformats.org/drawingml/2006/diagram">
-            <dgm:relIds xmlns:dgm="http://schemas.openxmlformats.org/drawingml/2006/diagram" xmlns:r="http://schemas.openxmlformats.org/officeDocument/2006/relationships" r:dm="rId1" r:lo="rId2" r:qs="rId3" r:cs="rId4"/>
+            <dgm:relIds xmlns:dgm="http://schemas.openxmlformats.org/drawingml/2006/diagram" xmlns:r="http://schemas.openxmlformats.org/officeDocument/2006/relationships" r:dm="rId3" r:lo="rId4" r:qs="rId5" r:cs="rId6"/>
           </a:graphicData>
         </a:graphic>
       </p:graphicFrame>
@@ -42899,7 +42755,7 @@
           <p:nvPr/>
         </p:nvPicPr>
         <p:blipFill>
-          <a:blip r:embed="rId6">
+          <a:blip r:embed="rId8">
             <a:extLst>
               <a:ext uri="{28A0092B-C50C-407E-A947-70E740481C1C}">
                 <a14:useLocalDpi xmlns:a14="http://schemas.microsoft.com/office/drawing/2010/main" val="0"/>
@@ -42929,7 +42785,7 @@
           <p:nvPr/>
         </p:nvPicPr>
         <p:blipFill>
-          <a:blip r:embed="rId7">
+          <a:blip r:embed="rId9">
             <a:extLst>
               <a:ext uri="{28A0092B-C50C-407E-A947-70E740481C1C}">
                 <a14:useLocalDpi xmlns:a14="http://schemas.microsoft.com/office/drawing/2010/main" val="0"/>
@@ -43023,7 +42879,6 @@
               <a:rPr lang="zh-CN" altLang="en-US" sz="2000" dirty="0"/>
               <a:t>寻找同一开发者在构建历史中下一次成功的构建</a:t>
             </a:r>
-            <a:endParaRPr lang="zh-CN" altLang="en-US" sz="2000" dirty="0"/>
           </a:p>
         </p:txBody>
       </p:sp>
@@ -43065,7 +42920,6 @@
               <a:rPr lang="zh-CN" altLang="en-US" sz="2000" dirty="0"/>
               <a:t>中寻找下一次成功的构建</a:t>
             </a:r>
-            <a:endParaRPr lang="zh-CN" altLang="en-US" sz="2000" dirty="0"/>
           </a:p>
         </p:txBody>
       </p:sp>
@@ -43111,7 +42965,6 @@
               <a:rPr lang="zh-CN" altLang="en-US" sz="2400" dirty="0"/>
               <a:t>待修复程序源代码</a:t>
             </a:r>
-            <a:endParaRPr lang="zh-CN" altLang="en-US" sz="2400" dirty="0"/>
           </a:p>
         </p:txBody>
       </p:sp>
@@ -43178,14 +43031,12 @@
               <a:rPr lang="en-US" altLang="zh-CN" sz="2000" dirty="0"/>
               <a:t>Part Two</a:t>
             </a:r>
-            <a:endParaRPr lang="en-US" altLang="zh-CN" sz="2000" dirty="0"/>
           </a:p>
           <a:p>
             <a:r>
               <a:rPr lang="zh-CN" altLang="en-US" sz="2000" dirty="0"/>
               <a:t>测试集构建</a:t>
             </a:r>
-            <a:endParaRPr lang="zh-CN" altLang="en-US" sz="2000" dirty="0"/>
           </a:p>
         </p:txBody>
       </p:sp>
@@ -43194,13 +43045,13 @@
   <p:clrMapOvr>
     <a:masterClrMapping/>
   </p:clrMapOvr>
-  <mc:AlternateContent xmlns:mc="http://schemas.openxmlformats.org/markup-compatibility/2006">
-    <mc:Choice xmlns:p14="http://schemas.microsoft.com/office/powerpoint/2010/main" Requires="p14">
+  <mc:AlternateContent xmlns:mc="http://schemas.openxmlformats.org/markup-compatibility/2006" xmlns:p14="http://schemas.microsoft.com/office/powerpoint/2010/main">
+    <mc:Choice Requires="p14">
       <p:transition spd="med" p14:dur="700">
         <p:fade/>
       </p:transition>
     </mc:Choice>
-    <mc:Fallback>
+    <mc:Fallback xmlns="">
       <p:transition spd="med">
         <p:fade/>
       </p:transition>
@@ -43316,7 +43167,7 @@
         </p:xfrm>
         <a:graphic>
           <a:graphicData uri="http://schemas.openxmlformats.org/drawingml/2006/chart">
-            <c:chart xmlns:c="http://schemas.openxmlformats.org/drawingml/2006/chart" xmlns:r="http://schemas.openxmlformats.org/officeDocument/2006/relationships" r:id="rId1"/>
+            <c:chart xmlns:c="http://schemas.openxmlformats.org/drawingml/2006/chart" xmlns:r="http://schemas.openxmlformats.org/officeDocument/2006/relationships" r:id="rId3"/>
           </a:graphicData>
         </a:graphic>
       </p:graphicFrame>
@@ -43383,14 +43234,12 @@
               <a:rPr lang="en-US" altLang="zh-CN" sz="2000" dirty="0"/>
               <a:t>Part Two</a:t>
             </a:r>
-            <a:endParaRPr lang="en-US" altLang="zh-CN" sz="2000" dirty="0"/>
           </a:p>
           <a:p>
             <a:r>
               <a:rPr lang="zh-CN" altLang="en-US" sz="2000" dirty="0"/>
               <a:t>测试集构建</a:t>
             </a:r>
-            <a:endParaRPr lang="zh-CN" altLang="en-US" sz="2000" dirty="0"/>
           </a:p>
         </p:txBody>
       </p:sp>
@@ -43865,14 +43714,6 @@
                 </a:rPr>
                 <a:t>项目筛选</a:t>
               </a:r>
-              <a:endParaRPr lang="zh-CN" altLang="en-US" sz="2000" b="1" dirty="0">
-                <a:solidFill>
-                  <a:schemeClr val="tx1">
-                    <a:lumMod val="75000"/>
-                    <a:lumOff val="25000"/>
-                  </a:schemeClr>
-                </a:solidFill>
-              </a:endParaRPr>
             </a:p>
           </p:txBody>
         </p:sp>
@@ -43919,14 +43760,6 @@
                 </a:rPr>
                 <a:t>及修复基准筛选</a:t>
               </a:r>
-              <a:endParaRPr lang="zh-CN" altLang="en-US" sz="2800" b="1" dirty="0">
-                <a:solidFill>
-                  <a:schemeClr val="tx1">
-                    <a:lumMod val="75000"/>
-                    <a:lumOff val="25000"/>
-                  </a:schemeClr>
-                </a:solidFill>
-              </a:endParaRPr>
             </a:p>
           </p:txBody>
         </p:sp>
@@ -43994,14 +43827,6 @@
                 </a:rPr>
                 <a:t>修复基准正确性验证</a:t>
               </a:r>
-              <a:endParaRPr lang="zh-CN" altLang="en-US" sz="2000" b="1" dirty="0">
-                <a:solidFill>
-                  <a:schemeClr val="tx1">
-                    <a:lumMod val="75000"/>
-                    <a:lumOff val="25000"/>
-                  </a:schemeClr>
-                </a:solidFill>
-              </a:endParaRPr>
             </a:p>
           </p:txBody>
         </p:sp>
@@ -44011,13 +43836,13 @@
   <p:clrMapOvr>
     <a:masterClrMapping/>
   </p:clrMapOvr>
-  <mc:AlternateContent xmlns:mc="http://schemas.openxmlformats.org/markup-compatibility/2006">
-    <mc:Choice xmlns:p14="http://schemas.microsoft.com/office/powerpoint/2010/main" Requires="p14">
+  <mc:AlternateContent xmlns:mc="http://schemas.openxmlformats.org/markup-compatibility/2006" xmlns:p14="http://schemas.microsoft.com/office/powerpoint/2010/main">
+    <mc:Choice Requires="p14">
       <p:transition spd="med" p14:dur="700">
         <p:fade/>
       </p:transition>
     </mc:Choice>
-    <mc:Fallback>
+    <mc:Fallback xmlns="">
       <p:transition spd="med">
         <p:fade/>
       </p:transition>
@@ -44073,11 +43898,6 @@
               </a:rPr>
               <a:t>Part One</a:t>
             </a:r>
-            <a:endParaRPr lang="en-US" altLang="zh-CN" sz="5400" b="1" dirty="0">
-              <a:solidFill>
-                <a:schemeClr val="bg1"/>
-              </a:solidFill>
-            </a:endParaRPr>
           </a:p>
           <a:p>
             <a:r>
@@ -44134,7 +43954,7 @@
       <p:pic>
         <p:nvPicPr>
           <p:cNvPr id="6" name="图片 5">
-            <a:hlinkClick r:id="rId1"/>
+            <a:hlinkClick r:id="rId3"/>
           </p:cNvPr>
           <p:cNvPicPr>
             <a:picLocks noChangeAspect="1"/>
@@ -44142,11 +43962,11 @@
           <p:nvPr/>
         </p:nvPicPr>
         <p:blipFill>
-          <a:blip r:embed="rId2">
+          <a:blip r:embed="rId4">
             <a:extLst>
               <a:ext uri="{BEBA8EAE-BF5A-486C-A8C5-ECC9F3942E4B}">
                 <a14:imgProps xmlns:a14="http://schemas.microsoft.com/office/drawing/2010/main">
-                  <a14:imgLayer r:embed="rId3">
+                  <a14:imgLayer r:embed="rId5">
                     <a14:imgEffect>
                       <a14:brightnessContrast bright="100000"/>
                     </a14:imgEffect>
@@ -44180,13 +44000,13 @@
   <p:clrMapOvr>
     <a:masterClrMapping/>
   </p:clrMapOvr>
-  <mc:AlternateContent xmlns:mc="http://schemas.openxmlformats.org/markup-compatibility/2006">
-    <mc:Choice xmlns:p15="http://schemas.microsoft.com/office/powerpoint/2012/main" Requires="p15">
-      <p:transition xmlns:p14="http://schemas.microsoft.com/office/powerpoint/2010/main" spd="slow" Requires="p14" p14:dur="1250">
+  <mc:AlternateContent xmlns:mc="http://schemas.openxmlformats.org/markup-compatibility/2006" xmlns:p15="http://schemas.microsoft.com/office/powerpoint/2012/main">
+    <mc:Choice Requires="p15">
+      <p:transition xmlns:p14="http://schemas.microsoft.com/office/powerpoint/2010/main" spd="slow" p14:dur="1250">
         <p15:prstTrans prst="peelOff"/>
       </p:transition>
     </mc:Choice>
-    <mc:Fallback>
+    <mc:Fallback xmlns="">
       <p:transition spd="slow">
         <p:fade/>
       </p:transition>
@@ -44683,14 +44503,6 @@
                 </a:rPr>
                 <a:t>项目筛选</a:t>
               </a:r>
-              <a:endParaRPr lang="zh-CN" altLang="en-US" sz="2000" b="1" dirty="0">
-                <a:solidFill>
-                  <a:schemeClr val="tx1">
-                    <a:lumMod val="75000"/>
-                    <a:lumOff val="25000"/>
-                  </a:schemeClr>
-                </a:solidFill>
-              </a:endParaRPr>
             </a:p>
           </p:txBody>
         </p:sp>
@@ -44737,14 +44549,6 @@
                 </a:rPr>
                 <a:t>及修复基准筛选</a:t>
               </a:r>
-              <a:endParaRPr lang="zh-CN" altLang="en-US" sz="2000" b="1" dirty="0">
-                <a:solidFill>
-                  <a:schemeClr val="tx1">
-                    <a:lumMod val="75000"/>
-                    <a:lumOff val="25000"/>
-                  </a:schemeClr>
-                </a:solidFill>
-              </a:endParaRPr>
             </a:p>
           </p:txBody>
         </p:sp>
@@ -44812,14 +44616,6 @@
                 </a:rPr>
                 <a:t>修复基准正确性验证</a:t>
               </a:r>
-              <a:endParaRPr lang="zh-CN" altLang="en-US" sz="2800" b="1" dirty="0">
-                <a:solidFill>
-                  <a:schemeClr val="tx1">
-                    <a:lumMod val="75000"/>
-                    <a:lumOff val="25000"/>
-                  </a:schemeClr>
-                </a:solidFill>
-              </a:endParaRPr>
             </a:p>
           </p:txBody>
         </p:sp>
@@ -44836,7 +44632,7 @@
         </p:xfrm>
         <a:graphic>
           <a:graphicData uri="http://schemas.openxmlformats.org/drawingml/2006/diagram">
-            <dgm:relIds xmlns:dgm="http://schemas.openxmlformats.org/drawingml/2006/diagram" xmlns:r="http://schemas.openxmlformats.org/officeDocument/2006/relationships" r:dm="rId1" r:lo="rId2" r:qs="rId3" r:cs="rId4"/>
+            <dgm:relIds xmlns:dgm="http://schemas.openxmlformats.org/drawingml/2006/diagram" xmlns:r="http://schemas.openxmlformats.org/officeDocument/2006/relationships" r:dm="rId3" r:lo="rId4" r:qs="rId5" r:cs="rId6"/>
           </a:graphicData>
         </a:graphic>
       </p:graphicFrame>
@@ -44903,14 +44699,12 @@
               <a:rPr lang="en-US" altLang="zh-CN" sz="2000" dirty="0"/>
               <a:t>Part Two</a:t>
             </a:r>
-            <a:endParaRPr lang="en-US" altLang="zh-CN" sz="2000" dirty="0"/>
           </a:p>
           <a:p>
             <a:r>
               <a:rPr lang="zh-CN" altLang="en-US" sz="2000" dirty="0"/>
               <a:t>测试集构建</a:t>
             </a:r>
-            <a:endParaRPr lang="zh-CN" altLang="en-US" sz="2000" dirty="0"/>
           </a:p>
         </p:txBody>
       </p:sp>
@@ -44919,13 +44713,13 @@
   <p:clrMapOvr>
     <a:masterClrMapping/>
   </p:clrMapOvr>
-  <mc:AlternateContent xmlns:mc="http://schemas.openxmlformats.org/markup-compatibility/2006">
-    <mc:Choice xmlns:p14="http://schemas.microsoft.com/office/powerpoint/2010/main" Requires="p14">
+  <mc:AlternateContent xmlns:mc="http://schemas.openxmlformats.org/markup-compatibility/2006" xmlns:p14="http://schemas.microsoft.com/office/powerpoint/2010/main">
+    <mc:Choice Requires="p14">
       <p:transition spd="med" p14:dur="700">
         <p:fade/>
       </p:transition>
     </mc:Choice>
-    <mc:Fallback>
+    <mc:Fallback xmlns="">
       <p:transition spd="med">
         <p:fade/>
       </p:transition>
@@ -44981,11 +44775,6 @@
               </a:rPr>
               <a:t>Part TWO-03</a:t>
             </a:r>
-            <a:endParaRPr lang="en-US" altLang="zh-CN" sz="5400" b="1" dirty="0">
-              <a:solidFill>
-                <a:schemeClr val="bg1"/>
-              </a:solidFill>
-            </a:endParaRPr>
           </a:p>
           <a:p>
             <a:r>
@@ -44996,11 +44785,6 @@
               </a:rPr>
               <a:t>实证研究</a:t>
             </a:r>
-            <a:endParaRPr lang="zh-CN" altLang="en-US" sz="5400" dirty="0">
-              <a:solidFill>
-                <a:schemeClr val="bg1"/>
-              </a:solidFill>
-            </a:endParaRPr>
           </a:p>
           <a:p>
             <a:endParaRPr lang="zh-CN" altLang="en-US" sz="5400" dirty="0">
@@ -45049,7 +44833,7 @@
       <p:pic>
         <p:nvPicPr>
           <p:cNvPr id="5" name="图片 4">
-            <a:hlinkClick r:id="rId1"/>
+            <a:hlinkClick r:id="rId3"/>
           </p:cNvPr>
           <p:cNvPicPr>
             <a:picLocks noChangeAspect="1"/>
@@ -45057,11 +44841,11 @@
           <p:nvPr/>
         </p:nvPicPr>
         <p:blipFill>
-          <a:blip r:embed="rId2">
+          <a:blip r:embed="rId4">
             <a:extLst>
               <a:ext uri="{BEBA8EAE-BF5A-486C-A8C5-ECC9F3942E4B}">
                 <a14:imgProps xmlns:a14="http://schemas.microsoft.com/office/drawing/2010/main">
-                  <a14:imgLayer r:embed="rId3">
+                  <a14:imgLayer r:embed="rId5">
                     <a14:imgEffect>
                       <a14:brightnessContrast bright="100000"/>
                     </a14:imgEffect>
@@ -45095,13 +44879,13 @@
   <p:clrMapOvr>
     <a:masterClrMapping/>
   </p:clrMapOvr>
-  <mc:AlternateContent xmlns:mc="http://schemas.openxmlformats.org/markup-compatibility/2006">
-    <mc:Choice xmlns:p15="http://schemas.microsoft.com/office/powerpoint/2012/main" Requires="p15">
-      <p:transition xmlns:p14="http://schemas.microsoft.com/office/powerpoint/2010/main" spd="slow" Requires="p14" p14:dur="1250">
+  <mc:AlternateContent xmlns:mc="http://schemas.openxmlformats.org/markup-compatibility/2006" xmlns:p15="http://schemas.microsoft.com/office/powerpoint/2012/main">
+    <mc:Choice Requires="p15">
+      <p:transition xmlns:p14="http://schemas.microsoft.com/office/powerpoint/2010/main" spd="slow" p14:dur="1250">
         <p15:prstTrans prst="peelOff"/>
       </p:transition>
     </mc:Choice>
-    <mc:Fallback>
+    <mc:Fallback xmlns="">
       <p:transition spd="slow">
         <p:fade/>
       </p:transition>
@@ -45190,14 +44974,12 @@
               <a:rPr lang="en-US" altLang="zh-CN" sz="2000" dirty="0"/>
               <a:t>Part Two</a:t>
             </a:r>
-            <a:endParaRPr lang="en-US" altLang="zh-CN" sz="2000" dirty="0"/>
           </a:p>
           <a:p>
             <a:r>
               <a:rPr lang="zh-CN" altLang="en-US" sz="2000" dirty="0"/>
               <a:t>实证研究</a:t>
             </a:r>
-            <a:endParaRPr lang="zh-CN" altLang="en-US" sz="2000" dirty="0"/>
           </a:p>
         </p:txBody>
       </p:sp>
@@ -45220,12 +45002,48 @@
                 <a:tableStyleId>{5C22544A-7EE6-4342-B048-85BDC9FD1C3A}</a:tableStyleId>
               </a:tblPr>
               <a:tblGrid>
-                <a:gridCol w="2785024"/>
-                <a:gridCol w="1035142"/>
-                <a:gridCol w="1519851"/>
-                <a:gridCol w="1478774"/>
-                <a:gridCol w="1413050"/>
-                <a:gridCol w="3392965"/>
+                <a:gridCol w="2785024">
+                  <a:extLst>
+                    <a:ext uri="{9D8B030D-6E8A-4147-A177-3AD203B41FA5}">
+                      <a16:colId xmlns:a16="http://schemas.microsoft.com/office/drawing/2014/main" val="20000"/>
+                    </a:ext>
+                  </a:extLst>
+                </a:gridCol>
+                <a:gridCol w="1035142">
+                  <a:extLst>
+                    <a:ext uri="{9D8B030D-6E8A-4147-A177-3AD203B41FA5}">
+                      <a16:colId xmlns:a16="http://schemas.microsoft.com/office/drawing/2014/main" val="20001"/>
+                    </a:ext>
+                  </a:extLst>
+                </a:gridCol>
+                <a:gridCol w="1519851">
+                  <a:extLst>
+                    <a:ext uri="{9D8B030D-6E8A-4147-A177-3AD203B41FA5}">
+                      <a16:colId xmlns:a16="http://schemas.microsoft.com/office/drawing/2014/main" val="20002"/>
+                    </a:ext>
+                  </a:extLst>
+                </a:gridCol>
+                <a:gridCol w="1478774">
+                  <a:extLst>
+                    <a:ext uri="{9D8B030D-6E8A-4147-A177-3AD203B41FA5}">
+                      <a16:colId xmlns:a16="http://schemas.microsoft.com/office/drawing/2014/main" val="20003"/>
+                    </a:ext>
+                  </a:extLst>
+                </a:gridCol>
+                <a:gridCol w="1413050">
+                  <a:extLst>
+                    <a:ext uri="{9D8B030D-6E8A-4147-A177-3AD203B41FA5}">
+                      <a16:colId xmlns:a16="http://schemas.microsoft.com/office/drawing/2014/main" val="20004"/>
+                    </a:ext>
+                  </a:extLst>
+                </a:gridCol>
+                <a:gridCol w="3392965">
+                  <a:extLst>
+                    <a:ext uri="{9D8B030D-6E8A-4147-A177-3AD203B41FA5}">
+                      <a16:colId xmlns:a16="http://schemas.microsoft.com/office/drawing/2014/main" val="20005"/>
+                    </a:ext>
+                  </a:extLst>
+                </a:gridCol>
               </a:tblGrid>
               <a:tr h="1153683">
                 <a:tc>
@@ -45247,9 +45065,6 @@
                         </a:rPr>
                         <a:t>项目</a:t>
                       </a:r>
-                      <a:endParaRPr lang="zh-CN" sz="1600" kern="100" dirty="0">
-                        <a:effectLst/>
-                      </a:endParaRPr>
                     </a:p>
                     <a:p>
                       <a:pPr algn="ctr">
@@ -45323,9 +45138,6 @@
                         </a:rPr>
                         <a:t>数</a:t>
                       </a:r>
-                      <a:endParaRPr lang="zh-CN" sz="1600" kern="100" dirty="0">
-                        <a:effectLst/>
-                      </a:endParaRPr>
                     </a:p>
                     <a:p>
                       <a:pPr algn="just">
@@ -45430,9 +45242,6 @@
                         </a:rPr>
                         <a:t>开发者人数</a:t>
                       </a:r>
-                      <a:endParaRPr lang="zh-CN" sz="1600" kern="100" dirty="0">
-                        <a:effectLst/>
-                      </a:endParaRPr>
                     </a:p>
                     <a:p>
                       <a:pPr algn="just">
@@ -45481,9 +45290,6 @@
                         </a:rPr>
                         <a:t>测试用例数</a:t>
                       </a:r>
-                      <a:endParaRPr lang="zh-CN" sz="1600" kern="100" dirty="0">
-                        <a:effectLst/>
-                      </a:endParaRPr>
                     </a:p>
                     <a:p>
                       <a:pPr algn="ctr">
@@ -45532,9 +45338,6 @@
                         </a:rPr>
                         <a:t>描述</a:t>
                       </a:r>
-                      <a:endParaRPr lang="zh-CN" sz="1600" kern="100" dirty="0">
-                        <a:effectLst/>
-                      </a:endParaRPr>
                     </a:p>
                     <a:p>
                       <a:pPr algn="ctr">
@@ -45564,6 +45367,11 @@
                     </a:solidFill>
                   </a:tcPr>
                 </a:tc>
+                <a:extLst>
+                  <a:ext uri="{0D108BD9-81ED-4DB2-BD59-A6C34878D82A}">
+                    <a16:rowId xmlns:a16="http://schemas.microsoft.com/office/drawing/2014/main" val="10000"/>
+                  </a:ext>
+                </a:extLst>
               </a:tr>
               <a:tr h="400314">
                 <a:tc>
@@ -45782,6 +45590,11 @@
                     </a:solidFill>
                   </a:tcPr>
                 </a:tc>
+                <a:extLst>
+                  <a:ext uri="{0D108BD9-81ED-4DB2-BD59-A6C34878D82A}">
+                    <a16:rowId xmlns:a16="http://schemas.microsoft.com/office/drawing/2014/main" val="10001"/>
+                  </a:ext>
+                </a:extLst>
               </a:tr>
               <a:tr h="400314">
                 <a:tc>
@@ -45968,6 +45781,11 @@
                   </a:txBody>
                   <a:tcPr marL="49730" marR="49730" marT="0" marB="0" anchor="ctr"/>
                 </a:tc>
+                <a:extLst>
+                  <a:ext uri="{0D108BD9-81ED-4DB2-BD59-A6C34878D82A}">
+                    <a16:rowId xmlns:a16="http://schemas.microsoft.com/office/drawing/2014/main" val="10002"/>
+                  </a:ext>
+                </a:extLst>
               </a:tr>
               <a:tr h="400314">
                 <a:tc>
@@ -46192,6 +46010,11 @@
                     </a:solidFill>
                   </a:tcPr>
                 </a:tc>
+                <a:extLst>
+                  <a:ext uri="{0D108BD9-81ED-4DB2-BD59-A6C34878D82A}">
+                    <a16:rowId xmlns:a16="http://schemas.microsoft.com/office/drawing/2014/main" val="10003"/>
+                  </a:ext>
+                </a:extLst>
               </a:tr>
               <a:tr h="400314">
                 <a:tc>
@@ -46402,6 +46225,11 @@
                   </a:txBody>
                   <a:tcPr marL="49730" marR="49730" marT="0" marB="0" anchor="ctr"/>
                 </a:tc>
+                <a:extLst>
+                  <a:ext uri="{0D108BD9-81ED-4DB2-BD59-A6C34878D82A}">
+                    <a16:rowId xmlns:a16="http://schemas.microsoft.com/office/drawing/2014/main" val="10004"/>
+                  </a:ext>
+                </a:extLst>
               </a:tr>
               <a:tr h="400314">
                 <a:tc>
@@ -46620,6 +46448,11 @@
                     </a:solidFill>
                   </a:tcPr>
                 </a:tc>
+                <a:extLst>
+                  <a:ext uri="{0D108BD9-81ED-4DB2-BD59-A6C34878D82A}">
+                    <a16:rowId xmlns:a16="http://schemas.microsoft.com/office/drawing/2014/main" val="10005"/>
+                  </a:ext>
+                </a:extLst>
               </a:tr>
               <a:tr h="400314">
                 <a:tc>
@@ -46812,6 +46645,11 @@
                   </a:txBody>
                   <a:tcPr marL="49730" marR="49730" marT="0" marB="0" anchor="ctr"/>
                 </a:tc>
+                <a:extLst>
+                  <a:ext uri="{0D108BD9-81ED-4DB2-BD59-A6C34878D82A}">
+                    <a16:rowId xmlns:a16="http://schemas.microsoft.com/office/drawing/2014/main" val="10006"/>
+                  </a:ext>
+                </a:extLst>
               </a:tr>
               <a:tr h="400314">
                 <a:tc>
@@ -47018,6 +46856,11 @@
                     </a:solidFill>
                   </a:tcPr>
                 </a:tc>
+                <a:extLst>
+                  <a:ext uri="{0D108BD9-81ED-4DB2-BD59-A6C34878D82A}">
+                    <a16:rowId xmlns:a16="http://schemas.microsoft.com/office/drawing/2014/main" val="10007"/>
+                  </a:ext>
+                </a:extLst>
               </a:tr>
               <a:tr h="400314">
                 <a:tc>
@@ -47216,6 +47059,11 @@
                   </a:txBody>
                   <a:tcPr marL="49730" marR="49730" marT="0" marB="0" anchor="ctr"/>
                 </a:tc>
+                <a:extLst>
+                  <a:ext uri="{0D108BD9-81ED-4DB2-BD59-A6C34878D82A}">
+                    <a16:rowId xmlns:a16="http://schemas.microsoft.com/office/drawing/2014/main" val="10008"/>
+                  </a:ext>
+                </a:extLst>
               </a:tr>
               <a:tr h="380993">
                 <a:tc>
@@ -47416,6 +47264,11 @@
                     </a:solidFill>
                   </a:tcPr>
                 </a:tc>
+                <a:extLst>
+                  <a:ext uri="{0D108BD9-81ED-4DB2-BD59-A6C34878D82A}">
+                    <a16:rowId xmlns:a16="http://schemas.microsoft.com/office/drawing/2014/main" val="10009"/>
+                  </a:ext>
+                </a:extLst>
               </a:tr>
             </a:tbl>
           </a:graphicData>
@@ -47447,7 +47300,6 @@
               <a:rPr lang="zh-CN" altLang="en-US" sz="2400" dirty="0"/>
               <a:t>为测试集提供较多数据的项目细节信息</a:t>
             </a:r>
-            <a:endParaRPr lang="zh-CN" altLang="en-US" sz="2400" dirty="0"/>
           </a:p>
         </p:txBody>
       </p:sp>
@@ -47456,13 +47308,13 @@
   <p:clrMapOvr>
     <a:masterClrMapping/>
   </p:clrMapOvr>
-  <mc:AlternateContent xmlns:mc="http://schemas.openxmlformats.org/markup-compatibility/2006">
-    <mc:Choice xmlns:p14="http://schemas.microsoft.com/office/powerpoint/2010/main" Requires="p14">
+  <mc:AlternateContent xmlns:mc="http://schemas.openxmlformats.org/markup-compatibility/2006" xmlns:p14="http://schemas.microsoft.com/office/powerpoint/2010/main">
+    <mc:Choice Requires="p14">
       <p:transition spd="med" p14:dur="700">
         <p:fade/>
       </p:transition>
     </mc:Choice>
-    <mc:Fallback>
+    <mc:Fallback xmlns="">
       <p:transition spd="med">
         <p:fade/>
       </p:transition>
@@ -47500,7 +47352,7 @@
         </p:xfrm>
         <a:graphic>
           <a:graphicData uri="http://schemas.openxmlformats.org/drawingml/2006/chart">
-            <c:chart xmlns:c="http://schemas.openxmlformats.org/drawingml/2006/chart" xmlns:r="http://schemas.openxmlformats.org/officeDocument/2006/relationships" r:id="rId1"/>
+            <c:chart xmlns:c="http://schemas.openxmlformats.org/drawingml/2006/chart" xmlns:r="http://schemas.openxmlformats.org/officeDocument/2006/relationships" r:id="rId3"/>
           </a:graphicData>
         </a:graphic>
       </p:graphicFrame>
@@ -47567,14 +47419,12 @@
               <a:rPr lang="en-US" altLang="zh-CN" sz="2000" dirty="0"/>
               <a:t>Part Two</a:t>
             </a:r>
-            <a:endParaRPr lang="en-US" altLang="zh-CN" sz="2000" dirty="0"/>
           </a:p>
           <a:p>
             <a:r>
               <a:rPr lang="zh-CN" altLang="en-US" sz="2000" dirty="0"/>
               <a:t>实证研究</a:t>
             </a:r>
-            <a:endParaRPr lang="zh-CN" altLang="en-US" sz="2000" dirty="0"/>
           </a:p>
         </p:txBody>
       </p:sp>
@@ -47583,13 +47433,13 @@
   <p:clrMapOvr>
     <a:masterClrMapping/>
   </p:clrMapOvr>
-  <mc:AlternateContent xmlns:mc="http://schemas.openxmlformats.org/markup-compatibility/2006">
-    <mc:Choice xmlns:p14="http://schemas.microsoft.com/office/powerpoint/2010/main" Requires="p14">
+  <mc:AlternateContent xmlns:mc="http://schemas.openxmlformats.org/markup-compatibility/2006" xmlns:p14="http://schemas.microsoft.com/office/powerpoint/2010/main">
+    <mc:Choice Requires="p14">
       <p:transition spd="med" p14:dur="700">
         <p:fade/>
       </p:transition>
     </mc:Choice>
-    <mc:Fallback>
+    <mc:Fallback xmlns="">
       <p:transition spd="med">
         <p:fade/>
       </p:transition>
@@ -47661,7 +47511,6 @@
               <a:rPr lang="zh-CN" altLang="zh-CN" sz="2400" dirty="0"/>
               <a:t>的测试用例有什么区别？</a:t>
             </a:r>
-            <a:endParaRPr lang="zh-CN" altLang="zh-CN" sz="2400" dirty="0"/>
           </a:p>
         </p:txBody>
       </p:sp>
@@ -47684,10 +47533,34 @@
                 <a:tableStyleId>{5C22544A-7EE6-4342-B048-85BDC9FD1C3A}</a:tableStyleId>
               </a:tblPr>
               <a:tblGrid>
-                <a:gridCol w="5667702"/>
-                <a:gridCol w="1353521"/>
-                <a:gridCol w="2176260"/>
-                <a:gridCol w="1862781"/>
+                <a:gridCol w="5667702">
+                  <a:extLst>
+                    <a:ext uri="{9D8B030D-6E8A-4147-A177-3AD203B41FA5}">
+                      <a16:colId xmlns:a16="http://schemas.microsoft.com/office/drawing/2014/main" val="20000"/>
+                    </a:ext>
+                  </a:extLst>
+                </a:gridCol>
+                <a:gridCol w="1353521">
+                  <a:extLst>
+                    <a:ext uri="{9D8B030D-6E8A-4147-A177-3AD203B41FA5}">
+                      <a16:colId xmlns:a16="http://schemas.microsoft.com/office/drawing/2014/main" val="20001"/>
+                    </a:ext>
+                  </a:extLst>
+                </a:gridCol>
+                <a:gridCol w="2176260">
+                  <a:extLst>
+                    <a:ext uri="{9D8B030D-6E8A-4147-A177-3AD203B41FA5}">
+                      <a16:colId xmlns:a16="http://schemas.microsoft.com/office/drawing/2014/main" val="20002"/>
+                    </a:ext>
+                  </a:extLst>
+                </a:gridCol>
+                <a:gridCol w="1862781">
+                  <a:extLst>
+                    <a:ext uri="{9D8B030D-6E8A-4147-A177-3AD203B41FA5}">
+                      <a16:colId xmlns:a16="http://schemas.microsoft.com/office/drawing/2014/main" val="20003"/>
+                    </a:ext>
+                  </a:extLst>
+                </a:gridCol>
               </a:tblGrid>
               <a:tr h="1198394">
                 <a:tc>
@@ -47783,15 +47656,7 @@
                           <a:latin typeface="+mn-ea"/>
                           <a:ea typeface="+mn-ea"/>
                         </a:rPr>
-                        <a:t>该</a:t>
-                      </a:r>
-                      <a:r>
-                        <a:rPr lang="zh-CN" altLang="en-US" sz="1800" b="1" kern="100">
-                          <a:effectLst/>
-                          <a:latin typeface="+mn-ea"/>
-                          <a:ea typeface="+mn-ea"/>
-                        </a:rPr>
-                        <a:t>测试集</a:t>
+                        <a:t>该测试集</a:t>
                       </a:r>
                       <a:endParaRPr lang="en-US" altLang="zh-CN" sz="1800" b="1" kern="100">
                         <a:effectLst/>
@@ -47886,6 +47751,11 @@
                     </a:solidFill>
                   </a:tcPr>
                 </a:tc>
+                <a:extLst>
+                  <a:ext uri="{0D108BD9-81ED-4DB2-BD59-A6C34878D82A}">
+                    <a16:rowId xmlns:a16="http://schemas.microsoft.com/office/drawing/2014/main" val="10000"/>
+                  </a:ext>
+                </a:extLst>
               </a:tr>
               <a:tr h="759870">
                 <a:tc>
@@ -48033,6 +47903,11 @@
                     </a:solidFill>
                   </a:tcPr>
                 </a:tc>
+                <a:extLst>
+                  <a:ext uri="{0D108BD9-81ED-4DB2-BD59-A6C34878D82A}">
+                    <a16:rowId xmlns:a16="http://schemas.microsoft.com/office/drawing/2014/main" val="10001"/>
+                  </a:ext>
+                </a:extLst>
               </a:tr>
               <a:tr h="759870">
                 <a:tc>
@@ -48167,6 +48042,11 @@
                   </a:txBody>
                   <a:tcPr marL="49730" marR="49730" marT="0" marB="0" anchor="ctr"/>
                 </a:tc>
+                <a:extLst>
+                  <a:ext uri="{0D108BD9-81ED-4DB2-BD59-A6C34878D82A}">
+                    <a16:rowId xmlns:a16="http://schemas.microsoft.com/office/drawing/2014/main" val="10002"/>
+                  </a:ext>
+                </a:extLst>
               </a:tr>
               <a:tr h="759870">
                 <a:tc>
@@ -48313,6 +48193,11 @@
                     </a:solidFill>
                   </a:tcPr>
                 </a:tc>
+                <a:extLst>
+                  <a:ext uri="{0D108BD9-81ED-4DB2-BD59-A6C34878D82A}">
+                    <a16:rowId xmlns:a16="http://schemas.microsoft.com/office/drawing/2014/main" val="10003"/>
+                  </a:ext>
+                </a:extLst>
               </a:tr>
               <a:tr h="759870">
                 <a:tc>
@@ -48471,6 +48356,11 @@
                   </a:txBody>
                   <a:tcPr marL="49730" marR="49730" marT="0" marB="0" anchor="ctr"/>
                 </a:tc>
+                <a:extLst>
+                  <a:ext uri="{0D108BD9-81ED-4DB2-BD59-A6C34878D82A}">
+                    <a16:rowId xmlns:a16="http://schemas.microsoft.com/office/drawing/2014/main" val="10004"/>
+                  </a:ext>
+                </a:extLst>
               </a:tr>
             </a:tbl>
           </a:graphicData>
@@ -48539,14 +48429,12 @@
               <a:rPr lang="en-US" altLang="zh-CN" sz="2000" dirty="0"/>
               <a:t>Part Two</a:t>
             </a:r>
-            <a:endParaRPr lang="en-US" altLang="zh-CN" sz="2000" dirty="0"/>
           </a:p>
           <a:p>
             <a:r>
               <a:rPr lang="zh-CN" altLang="en-US" sz="2000" dirty="0"/>
               <a:t>实证研究</a:t>
             </a:r>
-            <a:endParaRPr lang="zh-CN" altLang="en-US" sz="2000" dirty="0"/>
           </a:p>
         </p:txBody>
       </p:sp>
@@ -48555,13 +48443,13 @@
   <p:clrMapOvr>
     <a:masterClrMapping/>
   </p:clrMapOvr>
-  <mc:AlternateContent xmlns:mc="http://schemas.openxmlformats.org/markup-compatibility/2006">
-    <mc:Choice xmlns:p14="http://schemas.microsoft.com/office/powerpoint/2010/main" Requires="p14">
+  <mc:AlternateContent xmlns:mc="http://schemas.openxmlformats.org/markup-compatibility/2006" xmlns:p14="http://schemas.microsoft.com/office/powerpoint/2010/main">
+    <mc:Choice Requires="p14">
       <p:transition spd="med" p14:dur="700">
         <p:fade/>
       </p:transition>
     </mc:Choice>
-    <mc:Fallback>
+    <mc:Fallback xmlns="">
       <p:transition spd="med">
         <p:fade/>
       </p:transition>
@@ -48650,14 +48538,12 @@
               <a:rPr lang="en-US" altLang="zh-CN" sz="2000" dirty="0"/>
               <a:t>Part Three</a:t>
             </a:r>
-            <a:endParaRPr lang="en-US" altLang="zh-CN" sz="2000" dirty="0"/>
           </a:p>
           <a:p>
             <a:r>
               <a:rPr lang="zh-CN" altLang="en-US" sz="2000" dirty="0"/>
               <a:t>参考资料</a:t>
             </a:r>
-            <a:endParaRPr lang="zh-CN" altLang="en-US" sz="2000" dirty="0"/>
           </a:p>
         </p:txBody>
       </p:sp>
@@ -48756,11 +48642,6 @@
               </a:rPr>
               <a:t> et al. Semantic Program Repair Using a Reference Implementation. ICSE’2018</a:t>
             </a:r>
-            <a:endParaRPr lang="en-US" dirty="0">
-              <a:solidFill>
-                <a:srgbClr val="1A1A1A"/>
-              </a:solidFill>
-            </a:endParaRPr>
           </a:p>
         </p:txBody>
       </p:sp>
@@ -48870,13 +48751,13 @@
   <p:clrMapOvr>
     <a:masterClrMapping/>
   </p:clrMapOvr>
-  <mc:AlternateContent xmlns:mc="http://schemas.openxmlformats.org/markup-compatibility/2006">
-    <mc:Choice xmlns:p14="http://schemas.microsoft.com/office/powerpoint/2010/main" Requires="p14">
+  <mc:AlternateContent xmlns:mc="http://schemas.openxmlformats.org/markup-compatibility/2006" xmlns:p14="http://schemas.microsoft.com/office/powerpoint/2010/main">
+    <mc:Choice Requires="p14">
       <p:transition spd="med" p14:dur="700">
         <p:fade/>
       </p:transition>
     </mc:Choice>
-    <mc:Fallback>
+    <mc:Fallback xmlns="">
       <p:transition spd="med">
         <p:fade/>
       </p:transition>
@@ -48886,6 +48767,66 @@
 </file>
 
 <file path=ppt/slides/slide36.xml><?xml version="1.0" encoding="utf-8"?>
+<p:sld xmlns:a="http://schemas.openxmlformats.org/drawingml/2006/main" xmlns:r="http://schemas.openxmlformats.org/officeDocument/2006/relationships" xmlns:p="http://schemas.openxmlformats.org/presentationml/2006/main">
+  <p:cSld>
+    <p:spTree>
+      <p:nvGrpSpPr>
+        <p:cNvPr id="1" name=""/>
+        <p:cNvGrpSpPr/>
+        <p:nvPr/>
+      </p:nvGrpSpPr>
+      <p:grpSpPr>
+        <a:xfrm>
+          <a:off x="0" y="0"/>
+          <a:ext cx="0" cy="0"/>
+          <a:chOff x="0" y="0"/>
+          <a:chExt cx="0" cy="0"/>
+        </a:xfrm>
+      </p:grpSpPr>
+      <p:pic>
+        <p:nvPicPr>
+          <p:cNvPr id="2" name="图片 1">
+            <a:extLst>
+              <a:ext uri="{FF2B5EF4-FFF2-40B4-BE49-F238E27FC236}">
+                <a16:creationId xmlns:a16="http://schemas.microsoft.com/office/drawing/2014/main" id="{51B29C86-7712-4C7E-9046-4BEDDA6F60CF}"/>
+              </a:ext>
+            </a:extLst>
+          </p:cNvPr>
+          <p:cNvPicPr>
+            <a:picLocks noChangeAspect="1"/>
+          </p:cNvPicPr>
+          <p:nvPr/>
+        </p:nvPicPr>
+        <p:blipFill>
+          <a:blip r:embed="rId2"/>
+          <a:stretch>
+            <a:fillRect/>
+          </a:stretch>
+        </p:blipFill>
+        <p:spPr>
+          <a:xfrm>
+            <a:off x="796833" y="1023937"/>
+            <a:ext cx="11157041" cy="4810125"/>
+          </a:xfrm>
+          <a:prstGeom prst="rect">
+            <a:avLst/>
+          </a:prstGeom>
+        </p:spPr>
+      </p:pic>
+    </p:spTree>
+    <p:extLst>
+      <p:ext uri="{BB962C8B-B14F-4D97-AF65-F5344CB8AC3E}">
+        <p14:creationId xmlns:p14="http://schemas.microsoft.com/office/powerpoint/2010/main" val="2995557626"/>
+      </p:ext>
+    </p:extLst>
+  </p:cSld>
+  <p:clrMapOvr>
+    <a:masterClrMapping/>
+  </p:clrMapOvr>
+</p:sld>
+</file>
+
+<file path=ppt/slides/slide37.xml><?xml version="1.0" encoding="utf-8"?>
 <p:sld xmlns:a="http://schemas.openxmlformats.org/drawingml/2006/main" xmlns:r="http://schemas.openxmlformats.org/officeDocument/2006/relationships" xmlns:p="http://schemas.openxmlformats.org/presentationml/2006/main">
   <p:cSld>
     <p:spTree>
@@ -48932,11 +48873,6 @@
               </a:rPr>
               <a:t>谢谢</a:t>
             </a:r>
-            <a:endParaRPr lang="zh-CN" altLang="en-US" sz="5400" dirty="0">
-              <a:solidFill>
-                <a:schemeClr val="bg1"/>
-              </a:solidFill>
-            </a:endParaRPr>
           </a:p>
         </p:txBody>
       </p:sp>
@@ -48980,13 +48916,13 @@
   <p:clrMapOvr>
     <a:masterClrMapping/>
   </p:clrMapOvr>
-  <mc:AlternateContent xmlns:mc="http://schemas.openxmlformats.org/markup-compatibility/2006">
-    <mc:Choice xmlns:p15="http://schemas.microsoft.com/office/powerpoint/2012/main" Requires="p15">
-      <p:transition xmlns:p14="http://schemas.microsoft.com/office/powerpoint/2010/main" spd="slow" Requires="p14" p14:dur="1250">
+  <mc:AlternateContent xmlns:mc="http://schemas.openxmlformats.org/markup-compatibility/2006" xmlns:p15="http://schemas.microsoft.com/office/powerpoint/2012/main">
+    <mc:Choice Requires="p15">
+      <p:transition xmlns:p14="http://schemas.microsoft.com/office/powerpoint/2010/main" spd="slow" p14:dur="1250">
         <p15:prstTrans prst="peelOff"/>
       </p:transition>
     </mc:Choice>
-    <mc:Fallback>
+    <mc:Fallback xmlns="">
       <p:transition spd="slow">
         <p:fade/>
       </p:transition>
@@ -49170,14 +49106,12 @@
               <a:rPr lang="en-US" altLang="zh-CN" sz="2000" dirty="0"/>
               <a:t>Part One</a:t>
             </a:r>
-            <a:endParaRPr lang="en-US" altLang="zh-CN" sz="2000" dirty="0"/>
           </a:p>
           <a:p>
             <a:r>
               <a:rPr lang="zh-CN" altLang="en-US" sz="2000" dirty="0"/>
               <a:t>自动程序修复技术介绍</a:t>
             </a:r>
-            <a:endParaRPr lang="zh-CN" altLang="en-US" sz="2000" dirty="0"/>
           </a:p>
         </p:txBody>
       </p:sp>
@@ -49186,13 +49120,13 @@
   <p:clrMapOvr>
     <a:masterClrMapping/>
   </p:clrMapOvr>
-  <mc:AlternateContent xmlns:mc="http://schemas.openxmlformats.org/markup-compatibility/2006">
-    <mc:Choice xmlns:p14="http://schemas.microsoft.com/office/powerpoint/2010/main" Requires="p14">
+  <mc:AlternateContent xmlns:mc="http://schemas.openxmlformats.org/markup-compatibility/2006" xmlns:p14="http://schemas.microsoft.com/office/powerpoint/2010/main">
+    <mc:Choice Requires="p14">
       <p:transition spd="med" p14:dur="700">
         <p:fade/>
       </p:transition>
     </mc:Choice>
-    <mc:Fallback>
+    <mc:Fallback xmlns="">
       <p:transition spd="med">
         <p:fade/>
       </p:transition>
@@ -49281,14 +49215,12 @@
               <a:rPr lang="en-US" altLang="zh-CN" sz="2000" dirty="0"/>
               <a:t>Part One</a:t>
             </a:r>
-            <a:endParaRPr lang="en-US" altLang="zh-CN" sz="2000" dirty="0"/>
           </a:p>
           <a:p>
             <a:r>
               <a:rPr lang="zh-CN" altLang="en-US" sz="2000" dirty="0"/>
               <a:t>自动程序修复技术介绍</a:t>
             </a:r>
-            <a:endParaRPr lang="zh-CN" altLang="en-US" sz="2000" dirty="0"/>
           </a:p>
         </p:txBody>
       </p:sp>
@@ -49593,13 +49525,13 @@
   <p:clrMapOvr>
     <a:masterClrMapping/>
   </p:clrMapOvr>
-  <mc:AlternateContent xmlns:mc="http://schemas.openxmlformats.org/markup-compatibility/2006">
-    <mc:Choice xmlns:p14="http://schemas.microsoft.com/office/powerpoint/2010/main" Requires="p14">
+  <mc:AlternateContent xmlns:mc="http://schemas.openxmlformats.org/markup-compatibility/2006" xmlns:p14="http://schemas.microsoft.com/office/powerpoint/2010/main">
+    <mc:Choice Requires="p14">
       <p:transition spd="med" p14:dur="700">
         <p:fade/>
       </p:transition>
     </mc:Choice>
-    <mc:Fallback>
+    <mc:Fallback xmlns="">
       <p:transition spd="med">
         <p:fade/>
       </p:transition>
@@ -49688,14 +49620,12 @@
               <a:rPr lang="en-US" altLang="zh-CN" sz="2000" dirty="0"/>
               <a:t>Part One</a:t>
             </a:r>
-            <a:endParaRPr lang="en-US" altLang="zh-CN" sz="2000" dirty="0"/>
           </a:p>
           <a:p>
             <a:r>
               <a:rPr lang="zh-CN" altLang="en-US" sz="2000" dirty="0"/>
               <a:t>自动程序修复技术介绍</a:t>
             </a:r>
-            <a:endParaRPr lang="zh-CN" altLang="en-US" sz="2000" dirty="0"/>
           </a:p>
         </p:txBody>
       </p:sp>
@@ -49883,7 +49813,6 @@
               <a:rPr lang="zh-CN" altLang="en-US" sz="2000" dirty="0"/>
               <a:t>并减少用于搜索的时间消耗该研究思路与基于搜索的软件工程契合。</a:t>
             </a:r>
-            <a:endParaRPr lang="zh-CN" altLang="en-US" sz="2000" dirty="0"/>
           </a:p>
         </p:txBody>
       </p:sp>
@@ -49892,13 +49821,13 @@
   <p:clrMapOvr>
     <a:masterClrMapping/>
   </p:clrMapOvr>
-  <mc:AlternateContent xmlns:mc="http://schemas.openxmlformats.org/markup-compatibility/2006">
-    <mc:Choice xmlns:p14="http://schemas.microsoft.com/office/powerpoint/2010/main" Requires="p14">
+  <mc:AlternateContent xmlns:mc="http://schemas.openxmlformats.org/markup-compatibility/2006" xmlns:p14="http://schemas.microsoft.com/office/powerpoint/2010/main">
+    <mc:Choice Requires="p14">
       <p:transition spd="med" p14:dur="700">
         <p:fade/>
       </p:transition>
     </mc:Choice>
-    <mc:Fallback>
+    <mc:Fallback xmlns="">
       <p:transition spd="med">
         <p:fade/>
       </p:transition>
@@ -49987,14 +49916,12 @@
               <a:rPr lang="en-US" altLang="zh-CN" sz="2000" dirty="0"/>
               <a:t>Part One</a:t>
             </a:r>
-            <a:endParaRPr lang="en-US" altLang="zh-CN" sz="2000" dirty="0"/>
           </a:p>
           <a:p>
             <a:r>
               <a:rPr lang="zh-CN" altLang="en-US" sz="2000" dirty="0"/>
               <a:t>自动程序修复技术介绍</a:t>
             </a:r>
-            <a:endParaRPr lang="zh-CN" altLang="en-US" sz="2000" dirty="0"/>
           </a:p>
         </p:txBody>
       </p:sp>
@@ -50054,7 +49981,6 @@
               <a:rPr lang="zh-CN" altLang="en-US" sz="2000" dirty="0"/>
               <a:t>      直观来说,程序修复包含两个部分,即如何找到 bug 的位置和如何为 bug 生成代码段.为了解决程序修复问题,研究者们将这个带有 bug 的程序及其某个潜在位置的代码变动(例如代码的添加、删除或修改)看作一个个体,并将所有这样的个体看作一个巨大的搜索空间.因此,程序修复的过程可以看作如何从搜索空间中找寻可以修复 bug 的个体的过程</a:t>
             </a:r>
-            <a:endParaRPr lang="zh-CN" altLang="en-US" sz="2000" dirty="0"/>
           </a:p>
         </p:txBody>
       </p:sp>
@@ -50063,13 +49989,13 @@
   <p:clrMapOvr>
     <a:masterClrMapping/>
   </p:clrMapOvr>
-  <mc:AlternateContent xmlns:mc="http://schemas.openxmlformats.org/markup-compatibility/2006">
-    <mc:Choice xmlns:p14="http://schemas.microsoft.com/office/powerpoint/2010/main" Requires="p14">
+  <mc:AlternateContent xmlns:mc="http://schemas.openxmlformats.org/markup-compatibility/2006" xmlns:p14="http://schemas.microsoft.com/office/powerpoint/2010/main">
+    <mc:Choice Requires="p14">
       <p:transition spd="med" p14:dur="700">
         <p:fade/>
       </p:transition>
     </mc:Choice>
-    <mc:Fallback>
+    <mc:Fallback xmlns="">
       <p:transition spd="med">
         <p:fade/>
       </p:transition>
@@ -50158,14 +50084,12 @@
               <a:rPr lang="en-US" altLang="zh-CN" sz="2000" dirty="0"/>
               <a:t>Part One</a:t>
             </a:r>
-            <a:endParaRPr lang="en-US" altLang="zh-CN" sz="2000" dirty="0"/>
           </a:p>
           <a:p>
             <a:r>
               <a:rPr lang="zh-CN" altLang="en-US" sz="2000" dirty="0"/>
               <a:t>自动程序修复技术介绍</a:t>
             </a:r>
-            <a:endParaRPr lang="zh-CN" altLang="en-US" sz="2000" dirty="0"/>
           </a:p>
         </p:txBody>
       </p:sp>
@@ -50219,10 +50143,6 @@
               </a:rPr>
               <a:t>Semantic Program Repair Using a Reference Implementation. ICSE’2018</a:t>
             </a:r>
-            <a:endParaRPr lang="en-US" sz="1600" dirty="0">
-              <a:latin typeface="Calibri" panose="020F0502020204030204" pitchFamily="34" charset="0"/>
-              <a:cs typeface="Calibri" panose="020F0502020204030204" pitchFamily="34" charset="0"/>
-            </a:endParaRPr>
           </a:p>
         </p:txBody>
       </p:sp>
@@ -50235,7 +50155,7 @@
           <p:nvPr/>
         </p:nvPicPr>
         <p:blipFill>
-          <a:blip r:embed="rId1"/>
+          <a:blip r:embed="rId3"/>
           <a:stretch>
             <a:fillRect/>
           </a:stretch>
@@ -50308,7 +50228,6 @@
               <a:rPr lang="en-US" altLang="zh-CN" dirty="0"/>
               <a:t>;</a:t>
             </a:r>
-            <a:endParaRPr lang="en-US" altLang="zh-CN" dirty="0"/>
           </a:p>
           <a:p>
             <a:r>
@@ -50466,13 +50385,13 @@
   <p:clrMapOvr>
     <a:masterClrMapping/>
   </p:clrMapOvr>
-  <mc:AlternateContent xmlns:mc="http://schemas.openxmlformats.org/markup-compatibility/2006">
-    <mc:Choice xmlns:p14="http://schemas.microsoft.com/office/powerpoint/2010/main" Requires="p14">
+  <mc:AlternateContent xmlns:mc="http://schemas.openxmlformats.org/markup-compatibility/2006" xmlns:p14="http://schemas.microsoft.com/office/powerpoint/2010/main">
+    <mc:Choice Requires="p14">
       <p:transition spd="med" p14:dur="700">
         <p:fade/>
       </p:transition>
     </mc:Choice>
-    <mc:Fallback>
+    <mc:Fallback xmlns="">
       <p:transition spd="med">
         <p:fade/>
       </p:transition>
@@ -50566,7 +50485,6 @@
               <a:rPr lang="zh-CN" altLang="en-US" sz="3200" dirty="0"/>
               <a:t>工具</a:t>
             </a:r>
-            <a:endParaRPr lang="zh-CN" altLang="en-US" sz="3200" dirty="0"/>
           </a:p>
         </p:txBody>
       </p:sp>
@@ -50706,14 +50624,12 @@
               <a:rPr lang="en-US" altLang="zh-CN" sz="2000" dirty="0"/>
               <a:t>Part One</a:t>
             </a:r>
-            <a:endParaRPr lang="en-US" altLang="zh-CN" sz="2000" dirty="0"/>
           </a:p>
           <a:p>
             <a:r>
               <a:rPr lang="zh-CN" altLang="en-US" sz="2000" dirty="0"/>
               <a:t>自动程序修复技术介绍</a:t>
             </a:r>
-            <a:endParaRPr lang="zh-CN" altLang="en-US" sz="2000" dirty="0"/>
           </a:p>
         </p:txBody>
       </p:sp>
@@ -50722,13 +50638,13 @@
   <p:clrMapOvr>
     <a:masterClrMapping/>
   </p:clrMapOvr>
-  <mc:AlternateContent xmlns:mc="http://schemas.openxmlformats.org/markup-compatibility/2006">
-    <mc:Choice xmlns:p14="http://schemas.microsoft.com/office/powerpoint/2010/main" Requires="p14">
+  <mc:AlternateContent xmlns:mc="http://schemas.openxmlformats.org/markup-compatibility/2006" xmlns:p14="http://schemas.microsoft.com/office/powerpoint/2010/main">
+    <mc:Choice Requires="p14">
       <p:transition spd="med" p14:dur="700">
         <p:fade/>
       </p:transition>
     </mc:Choice>
-    <mc:Fallback>
+    <mc:Fallback xmlns="">
       <p:transition spd="med">
         <p:fade/>
       </p:transition>
@@ -50928,6 +50844,8 @@
       </a:bgFillStyleLst>
     </a:fmtScheme>
   </a:themeElements>
+  <a:objectDefaults/>
+  <a:extraClrSchemeLst/>
   <a:extLst>
     <a:ext uri="{05A4C25C-085E-4340-85A3-A5531E510DB2}">
       <thm15:themeFamily xmlns:thm15="http://schemas.microsoft.com/office/thememl/2012/main" name="Office Theme" id="{62F939B6-93AF-4DB8-9C6B-D6C7DFDC589F}" vid="{4A3C46E8-61CC-4603-A589-7422A47A8E4A}"/>
@@ -51187,6 +51105,8 @@
       </a:bgFillStyleLst>
     </a:fmtScheme>
   </a:themeElements>
+  <a:objectDefaults/>
+  <a:extraClrSchemeLst/>
   <a:extLst>
     <a:ext uri="{05A4C25C-085E-4340-85A3-A5531E510DB2}">
       <thm15:themeFamily xmlns:thm15="http://schemas.microsoft.com/office/thememl/2012/main" name="Office Theme" id="{62F939B6-93AF-4DB8-9C6B-D6C7DFDC589F}" vid="{4A3C46E8-61CC-4603-A589-7422A47A8E4A}"/>

--- a/小组作业/SE2019春-G06-翻转课堂自动程序修复.pptx
+++ b/小组作业/SE2019春-G06-翻转课堂自动程序修复.pptx
@@ -5,7 +5,7 @@
     <p:sldMasterId id="2147483648" r:id="rId1"/>
   </p:sldMasterIdLst>
   <p:notesMasterIdLst>
-    <p:notesMasterId r:id="rId39"/>
+    <p:notesMasterId r:id="rId41"/>
   </p:notesMasterIdLst>
   <p:sldIdLst>
     <p:sldId id="256" r:id="rId2"/>
@@ -38,13 +38,15 @@
     <p:sldId id="289" r:id="rId29"/>
     <p:sldId id="291" r:id="rId30"/>
     <p:sldId id="290" r:id="rId31"/>
-    <p:sldId id="264" r:id="rId32"/>
-    <p:sldId id="292" r:id="rId33"/>
-    <p:sldId id="274" r:id="rId34"/>
-    <p:sldId id="279" r:id="rId35"/>
-    <p:sldId id="359" r:id="rId36"/>
-    <p:sldId id="387" r:id="rId37"/>
-    <p:sldId id="267" r:id="rId38"/>
+    <p:sldId id="387" r:id="rId32"/>
+    <p:sldId id="388" r:id="rId33"/>
+    <p:sldId id="264" r:id="rId34"/>
+    <p:sldId id="292" r:id="rId35"/>
+    <p:sldId id="274" r:id="rId36"/>
+    <p:sldId id="279" r:id="rId37"/>
+    <p:sldId id="359" r:id="rId38"/>
+    <p:sldId id="389" r:id="rId39"/>
+    <p:sldId id="267" r:id="rId40"/>
   </p:sldIdLst>
   <p:sldSz cx="12192000" cy="6858000"/>
   <p:notesSz cx="6858000" cy="9144000"/>
@@ -146,17 +148,17 @@
   <p:extLst>
     <p:ext uri="{EFAFB233-063F-42B5-8137-9DF3F51BA10A}">
       <p15:sldGuideLst xmlns:p15="http://schemas.microsoft.com/office/powerpoint/2012/main">
-        <p15:guide id="1" pos="3840">
+        <p15:guide id="1" orient="horz" pos="2160">
           <p15:clr>
             <a:srgbClr val="A4A3A4"/>
           </p15:clr>
         </p15:guide>
-        <p15:guide id="2" orient="horz" pos="2160">
+        <p15:guide id="2" orient="horz" pos="4088">
           <p15:clr>
             <a:srgbClr val="A4A3A4"/>
           </p15:clr>
         </p15:guide>
-        <p15:guide id="3" orient="horz" pos="4088">
+        <p15:guide id="3" pos="3840">
           <p15:clr>
             <a:srgbClr val="A4A3A4"/>
           </p15:clr>
@@ -239,7 +241,7 @@
             </c:spPr>
             <c:extLst>
               <c:ext xmlns:c16="http://schemas.microsoft.com/office/drawing/2014/chart" uri="{C3380CC4-5D6E-409C-BE32-E72D297353CC}">
-                <c16:uniqueId val="{00000001-6D60-47C8-A87D-D00E2247C7F6}"/>
+                <c16:uniqueId val="{00000001-661C-432C-B47C-D96FBC1B8689}"/>
               </c:ext>
             </c:extLst>
           </c:dPt>
@@ -255,7 +257,7 @@
             </c:spPr>
             <c:extLst>
               <c:ext xmlns:c16="http://schemas.microsoft.com/office/drawing/2014/chart" uri="{C3380CC4-5D6E-409C-BE32-E72D297353CC}">
-                <c16:uniqueId val="{00000003-6D60-47C8-A87D-D00E2247C7F6}"/>
+                <c16:uniqueId val="{00000003-661C-432C-B47C-D96FBC1B8689}"/>
               </c:ext>
             </c:extLst>
           </c:dPt>
@@ -290,7 +292,7 @@
           </c:val>
           <c:extLst>
             <c:ext xmlns:c16="http://schemas.microsoft.com/office/drawing/2014/chart" uri="{C3380CC4-5D6E-409C-BE32-E72D297353CC}">
-              <c16:uniqueId val="{00000004-6D60-47C8-A87D-D00E2247C7F6}"/>
+              <c16:uniqueId val="{00000004-661C-432C-B47C-D96FBC1B8689}"/>
             </c:ext>
           </c:extLst>
         </c:ser>
@@ -325,7 +327,7 @@
             </c:spPr>
             <c:extLst>
               <c:ext xmlns:c16="http://schemas.microsoft.com/office/drawing/2014/chart" uri="{C3380CC4-5D6E-409C-BE32-E72D297353CC}">
-                <c16:uniqueId val="{00000006-6D60-47C8-A87D-D00E2247C7F6}"/>
+                <c16:uniqueId val="{00000006-661C-432C-B47C-D96FBC1B8689}"/>
               </c:ext>
             </c:extLst>
           </c:dPt>
@@ -341,7 +343,7 @@
             </c:spPr>
             <c:extLst>
               <c:ext xmlns:c16="http://schemas.microsoft.com/office/drawing/2014/chart" uri="{C3380CC4-5D6E-409C-BE32-E72D297353CC}">
-                <c16:uniqueId val="{00000008-6D60-47C8-A87D-D00E2247C7F6}"/>
+                <c16:uniqueId val="{00000008-661C-432C-B47C-D96FBC1B8689}"/>
               </c:ext>
             </c:extLst>
           </c:dPt>
@@ -376,7 +378,7 @@
           </c:val>
           <c:extLst>
             <c:ext xmlns:c16="http://schemas.microsoft.com/office/drawing/2014/chart" uri="{C3380CC4-5D6E-409C-BE32-E72D297353CC}">
-              <c16:uniqueId val="{00000009-6D60-47C8-A87D-D00E2247C7F6}"/>
+              <c16:uniqueId val="{00000009-661C-432C-B47C-D96FBC1B8689}"/>
             </c:ext>
           </c:extLst>
         </c:ser>
@@ -413,7 +415,7 @@
             </c:spPr>
             <c:extLst>
               <c:ext xmlns:c16="http://schemas.microsoft.com/office/drawing/2014/chart" uri="{C3380CC4-5D6E-409C-BE32-E72D297353CC}">
-                <c16:uniqueId val="{0000000B-6D60-47C8-A87D-D00E2247C7F6}"/>
+                <c16:uniqueId val="{0000000B-661C-432C-B47C-D96FBC1B8689}"/>
               </c:ext>
             </c:extLst>
           </c:dPt>
@@ -429,7 +431,7 @@
             </c:spPr>
             <c:extLst>
               <c:ext xmlns:c16="http://schemas.microsoft.com/office/drawing/2014/chart" uri="{C3380CC4-5D6E-409C-BE32-E72D297353CC}">
-                <c16:uniqueId val="{0000000D-6D60-47C8-A87D-D00E2247C7F6}"/>
+                <c16:uniqueId val="{0000000D-661C-432C-B47C-D96FBC1B8689}"/>
               </c:ext>
             </c:extLst>
           </c:dPt>
@@ -464,7 +466,7 @@
           </c:val>
           <c:extLst>
             <c:ext xmlns:c16="http://schemas.microsoft.com/office/drawing/2014/chart" uri="{C3380CC4-5D6E-409C-BE32-E72D297353CC}">
-              <c16:uniqueId val="{0000000E-6D60-47C8-A87D-D00E2247C7F6}"/>
+              <c16:uniqueId val="{0000000E-661C-432C-B47C-D96FBC1B8689}"/>
             </c:ext>
           </c:extLst>
         </c:ser>
@@ -596,7 +598,7 @@
             </c:spPr>
             <c:extLst>
               <c:ext xmlns:c16="http://schemas.microsoft.com/office/drawing/2014/chart" uri="{C3380CC4-5D6E-409C-BE32-E72D297353CC}">
-                <c16:uniqueId val="{00000001-301B-4A68-B3EF-986127659352}"/>
+                <c16:uniqueId val="{00000001-76B8-44E5-A10D-4BE1ED2906FF}"/>
               </c:ext>
             </c:extLst>
           </c:dPt>
@@ -621,7 +623,7 @@
             </c:spPr>
             <c:extLst>
               <c:ext xmlns:c16="http://schemas.microsoft.com/office/drawing/2014/chart" uri="{C3380CC4-5D6E-409C-BE32-E72D297353CC}">
-                <c16:uniqueId val="{00000003-301B-4A68-B3EF-986127659352}"/>
+                <c16:uniqueId val="{00000003-76B8-44E5-A10D-4BE1ED2906FF}"/>
               </c:ext>
             </c:extLst>
           </c:dPt>
@@ -634,7 +636,7 @@
                   <a:lstStyle/>
                   <a:p>
                     <a:fld id="{86CA6965-607B-47FF-89A4-641DB77231CA}" type="VALUE">
-                      <a:rPr lang="zh-CN" altLang="en-US"/>
+                      <a:rPr lang="en-US" altLang="zh-CN"/>
                       <a:pPr/>
                       <a:t>[值]</a:t>
                     </a:fld>
@@ -655,7 +657,7 @@
                   <c15:showDataLabelsRange val="0"/>
                 </c:ext>
                 <c:ext xmlns:c16="http://schemas.microsoft.com/office/drawing/2014/chart" uri="{C3380CC4-5D6E-409C-BE32-E72D297353CC}">
-                  <c16:uniqueId val="{00000004-301B-4A68-B3EF-986127659352}"/>
+                  <c16:uniqueId val="{00000004-76B8-44E5-A10D-4BE1ED2906FF}"/>
                 </c:ext>
               </c:extLst>
             </c:dLbl>
@@ -667,7 +669,7 @@
                   <a:lstStyle/>
                   <a:p>
                     <a:fld id="{8EE40000-425B-443A-958A-6DDF4A22D654}" type="VALUE">
-                      <a:rPr lang="zh-CN" altLang="en-US"/>
+                      <a:rPr lang="en-US" altLang="zh-CN"/>
                       <a:pPr/>
                       <a:t>[值]</a:t>
                     </a:fld>
@@ -688,7 +690,7 @@
                   <c15:showDataLabelsRange val="0"/>
                 </c:ext>
                 <c:ext xmlns:c16="http://schemas.microsoft.com/office/drawing/2014/chart" uri="{C3380CC4-5D6E-409C-BE32-E72D297353CC}">
-                  <c16:uniqueId val="{00000001-301B-4A68-B3EF-986127659352}"/>
+                  <c16:uniqueId val="{00000001-76B8-44E5-A10D-4BE1ED2906FF}"/>
                 </c:ext>
               </c:extLst>
             </c:dLbl>
@@ -700,7 +702,7 @@
                   <a:lstStyle/>
                   <a:p>
                     <a:fld id="{79C5FA82-CA66-4D32-B51D-FB3EFC3967DA}" type="VALUE">
-                      <a:rPr lang="zh-CN" altLang="en-US"/>
+                      <a:rPr lang="en-US" altLang="zh-CN"/>
                       <a:pPr/>
                       <a:t>[值]</a:t>
                     </a:fld>
@@ -721,7 +723,7 @@
                   <c15:showDataLabelsRange val="0"/>
                 </c:ext>
                 <c:ext xmlns:c16="http://schemas.microsoft.com/office/drawing/2014/chart" uri="{C3380CC4-5D6E-409C-BE32-E72D297353CC}">
-                  <c16:uniqueId val="{00000003-301B-4A68-B3EF-986127659352}"/>
+                  <c16:uniqueId val="{00000003-76B8-44E5-A10D-4BE1ED2906FF}"/>
                 </c:ext>
               </c:extLst>
             </c:dLbl>
@@ -820,7 +822,7 @@
           <c:smooth val="0"/>
           <c:extLst>
             <c:ext xmlns:c16="http://schemas.microsoft.com/office/drawing/2014/chart" uri="{C3380CC4-5D6E-409C-BE32-E72D297353CC}">
-              <c16:uniqueId val="{00000005-301B-4A68-B3EF-986127659352}"/>
+              <c16:uniqueId val="{00000005-76B8-44E5-A10D-4BE1ED2906FF}"/>
             </c:ext>
           </c:extLst>
         </c:ser>
@@ -844,11 +846,11 @@
           </c:spPr>
         </c:dropLines>
         <c:smooth val="0"/>
-        <c:axId val="532408000"/>
-        <c:axId val="532408392"/>
+        <c:axId val="5295104"/>
+        <c:axId val="5296896"/>
       </c:lineChart>
       <c:catAx>
-        <c:axId val="532408000"/>
+        <c:axId val="5295104"/>
         <c:scaling>
           <c:orientation val="minMax"/>
         </c:scaling>
@@ -882,7 +884,7 @@
             <a:endParaRPr lang="zh-CN"/>
           </a:p>
         </c:txPr>
-        <c:crossAx val="532408392"/>
+        <c:crossAx val="5296896"/>
         <c:crosses val="autoZero"/>
         <c:auto val="1"/>
         <c:lblAlgn val="ctr"/>
@@ -890,7 +892,7 @@
         <c:noMultiLvlLbl val="0"/>
       </c:catAx>
       <c:valAx>
-        <c:axId val="532408392"/>
+        <c:axId val="5296896"/>
         <c:scaling>
           <c:orientation val="minMax"/>
         </c:scaling>
@@ -900,7 +902,7 @@
         <c:majorTickMark val="none"/>
         <c:minorTickMark val="none"/>
         <c:tickLblPos val="nextTo"/>
-        <c:crossAx val="532408000"/>
+        <c:crossAx val="5295104"/>
         <c:crosses val="autoZero"/>
         <c:crossBetween val="between"/>
       </c:valAx>
@@ -1052,7 +1054,7 @@
             </c:spPr>
             <c:extLst>
               <c:ext xmlns:c16="http://schemas.microsoft.com/office/drawing/2014/chart" uri="{C3380CC4-5D6E-409C-BE32-E72D297353CC}">
-                <c16:uniqueId val="{00000001-A5DB-4504-BE6D-9E42B0190988}"/>
+                <c16:uniqueId val="{00000001-4AED-4035-9FF1-3D50430B949F}"/>
               </c:ext>
             </c:extLst>
           </c:dPt>
@@ -1072,7 +1074,7 @@
             </c:spPr>
             <c:extLst>
               <c:ext xmlns:c16="http://schemas.microsoft.com/office/drawing/2014/chart" uri="{C3380CC4-5D6E-409C-BE32-E72D297353CC}">
-                <c16:uniqueId val="{00000003-A5DB-4504-BE6D-9E42B0190988}"/>
+                <c16:uniqueId val="{00000003-4AED-4035-9FF1-3D50430B949F}"/>
               </c:ext>
             </c:extLst>
           </c:dPt>
@@ -1092,7 +1094,7 @@
             </c:spPr>
             <c:extLst>
               <c:ext xmlns:c16="http://schemas.microsoft.com/office/drawing/2014/chart" uri="{C3380CC4-5D6E-409C-BE32-E72D297353CC}">
-                <c16:uniqueId val="{00000005-A5DB-4504-BE6D-9E42B0190988}"/>
+                <c16:uniqueId val="{00000005-4AED-4035-9FF1-3D50430B949F}"/>
               </c:ext>
             </c:extLst>
           </c:dPt>
@@ -1112,7 +1114,7 @@
             </c:spPr>
             <c:extLst>
               <c:ext xmlns:c16="http://schemas.microsoft.com/office/drawing/2014/chart" uri="{C3380CC4-5D6E-409C-BE32-E72D297353CC}">
-                <c16:uniqueId val="{00000007-A5DB-4504-BE6D-9E42B0190988}"/>
+                <c16:uniqueId val="{00000007-4AED-4035-9FF1-3D50430B949F}"/>
               </c:ext>
             </c:extLst>
           </c:dPt>
@@ -1132,7 +1134,7 @@
             </c:spPr>
             <c:extLst>
               <c:ext xmlns:c16="http://schemas.microsoft.com/office/drawing/2014/chart" uri="{C3380CC4-5D6E-409C-BE32-E72D297353CC}">
-                <c16:uniqueId val="{00000009-A5DB-4504-BE6D-9E42B0190988}"/>
+                <c16:uniqueId val="{00000009-4AED-4035-9FF1-3D50430B949F}"/>
               </c:ext>
             </c:extLst>
           </c:dPt>
@@ -1152,7 +1154,7 @@
             </c:spPr>
             <c:extLst>
               <c:ext xmlns:c16="http://schemas.microsoft.com/office/drawing/2014/chart" uri="{C3380CC4-5D6E-409C-BE32-E72D297353CC}">
-                <c16:uniqueId val="{0000000B-A5DB-4504-BE6D-9E42B0190988}"/>
+                <c16:uniqueId val="{0000000B-4AED-4035-9FF1-3D50430B949F}"/>
               </c:ext>
             </c:extLst>
           </c:dPt>
@@ -1211,7 +1213,7 @@
           </c:val>
           <c:extLst>
             <c:ext xmlns:c16="http://schemas.microsoft.com/office/drawing/2014/chart" uri="{C3380CC4-5D6E-409C-BE32-E72D297353CC}">
-              <c16:uniqueId val="{0000000C-A5DB-4504-BE6D-9E42B0190988}"/>
+              <c16:uniqueId val="{0000000C-4AED-4035-9FF1-3D50430B949F}"/>
             </c:ext>
           </c:extLst>
         </c:ser>
@@ -14141,6 +14143,11 @@
         </p:txBody>
       </p:sp>
     </p:spTree>
+    <p:extLst>
+      <p:ext uri="{BB962C8B-B14F-4D97-AF65-F5344CB8AC3E}">
+        <p14:creationId xmlns:p14="http://schemas.microsoft.com/office/powerpoint/2010/main" val="726630939"/>
+      </p:ext>
+    </p:extLst>
   </p:cSld>
   <p:clrMap bg1="lt1" tx1="dk1" bg2="lt2" tx2="dk2" accent1="accent1" accent2="accent2" accent3="accent3" accent4="accent4" accent5="accent5" accent6="accent6" hlink="hlink" folHlink="folHlink"/>
   <p:notesStyle>
@@ -22669,19 +22676,15 @@
           <a:bodyPr/>
           <a:lstStyle/>
           <a:p>
-            <a:r>
-              <a:rPr lang="zh-CN" altLang="en-US" dirty="0"/>
-              <a:t>在第三部分中，我们将通过</a:t>
-            </a:r>
-            <a:r>
-              <a:rPr lang="en-US" altLang="zh-CN" dirty="0"/>
-              <a:t>empirical study,</a:t>
-            </a:r>
-            <a:r>
-              <a:rPr lang="zh-CN" altLang="en-US" dirty="0"/>
-              <a:t>说明我们测试集的优势。</a:t>
-            </a:r>
-            <a:endParaRPr lang="en-US" altLang="zh-CN" dirty="0"/>
+            <a:endParaRPr lang="en-US" altLang="zh-CN" sz="1200" kern="1200" dirty="0">
+              <a:solidFill>
+                <a:schemeClr val="tx1"/>
+              </a:solidFill>
+              <a:effectLst/>
+              <a:latin typeface="+mn-lt"/>
+              <a:ea typeface="+mn-ea"/>
+              <a:cs typeface="+mn-cs"/>
+            </a:endParaRPr>
           </a:p>
         </p:txBody>
       </p:sp>
@@ -22760,22 +22763,6 @@
           <a:bodyPr/>
           <a:lstStyle/>
           <a:p>
-            <a:r>
-              <a:rPr lang="zh-CN" altLang="en-US" sz="1200" kern="1200" dirty="0">
-                <a:solidFill>
-                  <a:schemeClr val="tx1"/>
-                </a:solidFill>
-                <a:effectLst/>
-                <a:latin typeface="+mn-lt"/>
-                <a:ea typeface="+mn-ea"/>
-                <a:cs typeface="+mn-cs"/>
-              </a:rPr>
-              <a:t>首先我们</a:t>
-            </a:r>
-            <a:r>
-              <a:rPr lang="zh-CN" altLang="en-US" dirty="0"/>
-              <a:t>分析了数据集中数据的特征。</a:t>
-            </a:r>
             <a:endParaRPr lang="en-US" altLang="zh-CN" sz="1200" kern="1200" dirty="0">
               <a:solidFill>
                 <a:schemeClr val="tx1"/>
@@ -22785,247 +22772,6 @@
               <a:ea typeface="+mn-ea"/>
               <a:cs typeface="+mn-cs"/>
             </a:endParaRPr>
-          </a:p>
-          <a:p>
-            <a:r>
-              <a:rPr lang="zh-CN" altLang="en-US" sz="1200" kern="1200" dirty="0">
-                <a:solidFill>
-                  <a:schemeClr val="tx1"/>
-                </a:solidFill>
-                <a:effectLst/>
-                <a:latin typeface="+mn-lt"/>
-                <a:ea typeface="+mn-ea"/>
-                <a:cs typeface="+mn-cs"/>
-              </a:rPr>
-              <a:t>上图是为测试集提供较多数据的项目细节信息。我们发现，</a:t>
-            </a:r>
-            <a:r>
-              <a:rPr lang="zh-CN" altLang="zh-CN" sz="1200" kern="1200" dirty="0">
-                <a:solidFill>
-                  <a:schemeClr val="tx1"/>
-                </a:solidFill>
-                <a:effectLst/>
-                <a:latin typeface="+mn-lt"/>
-                <a:ea typeface="+mn-ea"/>
-                <a:cs typeface="+mn-cs"/>
-              </a:rPr>
-              <a:t>数据集中的</a:t>
-            </a:r>
-            <a:r>
-              <a:rPr lang="x-none" altLang="zh-CN" sz="1200" kern="1200" dirty="0">
-                <a:solidFill>
-                  <a:schemeClr val="tx1"/>
-                </a:solidFill>
-                <a:effectLst/>
-                <a:latin typeface="+mn-lt"/>
-                <a:ea typeface="+mn-ea"/>
-                <a:cs typeface="+mn-cs"/>
-              </a:rPr>
-              <a:t>33</a:t>
-            </a:r>
-            <a:r>
-              <a:rPr lang="zh-CN" altLang="zh-CN" sz="1200" kern="1200" dirty="0">
-                <a:solidFill>
-                  <a:schemeClr val="tx1"/>
-                </a:solidFill>
-                <a:effectLst/>
-                <a:latin typeface="+mn-lt"/>
-                <a:ea typeface="+mn-ea"/>
-                <a:cs typeface="+mn-cs"/>
-              </a:rPr>
-              <a:t>个项目在</a:t>
-            </a:r>
-            <a:r>
-              <a:rPr lang="zh-CN" altLang="zh-CN" sz="1200" b="1" kern="1200" dirty="0">
-                <a:solidFill>
-                  <a:schemeClr val="tx1"/>
-                </a:solidFill>
-                <a:effectLst/>
-                <a:latin typeface="+mn-lt"/>
-                <a:ea typeface="+mn-ea"/>
-                <a:cs typeface="+mn-cs"/>
-              </a:rPr>
-              <a:t>类型</a:t>
-            </a:r>
-            <a:r>
-              <a:rPr lang="zh-CN" altLang="zh-CN" sz="1200" kern="1200" dirty="0">
-                <a:solidFill>
-                  <a:schemeClr val="tx1"/>
-                </a:solidFill>
-                <a:effectLst/>
-                <a:latin typeface="+mn-lt"/>
-                <a:ea typeface="+mn-ea"/>
-                <a:cs typeface="+mn-cs"/>
-              </a:rPr>
-              <a:t>和</a:t>
-            </a:r>
-            <a:r>
-              <a:rPr lang="zh-CN" altLang="zh-CN" sz="1200" b="1" kern="1200" dirty="0">
-                <a:solidFill>
-                  <a:schemeClr val="tx1"/>
-                </a:solidFill>
-                <a:effectLst/>
-                <a:latin typeface="+mn-lt"/>
-                <a:ea typeface="+mn-ea"/>
-                <a:cs typeface="+mn-cs"/>
-              </a:rPr>
-              <a:t>规模</a:t>
-            </a:r>
-            <a:r>
-              <a:rPr lang="zh-CN" altLang="zh-CN" sz="1200" kern="1200" dirty="0">
-                <a:solidFill>
-                  <a:schemeClr val="tx1"/>
-                </a:solidFill>
-                <a:effectLst/>
-                <a:latin typeface="+mn-lt"/>
-                <a:ea typeface="+mn-ea"/>
-                <a:cs typeface="+mn-cs"/>
-              </a:rPr>
-              <a:t>方面各不相同。</a:t>
-            </a:r>
-            <a:endParaRPr lang="en-US" altLang="zh-CN" sz="1200" kern="1200" dirty="0">
-              <a:solidFill>
-                <a:schemeClr val="tx1"/>
-              </a:solidFill>
-              <a:effectLst/>
-              <a:latin typeface="+mn-lt"/>
-              <a:ea typeface="+mn-ea"/>
-              <a:cs typeface="+mn-cs"/>
-            </a:endParaRPr>
-          </a:p>
-          <a:p>
-            <a:r>
-              <a:rPr lang="zh-CN" altLang="en-US" sz="1200" kern="1200" dirty="0">
-                <a:solidFill>
-                  <a:schemeClr val="tx1"/>
-                </a:solidFill>
-                <a:effectLst/>
-                <a:latin typeface="+mn-lt"/>
-                <a:ea typeface="+mn-ea"/>
-                <a:cs typeface="+mn-cs"/>
-              </a:rPr>
-              <a:t>（</a:t>
-            </a:r>
-            <a:r>
-              <a:rPr lang="zh-CN" altLang="zh-CN" sz="1200" kern="1200" dirty="0">
-                <a:solidFill>
-                  <a:schemeClr val="tx1"/>
-                </a:solidFill>
-                <a:effectLst/>
-                <a:latin typeface="+mn-lt"/>
-                <a:ea typeface="+mn-ea"/>
-                <a:cs typeface="+mn-cs"/>
-              </a:rPr>
-              <a:t>这些项目</a:t>
-            </a:r>
-            <a:r>
-              <a:rPr lang="zh-CN" altLang="en-US" sz="1200" kern="1200" dirty="0">
-                <a:solidFill>
-                  <a:schemeClr val="tx1"/>
-                </a:solidFill>
-                <a:effectLst/>
-                <a:latin typeface="+mn-lt"/>
-                <a:ea typeface="+mn-ea"/>
-                <a:cs typeface="+mn-cs"/>
-              </a:rPr>
-              <a:t>来自</a:t>
-            </a:r>
-            <a:r>
-              <a:rPr lang="x-none" altLang="zh-CN" sz="1200" kern="1200" dirty="0">
-                <a:solidFill>
-                  <a:schemeClr val="tx1"/>
-                </a:solidFill>
-                <a:effectLst/>
-                <a:latin typeface="+mn-lt"/>
-                <a:ea typeface="+mn-ea"/>
-                <a:cs typeface="+mn-cs"/>
-              </a:rPr>
-              <a:t>JDBC</a:t>
-            </a:r>
-            <a:r>
-              <a:rPr lang="zh-CN" altLang="zh-CN" sz="1200" kern="1200" dirty="0">
-                <a:solidFill>
-                  <a:schemeClr val="tx1"/>
-                </a:solidFill>
-                <a:effectLst/>
-                <a:latin typeface="+mn-lt"/>
-                <a:ea typeface="+mn-ea"/>
-                <a:cs typeface="+mn-cs"/>
-              </a:rPr>
-              <a:t>连接池、</a:t>
-            </a:r>
-            <a:r>
-              <a:rPr lang="x-none" altLang="zh-CN" sz="1200" kern="1200" dirty="0">
-                <a:solidFill>
-                  <a:schemeClr val="tx1"/>
-                </a:solidFill>
-                <a:effectLst/>
-                <a:latin typeface="+mn-lt"/>
-                <a:ea typeface="+mn-ea"/>
-                <a:cs typeface="+mn-cs"/>
-              </a:rPr>
-              <a:t>GPS</a:t>
-            </a:r>
-            <a:r>
-              <a:rPr lang="zh-CN" altLang="zh-CN" sz="1200" kern="1200" dirty="0">
-                <a:solidFill>
-                  <a:schemeClr val="tx1"/>
-                </a:solidFill>
-                <a:effectLst/>
-                <a:latin typeface="+mn-lt"/>
-                <a:ea typeface="+mn-ea"/>
-                <a:cs typeface="+mn-cs"/>
-              </a:rPr>
-              <a:t>跟踪系统、处理生物数据的框架、与比特币交易所交互的库等</a:t>
-            </a:r>
-            <a:r>
-              <a:rPr lang="zh-CN" altLang="en-US" sz="1200" kern="1200" dirty="0">
-                <a:solidFill>
-                  <a:schemeClr val="tx1"/>
-                </a:solidFill>
-                <a:effectLst/>
-                <a:latin typeface="+mn-lt"/>
-                <a:ea typeface="+mn-ea"/>
-                <a:cs typeface="+mn-cs"/>
-              </a:rPr>
-              <a:t>领域</a:t>
-            </a:r>
-            <a:r>
-              <a:rPr lang="zh-CN" altLang="zh-CN" sz="1200" kern="1200" dirty="0">
-                <a:solidFill>
-                  <a:schemeClr val="tx1"/>
-                </a:solidFill>
-                <a:effectLst/>
-                <a:latin typeface="+mn-lt"/>
-                <a:ea typeface="+mn-ea"/>
-                <a:cs typeface="+mn-cs"/>
-              </a:rPr>
-              <a:t>。</a:t>
-            </a:r>
-            <a:r>
-              <a:rPr lang="zh-CN" altLang="en-US" sz="1200" kern="1200" dirty="0">
-                <a:solidFill>
-                  <a:schemeClr val="tx1"/>
-                </a:solidFill>
-                <a:effectLst/>
-                <a:latin typeface="+mn-lt"/>
-                <a:ea typeface="+mn-ea"/>
-                <a:cs typeface="+mn-cs"/>
-              </a:rPr>
-              <a:t>）</a:t>
-            </a:r>
-            <a:endParaRPr lang="en-US" altLang="zh-CN" sz="1200" kern="1200" dirty="0">
-              <a:solidFill>
-                <a:schemeClr val="tx1"/>
-              </a:solidFill>
-              <a:effectLst/>
-              <a:latin typeface="+mn-lt"/>
-              <a:ea typeface="+mn-ea"/>
-              <a:cs typeface="+mn-cs"/>
-            </a:endParaRPr>
-          </a:p>
-          <a:p>
-            <a:endParaRPr lang="zh-CN" altLang="en-US" dirty="0"/>
           </a:p>
         </p:txBody>
       </p:sp>
@@ -23106,163 +22852,17 @@
           <a:p>
             <a:r>
               <a:rPr lang="zh-CN" altLang="en-US" dirty="0"/>
-              <a:t>此外，</a:t>
-            </a:r>
-            <a:r>
-              <a:rPr lang="zh-CN" altLang="zh-CN" sz="1200" kern="1200" dirty="0">
-                <a:solidFill>
-                  <a:schemeClr val="tx1"/>
-                </a:solidFill>
-                <a:effectLst/>
-                <a:latin typeface="+mn-lt"/>
-                <a:ea typeface="+mn-ea"/>
-                <a:cs typeface="+mn-cs"/>
-              </a:rPr>
-              <a:t>我们根据</a:t>
-            </a:r>
-            <a:r>
-              <a:rPr lang="x-none" altLang="zh-CN" sz="1200" kern="1200" dirty="0">
-                <a:solidFill>
-                  <a:schemeClr val="tx1"/>
-                </a:solidFill>
-                <a:effectLst/>
-                <a:latin typeface="+mn-lt"/>
-                <a:ea typeface="+mn-ea"/>
-                <a:cs typeface="+mn-cs"/>
-              </a:rPr>
-              <a:t>bug</a:t>
-            </a:r>
-            <a:r>
-              <a:rPr lang="zh-CN" altLang="zh-CN" sz="1200" kern="1200" dirty="0">
-                <a:solidFill>
-                  <a:schemeClr val="tx1"/>
-                </a:solidFill>
-                <a:effectLst/>
-                <a:latin typeface="+mn-lt"/>
-                <a:ea typeface="+mn-ea"/>
-                <a:cs typeface="+mn-cs"/>
-              </a:rPr>
-              <a:t>的类型不同，依据</a:t>
-            </a:r>
-            <a:r>
-              <a:rPr lang="zh-CN" altLang="en-US" sz="1200" kern="1200" dirty="0">
-                <a:solidFill>
-                  <a:schemeClr val="tx1"/>
-                </a:solidFill>
-                <a:effectLst/>
-                <a:latin typeface="+mn-lt"/>
-                <a:ea typeface="+mn-ea"/>
-                <a:cs typeface="+mn-cs"/>
-              </a:rPr>
-              <a:t>已有的分类标准，</a:t>
-            </a:r>
-            <a:r>
-              <a:rPr lang="zh-CN" altLang="zh-CN" sz="1200" kern="1200" dirty="0">
-                <a:solidFill>
-                  <a:schemeClr val="tx1"/>
-                </a:solidFill>
-                <a:effectLst/>
-                <a:latin typeface="+mn-lt"/>
-                <a:ea typeface="+mn-ea"/>
-                <a:cs typeface="+mn-cs"/>
-              </a:rPr>
-              <a:t>将数据进行了分类。</a:t>
-            </a:r>
-            <a:endParaRPr lang="en-US" altLang="zh-CN" sz="1200" kern="1200" dirty="0">
-              <a:solidFill>
-                <a:schemeClr val="tx1"/>
-              </a:solidFill>
-              <a:effectLst/>
-              <a:latin typeface="+mn-lt"/>
-              <a:ea typeface="+mn-ea"/>
-              <a:cs typeface="+mn-cs"/>
-            </a:endParaRPr>
-          </a:p>
-          <a:p>
-            <a:r>
-              <a:rPr lang="zh-CN" altLang="en-US" sz="1200" kern="1200" dirty="0">
-                <a:solidFill>
-                  <a:schemeClr val="tx1"/>
-                </a:solidFill>
-                <a:effectLst/>
-                <a:latin typeface="+mn-lt"/>
-                <a:ea typeface="+mn-ea"/>
-                <a:cs typeface="+mn-cs"/>
-              </a:rPr>
-              <a:t>我们测试集中各类</a:t>
-            </a:r>
-            <a:r>
-              <a:rPr lang="en-US" altLang="zh-CN" sz="1200" kern="1200" dirty="0">
-                <a:solidFill>
-                  <a:schemeClr val="tx1"/>
-                </a:solidFill>
-                <a:effectLst/>
-                <a:latin typeface="+mn-lt"/>
-                <a:ea typeface="+mn-ea"/>
-                <a:cs typeface="+mn-cs"/>
-              </a:rPr>
-              <a:t>bug</a:t>
-            </a:r>
-            <a:r>
-              <a:rPr lang="zh-CN" altLang="en-US" sz="1200" kern="1200" dirty="0">
-                <a:solidFill>
-                  <a:schemeClr val="tx1"/>
-                </a:solidFill>
-                <a:effectLst/>
-                <a:latin typeface="+mn-lt"/>
-                <a:ea typeface="+mn-ea"/>
-                <a:cs typeface="+mn-cs"/>
-              </a:rPr>
-              <a:t>的占比和一些主流测试集中的占比是类似的。</a:t>
-            </a:r>
-            <a:endParaRPr lang="en-US" altLang="zh-CN" sz="1200" kern="1200" dirty="0">
-              <a:solidFill>
-                <a:schemeClr val="tx1"/>
-              </a:solidFill>
-              <a:effectLst/>
-              <a:latin typeface="+mn-lt"/>
-              <a:ea typeface="+mn-ea"/>
-              <a:cs typeface="+mn-cs"/>
-            </a:endParaRPr>
-          </a:p>
-          <a:p>
-            <a:r>
-              <a:rPr lang="zh-CN" altLang="en-US" sz="1200" kern="1200" dirty="0">
-                <a:solidFill>
-                  <a:schemeClr val="tx1"/>
-                </a:solidFill>
-                <a:effectLst/>
-                <a:latin typeface="+mn-lt"/>
-                <a:ea typeface="+mn-ea"/>
-                <a:cs typeface="+mn-cs"/>
-              </a:rPr>
-              <a:t>这些都体现了</a:t>
-            </a:r>
-            <a:r>
-              <a:rPr lang="zh-CN" altLang="zh-CN" sz="1200" kern="1200" dirty="0">
-                <a:solidFill>
-                  <a:schemeClr val="tx1"/>
-                </a:solidFill>
-                <a:effectLst/>
-                <a:latin typeface="+mn-lt"/>
-                <a:ea typeface="+mn-ea"/>
-                <a:cs typeface="+mn-cs"/>
-              </a:rPr>
-              <a:t>测试集数据的多样性</a:t>
-            </a:r>
-            <a:r>
-              <a:rPr lang="zh-CN" altLang="en-US" sz="1200" kern="1200" dirty="0">
-                <a:solidFill>
-                  <a:schemeClr val="tx1"/>
-                </a:solidFill>
-                <a:effectLst/>
-                <a:latin typeface="+mn-lt"/>
-                <a:ea typeface="+mn-ea"/>
-                <a:cs typeface="+mn-cs"/>
-              </a:rPr>
-              <a:t>。（半）</a:t>
-            </a:r>
-            <a:endParaRPr lang="zh-CN" altLang="en-US" dirty="0"/>
+              <a:t>在第三部分中，我们将通过</a:t>
+            </a:r>
+            <a:r>
+              <a:rPr lang="en-US" altLang="zh-CN" dirty="0"/>
+              <a:t>empirical study,</a:t>
+            </a:r>
+            <a:r>
+              <a:rPr lang="zh-CN" altLang="en-US" dirty="0"/>
+              <a:t>说明我们测试集的优势。</a:t>
+            </a:r>
+            <a:endParaRPr lang="en-US" altLang="zh-CN" dirty="0"/>
           </a:p>
         </p:txBody>
       </p:sp>
@@ -23342,6 +22942,587 @@
           <a:lstStyle/>
           <a:p>
             <a:r>
+              <a:rPr lang="zh-CN" altLang="en-US" sz="1200" kern="1200" dirty="0">
+                <a:solidFill>
+                  <a:schemeClr val="tx1"/>
+                </a:solidFill>
+                <a:effectLst/>
+                <a:latin typeface="+mn-lt"/>
+                <a:ea typeface="+mn-ea"/>
+                <a:cs typeface="+mn-cs"/>
+              </a:rPr>
+              <a:t>首先我们</a:t>
+            </a:r>
+            <a:r>
+              <a:rPr lang="zh-CN" altLang="en-US" dirty="0"/>
+              <a:t>分析了数据集中数据的特征。</a:t>
+            </a:r>
+            <a:endParaRPr lang="en-US" altLang="zh-CN" sz="1200" kern="1200" dirty="0">
+              <a:solidFill>
+                <a:schemeClr val="tx1"/>
+              </a:solidFill>
+              <a:effectLst/>
+              <a:latin typeface="+mn-lt"/>
+              <a:ea typeface="+mn-ea"/>
+              <a:cs typeface="+mn-cs"/>
+            </a:endParaRPr>
+          </a:p>
+          <a:p>
+            <a:r>
+              <a:rPr lang="zh-CN" altLang="en-US" sz="1200" kern="1200" dirty="0">
+                <a:solidFill>
+                  <a:schemeClr val="tx1"/>
+                </a:solidFill>
+                <a:effectLst/>
+                <a:latin typeface="+mn-lt"/>
+                <a:ea typeface="+mn-ea"/>
+                <a:cs typeface="+mn-cs"/>
+              </a:rPr>
+              <a:t>上图是为测试集提供较多数据的项目细节信息。我们发现，</a:t>
+            </a:r>
+            <a:r>
+              <a:rPr lang="zh-CN" altLang="zh-CN" sz="1200" kern="1200" dirty="0">
+                <a:solidFill>
+                  <a:schemeClr val="tx1"/>
+                </a:solidFill>
+                <a:effectLst/>
+                <a:latin typeface="+mn-lt"/>
+                <a:ea typeface="+mn-ea"/>
+                <a:cs typeface="+mn-cs"/>
+              </a:rPr>
+              <a:t>数据集中的</a:t>
+            </a:r>
+            <a:r>
+              <a:rPr lang="x-none" altLang="zh-CN" sz="1200" kern="1200" dirty="0">
+                <a:solidFill>
+                  <a:schemeClr val="tx1"/>
+                </a:solidFill>
+                <a:effectLst/>
+                <a:latin typeface="+mn-lt"/>
+                <a:ea typeface="+mn-ea"/>
+                <a:cs typeface="+mn-cs"/>
+              </a:rPr>
+              <a:t>33</a:t>
+            </a:r>
+            <a:r>
+              <a:rPr lang="zh-CN" altLang="zh-CN" sz="1200" kern="1200" dirty="0">
+                <a:solidFill>
+                  <a:schemeClr val="tx1"/>
+                </a:solidFill>
+                <a:effectLst/>
+                <a:latin typeface="+mn-lt"/>
+                <a:ea typeface="+mn-ea"/>
+                <a:cs typeface="+mn-cs"/>
+              </a:rPr>
+              <a:t>个项目在</a:t>
+            </a:r>
+            <a:r>
+              <a:rPr lang="zh-CN" altLang="zh-CN" sz="1200" b="1" kern="1200" dirty="0">
+                <a:solidFill>
+                  <a:schemeClr val="tx1"/>
+                </a:solidFill>
+                <a:effectLst/>
+                <a:latin typeface="+mn-lt"/>
+                <a:ea typeface="+mn-ea"/>
+                <a:cs typeface="+mn-cs"/>
+              </a:rPr>
+              <a:t>类型</a:t>
+            </a:r>
+            <a:r>
+              <a:rPr lang="zh-CN" altLang="zh-CN" sz="1200" kern="1200" dirty="0">
+                <a:solidFill>
+                  <a:schemeClr val="tx1"/>
+                </a:solidFill>
+                <a:effectLst/>
+                <a:latin typeface="+mn-lt"/>
+                <a:ea typeface="+mn-ea"/>
+                <a:cs typeface="+mn-cs"/>
+              </a:rPr>
+              <a:t>和</a:t>
+            </a:r>
+            <a:r>
+              <a:rPr lang="zh-CN" altLang="zh-CN" sz="1200" b="1" kern="1200" dirty="0">
+                <a:solidFill>
+                  <a:schemeClr val="tx1"/>
+                </a:solidFill>
+                <a:effectLst/>
+                <a:latin typeface="+mn-lt"/>
+                <a:ea typeface="+mn-ea"/>
+                <a:cs typeface="+mn-cs"/>
+              </a:rPr>
+              <a:t>规模</a:t>
+            </a:r>
+            <a:r>
+              <a:rPr lang="zh-CN" altLang="zh-CN" sz="1200" kern="1200" dirty="0">
+                <a:solidFill>
+                  <a:schemeClr val="tx1"/>
+                </a:solidFill>
+                <a:effectLst/>
+                <a:latin typeface="+mn-lt"/>
+                <a:ea typeface="+mn-ea"/>
+                <a:cs typeface="+mn-cs"/>
+              </a:rPr>
+              <a:t>方面各不相同。</a:t>
+            </a:r>
+            <a:endParaRPr lang="en-US" altLang="zh-CN" sz="1200" kern="1200" dirty="0">
+              <a:solidFill>
+                <a:schemeClr val="tx1"/>
+              </a:solidFill>
+              <a:effectLst/>
+              <a:latin typeface="+mn-lt"/>
+              <a:ea typeface="+mn-ea"/>
+              <a:cs typeface="+mn-cs"/>
+            </a:endParaRPr>
+          </a:p>
+          <a:p>
+            <a:r>
+              <a:rPr lang="zh-CN" altLang="en-US" sz="1200" kern="1200" dirty="0">
+                <a:solidFill>
+                  <a:schemeClr val="tx1"/>
+                </a:solidFill>
+                <a:effectLst/>
+                <a:latin typeface="+mn-lt"/>
+                <a:ea typeface="+mn-ea"/>
+                <a:cs typeface="+mn-cs"/>
+              </a:rPr>
+              <a:t>（</a:t>
+            </a:r>
+            <a:r>
+              <a:rPr lang="zh-CN" altLang="zh-CN" sz="1200" kern="1200" dirty="0">
+                <a:solidFill>
+                  <a:schemeClr val="tx1"/>
+                </a:solidFill>
+                <a:effectLst/>
+                <a:latin typeface="+mn-lt"/>
+                <a:ea typeface="+mn-ea"/>
+                <a:cs typeface="+mn-cs"/>
+              </a:rPr>
+              <a:t>这些项目</a:t>
+            </a:r>
+            <a:r>
+              <a:rPr lang="zh-CN" altLang="en-US" sz="1200" kern="1200" dirty="0">
+                <a:solidFill>
+                  <a:schemeClr val="tx1"/>
+                </a:solidFill>
+                <a:effectLst/>
+                <a:latin typeface="+mn-lt"/>
+                <a:ea typeface="+mn-ea"/>
+                <a:cs typeface="+mn-cs"/>
+              </a:rPr>
+              <a:t>来自</a:t>
+            </a:r>
+            <a:r>
+              <a:rPr lang="x-none" altLang="zh-CN" sz="1200" kern="1200" dirty="0">
+                <a:solidFill>
+                  <a:schemeClr val="tx1"/>
+                </a:solidFill>
+                <a:effectLst/>
+                <a:latin typeface="+mn-lt"/>
+                <a:ea typeface="+mn-ea"/>
+                <a:cs typeface="+mn-cs"/>
+              </a:rPr>
+              <a:t>JDBC</a:t>
+            </a:r>
+            <a:r>
+              <a:rPr lang="zh-CN" altLang="zh-CN" sz="1200" kern="1200" dirty="0">
+                <a:solidFill>
+                  <a:schemeClr val="tx1"/>
+                </a:solidFill>
+                <a:effectLst/>
+                <a:latin typeface="+mn-lt"/>
+                <a:ea typeface="+mn-ea"/>
+                <a:cs typeface="+mn-cs"/>
+              </a:rPr>
+              <a:t>连接池、</a:t>
+            </a:r>
+            <a:r>
+              <a:rPr lang="x-none" altLang="zh-CN" sz="1200" kern="1200" dirty="0">
+                <a:solidFill>
+                  <a:schemeClr val="tx1"/>
+                </a:solidFill>
+                <a:effectLst/>
+                <a:latin typeface="+mn-lt"/>
+                <a:ea typeface="+mn-ea"/>
+                <a:cs typeface="+mn-cs"/>
+              </a:rPr>
+              <a:t>GPS</a:t>
+            </a:r>
+            <a:r>
+              <a:rPr lang="zh-CN" altLang="zh-CN" sz="1200" kern="1200" dirty="0">
+                <a:solidFill>
+                  <a:schemeClr val="tx1"/>
+                </a:solidFill>
+                <a:effectLst/>
+                <a:latin typeface="+mn-lt"/>
+                <a:ea typeface="+mn-ea"/>
+                <a:cs typeface="+mn-cs"/>
+              </a:rPr>
+              <a:t>跟踪系统、处理生物数据的框架、与比特币交易所交互的库等</a:t>
+            </a:r>
+            <a:r>
+              <a:rPr lang="zh-CN" altLang="en-US" sz="1200" kern="1200" dirty="0">
+                <a:solidFill>
+                  <a:schemeClr val="tx1"/>
+                </a:solidFill>
+                <a:effectLst/>
+                <a:latin typeface="+mn-lt"/>
+                <a:ea typeface="+mn-ea"/>
+                <a:cs typeface="+mn-cs"/>
+              </a:rPr>
+              <a:t>领域</a:t>
+            </a:r>
+            <a:r>
+              <a:rPr lang="zh-CN" altLang="zh-CN" sz="1200" kern="1200" dirty="0">
+                <a:solidFill>
+                  <a:schemeClr val="tx1"/>
+                </a:solidFill>
+                <a:effectLst/>
+                <a:latin typeface="+mn-lt"/>
+                <a:ea typeface="+mn-ea"/>
+                <a:cs typeface="+mn-cs"/>
+              </a:rPr>
+              <a:t>。</a:t>
+            </a:r>
+            <a:r>
+              <a:rPr lang="zh-CN" altLang="en-US" sz="1200" kern="1200" dirty="0">
+                <a:solidFill>
+                  <a:schemeClr val="tx1"/>
+                </a:solidFill>
+                <a:effectLst/>
+                <a:latin typeface="+mn-lt"/>
+                <a:ea typeface="+mn-ea"/>
+                <a:cs typeface="+mn-cs"/>
+              </a:rPr>
+              <a:t>）</a:t>
+            </a:r>
+            <a:endParaRPr lang="en-US" altLang="zh-CN" sz="1200" kern="1200" dirty="0">
+              <a:solidFill>
+                <a:schemeClr val="tx1"/>
+              </a:solidFill>
+              <a:effectLst/>
+              <a:latin typeface="+mn-lt"/>
+              <a:ea typeface="+mn-ea"/>
+              <a:cs typeface="+mn-cs"/>
+            </a:endParaRPr>
+          </a:p>
+          <a:p>
+            <a:endParaRPr lang="zh-CN" altLang="en-US" dirty="0"/>
+          </a:p>
+        </p:txBody>
+      </p:sp>
+      <p:sp>
+        <p:nvSpPr>
+          <p:cNvPr id="4" name="灯片编号占位符 3"/>
+          <p:cNvSpPr>
+            <a:spLocks noGrp="1"/>
+          </p:cNvSpPr>
+          <p:nvPr>
+            <p:ph type="sldNum" sz="quarter" idx="10"/>
+          </p:nvPr>
+        </p:nvSpPr>
+        <p:spPr/>
+        <p:txBody>
+          <a:bodyPr/>
+          <a:lstStyle/>
+          <a:p>
+            <a:fld id="{C7E06540-3D4A-4D1B-89C3-AFCFAF39EF4F}" type="slidenum">
+              <a:rPr lang="zh-CN" altLang="en-US" smtClean="0"/>
+              <a:t>34</a:t>
+            </a:fld>
+            <a:endParaRPr lang="zh-CN" altLang="en-US"/>
+          </a:p>
+        </p:txBody>
+      </p:sp>
+    </p:spTree>
+  </p:cSld>
+  <p:clrMapOvr>
+    <a:masterClrMapping/>
+  </p:clrMapOvr>
+</p:notes>
+</file>
+
+<file path=ppt/notesSlides/notesSlide35.xml><?xml version="1.0" encoding="utf-8"?>
+<p:notes xmlns:a="http://schemas.openxmlformats.org/drawingml/2006/main" xmlns:r="http://schemas.openxmlformats.org/officeDocument/2006/relationships" xmlns:p="http://schemas.openxmlformats.org/presentationml/2006/main">
+  <p:cSld>
+    <p:spTree>
+      <p:nvGrpSpPr>
+        <p:cNvPr id="1" name=""/>
+        <p:cNvGrpSpPr/>
+        <p:nvPr/>
+      </p:nvGrpSpPr>
+      <p:grpSpPr>
+        <a:xfrm>
+          <a:off x="0" y="0"/>
+          <a:ext cx="0" cy="0"/>
+          <a:chOff x="0" y="0"/>
+          <a:chExt cx="0" cy="0"/>
+        </a:xfrm>
+      </p:grpSpPr>
+      <p:sp>
+        <p:nvSpPr>
+          <p:cNvPr id="2" name="幻灯片图像占位符 1"/>
+          <p:cNvSpPr>
+            <a:spLocks noGrp="1" noRot="1" noChangeAspect="1"/>
+          </p:cNvSpPr>
+          <p:nvPr>
+            <p:ph type="sldImg"/>
+          </p:nvPr>
+        </p:nvSpPr>
+        <p:spPr/>
+      </p:sp>
+      <p:sp>
+        <p:nvSpPr>
+          <p:cNvPr id="3" name="备注占位符 2"/>
+          <p:cNvSpPr>
+            <a:spLocks noGrp="1"/>
+          </p:cNvSpPr>
+          <p:nvPr>
+            <p:ph type="body" idx="1"/>
+          </p:nvPr>
+        </p:nvSpPr>
+        <p:spPr/>
+        <p:txBody>
+          <a:bodyPr/>
+          <a:lstStyle/>
+          <a:p>
+            <a:r>
+              <a:rPr lang="zh-CN" altLang="en-US" dirty="0"/>
+              <a:t>此外，</a:t>
+            </a:r>
+            <a:r>
+              <a:rPr lang="zh-CN" altLang="zh-CN" sz="1200" kern="1200" dirty="0">
+                <a:solidFill>
+                  <a:schemeClr val="tx1"/>
+                </a:solidFill>
+                <a:effectLst/>
+                <a:latin typeface="+mn-lt"/>
+                <a:ea typeface="+mn-ea"/>
+                <a:cs typeface="+mn-cs"/>
+              </a:rPr>
+              <a:t>我们根据</a:t>
+            </a:r>
+            <a:r>
+              <a:rPr lang="x-none" altLang="zh-CN" sz="1200" kern="1200" dirty="0">
+                <a:solidFill>
+                  <a:schemeClr val="tx1"/>
+                </a:solidFill>
+                <a:effectLst/>
+                <a:latin typeface="+mn-lt"/>
+                <a:ea typeface="+mn-ea"/>
+                <a:cs typeface="+mn-cs"/>
+              </a:rPr>
+              <a:t>bug</a:t>
+            </a:r>
+            <a:r>
+              <a:rPr lang="zh-CN" altLang="zh-CN" sz="1200" kern="1200" dirty="0">
+                <a:solidFill>
+                  <a:schemeClr val="tx1"/>
+                </a:solidFill>
+                <a:effectLst/>
+                <a:latin typeface="+mn-lt"/>
+                <a:ea typeface="+mn-ea"/>
+                <a:cs typeface="+mn-cs"/>
+              </a:rPr>
+              <a:t>的类型不同，依据</a:t>
+            </a:r>
+            <a:r>
+              <a:rPr lang="zh-CN" altLang="en-US" sz="1200" kern="1200" dirty="0">
+                <a:solidFill>
+                  <a:schemeClr val="tx1"/>
+                </a:solidFill>
+                <a:effectLst/>
+                <a:latin typeface="+mn-lt"/>
+                <a:ea typeface="+mn-ea"/>
+                <a:cs typeface="+mn-cs"/>
+              </a:rPr>
+              <a:t>已有的分类标准，</a:t>
+            </a:r>
+            <a:r>
+              <a:rPr lang="zh-CN" altLang="zh-CN" sz="1200" kern="1200" dirty="0">
+                <a:solidFill>
+                  <a:schemeClr val="tx1"/>
+                </a:solidFill>
+                <a:effectLst/>
+                <a:latin typeface="+mn-lt"/>
+                <a:ea typeface="+mn-ea"/>
+                <a:cs typeface="+mn-cs"/>
+              </a:rPr>
+              <a:t>将数据进行了分类。</a:t>
+            </a:r>
+            <a:endParaRPr lang="en-US" altLang="zh-CN" sz="1200" kern="1200" dirty="0">
+              <a:solidFill>
+                <a:schemeClr val="tx1"/>
+              </a:solidFill>
+              <a:effectLst/>
+              <a:latin typeface="+mn-lt"/>
+              <a:ea typeface="+mn-ea"/>
+              <a:cs typeface="+mn-cs"/>
+            </a:endParaRPr>
+          </a:p>
+          <a:p>
+            <a:r>
+              <a:rPr lang="zh-CN" altLang="en-US" sz="1200" kern="1200" dirty="0">
+                <a:solidFill>
+                  <a:schemeClr val="tx1"/>
+                </a:solidFill>
+                <a:effectLst/>
+                <a:latin typeface="+mn-lt"/>
+                <a:ea typeface="+mn-ea"/>
+                <a:cs typeface="+mn-cs"/>
+              </a:rPr>
+              <a:t>我们测试集中各类</a:t>
+            </a:r>
+            <a:r>
+              <a:rPr lang="en-US" altLang="zh-CN" sz="1200" kern="1200" dirty="0">
+                <a:solidFill>
+                  <a:schemeClr val="tx1"/>
+                </a:solidFill>
+                <a:effectLst/>
+                <a:latin typeface="+mn-lt"/>
+                <a:ea typeface="+mn-ea"/>
+                <a:cs typeface="+mn-cs"/>
+              </a:rPr>
+              <a:t>bug</a:t>
+            </a:r>
+            <a:r>
+              <a:rPr lang="zh-CN" altLang="en-US" sz="1200" kern="1200" dirty="0">
+                <a:solidFill>
+                  <a:schemeClr val="tx1"/>
+                </a:solidFill>
+                <a:effectLst/>
+                <a:latin typeface="+mn-lt"/>
+                <a:ea typeface="+mn-ea"/>
+                <a:cs typeface="+mn-cs"/>
+              </a:rPr>
+              <a:t>的占比和一些主流测试集中的占比是类似的。</a:t>
+            </a:r>
+            <a:endParaRPr lang="en-US" altLang="zh-CN" sz="1200" kern="1200" dirty="0">
+              <a:solidFill>
+                <a:schemeClr val="tx1"/>
+              </a:solidFill>
+              <a:effectLst/>
+              <a:latin typeface="+mn-lt"/>
+              <a:ea typeface="+mn-ea"/>
+              <a:cs typeface="+mn-cs"/>
+            </a:endParaRPr>
+          </a:p>
+          <a:p>
+            <a:r>
+              <a:rPr lang="zh-CN" altLang="en-US" sz="1200" kern="1200" dirty="0">
+                <a:solidFill>
+                  <a:schemeClr val="tx1"/>
+                </a:solidFill>
+                <a:effectLst/>
+                <a:latin typeface="+mn-lt"/>
+                <a:ea typeface="+mn-ea"/>
+                <a:cs typeface="+mn-cs"/>
+              </a:rPr>
+              <a:t>这些都体现了</a:t>
+            </a:r>
+            <a:r>
+              <a:rPr lang="zh-CN" altLang="zh-CN" sz="1200" kern="1200" dirty="0">
+                <a:solidFill>
+                  <a:schemeClr val="tx1"/>
+                </a:solidFill>
+                <a:effectLst/>
+                <a:latin typeface="+mn-lt"/>
+                <a:ea typeface="+mn-ea"/>
+                <a:cs typeface="+mn-cs"/>
+              </a:rPr>
+              <a:t>测试集数据的多样性</a:t>
+            </a:r>
+            <a:r>
+              <a:rPr lang="zh-CN" altLang="en-US" sz="1200" kern="1200" dirty="0">
+                <a:solidFill>
+                  <a:schemeClr val="tx1"/>
+                </a:solidFill>
+                <a:effectLst/>
+                <a:latin typeface="+mn-lt"/>
+                <a:ea typeface="+mn-ea"/>
+                <a:cs typeface="+mn-cs"/>
+              </a:rPr>
+              <a:t>。（半）</a:t>
+            </a:r>
+            <a:endParaRPr lang="zh-CN" altLang="en-US" dirty="0"/>
+          </a:p>
+        </p:txBody>
+      </p:sp>
+      <p:sp>
+        <p:nvSpPr>
+          <p:cNvPr id="4" name="灯片编号占位符 3"/>
+          <p:cNvSpPr>
+            <a:spLocks noGrp="1"/>
+          </p:cNvSpPr>
+          <p:nvPr>
+            <p:ph type="sldNum" sz="quarter" idx="10"/>
+          </p:nvPr>
+        </p:nvSpPr>
+        <p:spPr/>
+        <p:txBody>
+          <a:bodyPr/>
+          <a:lstStyle/>
+          <a:p>
+            <a:fld id="{C7E06540-3D4A-4D1B-89C3-AFCFAF39EF4F}" type="slidenum">
+              <a:rPr lang="zh-CN" altLang="en-US" smtClean="0"/>
+              <a:t>35</a:t>
+            </a:fld>
+            <a:endParaRPr lang="zh-CN" altLang="en-US"/>
+          </a:p>
+        </p:txBody>
+      </p:sp>
+    </p:spTree>
+  </p:cSld>
+  <p:clrMapOvr>
+    <a:masterClrMapping/>
+  </p:clrMapOvr>
+</p:notes>
+</file>
+
+<file path=ppt/notesSlides/notesSlide36.xml><?xml version="1.0" encoding="utf-8"?>
+<p:notes xmlns:a="http://schemas.openxmlformats.org/drawingml/2006/main" xmlns:r="http://schemas.openxmlformats.org/officeDocument/2006/relationships" xmlns:p="http://schemas.openxmlformats.org/presentationml/2006/main">
+  <p:cSld>
+    <p:spTree>
+      <p:nvGrpSpPr>
+        <p:cNvPr id="1" name=""/>
+        <p:cNvGrpSpPr/>
+        <p:nvPr/>
+      </p:nvGrpSpPr>
+      <p:grpSpPr>
+        <a:xfrm>
+          <a:off x="0" y="0"/>
+          <a:ext cx="0" cy="0"/>
+          <a:chOff x="0" y="0"/>
+          <a:chExt cx="0" cy="0"/>
+        </a:xfrm>
+      </p:grpSpPr>
+      <p:sp>
+        <p:nvSpPr>
+          <p:cNvPr id="2" name="幻灯片图像占位符 1"/>
+          <p:cNvSpPr>
+            <a:spLocks noGrp="1" noRot="1" noChangeAspect="1"/>
+          </p:cNvSpPr>
+          <p:nvPr>
+            <p:ph type="sldImg"/>
+          </p:nvPr>
+        </p:nvSpPr>
+        <p:spPr/>
+      </p:sp>
+      <p:sp>
+        <p:nvSpPr>
+          <p:cNvPr id="3" name="备注占位符 2"/>
+          <p:cNvSpPr>
+            <a:spLocks noGrp="1"/>
+          </p:cNvSpPr>
+          <p:nvPr>
+            <p:ph type="body" idx="1"/>
+          </p:nvPr>
+        </p:nvSpPr>
+        <p:spPr/>
+        <p:txBody>
+          <a:bodyPr/>
+          <a:lstStyle/>
+          <a:p>
+            <a:r>
               <a:rPr lang="zh-CN" altLang="en-US" dirty="0"/>
               <a:t>之后，我们将其与目前主流的测试集</a:t>
             </a:r>
@@ -24053,7 +24234,7 @@
           <a:p>
             <a:fld id="{C7E06540-3D4A-4D1B-89C3-AFCFAF39EF4F}" type="slidenum">
               <a:rPr lang="zh-CN" altLang="en-US" smtClean="0"/>
-              <a:t>34</a:t>
+              <a:t>36</a:t>
             </a:fld>
             <a:endParaRPr lang="zh-CN" altLang="en-US"/>
           </a:p>
@@ -24067,7 +24248,7 @@
 </p:notes>
 </file>
 
-<file path=ppt/notesSlides/notesSlide35.xml><?xml version="1.0" encoding="utf-8"?>
+<file path=ppt/notesSlides/notesSlide37.xml><?xml version="1.0" encoding="utf-8"?>
 <p:notes xmlns:a="http://schemas.openxmlformats.org/drawingml/2006/main" xmlns:r="http://schemas.openxmlformats.org/officeDocument/2006/relationships" xmlns:p="http://schemas.openxmlformats.org/presentationml/2006/main">
   <p:cSld>
     <p:spTree>
@@ -24156,7 +24337,7 @@
           <a:p>
             <a:fld id="{C7E06540-3D4A-4D1B-89C3-AFCFAF39EF4F}" type="slidenum">
               <a:rPr lang="zh-CN" altLang="en-US" smtClean="0"/>
-              <a:t>35</a:t>
+              <a:t>37</a:t>
             </a:fld>
             <a:endParaRPr lang="zh-CN" altLang="en-US"/>
           </a:p>
@@ -24170,7 +24351,7 @@
 </p:notes>
 </file>
 
-<file path=ppt/notesSlides/notesSlide36.xml><?xml version="1.0" encoding="utf-8"?>
+<file path=ppt/notesSlides/notesSlide38.xml><?xml version="1.0" encoding="utf-8"?>
 <p:notes xmlns:a="http://schemas.openxmlformats.org/drawingml/2006/main" xmlns:r="http://schemas.openxmlformats.org/officeDocument/2006/relationships" xmlns:p="http://schemas.openxmlformats.org/presentationml/2006/main">
   <p:cSld>
     <p:spTree>
@@ -24214,6 +24395,90 @@
           <a:bodyPr/>
           <a:lstStyle/>
           <a:p>
+            <a:endParaRPr lang="zh-CN" altLang="en-US" dirty="0"/>
+          </a:p>
+        </p:txBody>
+      </p:sp>
+      <p:sp>
+        <p:nvSpPr>
+          <p:cNvPr id="4" name="灯片编号占位符 3"/>
+          <p:cNvSpPr>
+            <a:spLocks noGrp="1"/>
+          </p:cNvSpPr>
+          <p:nvPr>
+            <p:ph type="sldNum" sz="quarter" idx="5"/>
+          </p:nvPr>
+        </p:nvSpPr>
+        <p:spPr/>
+        <p:txBody>
+          <a:bodyPr/>
+          <a:lstStyle/>
+          <a:p>
+            <a:fld id="{C7E06540-3D4A-4D1B-89C3-AFCFAF39EF4F}" type="slidenum">
+              <a:rPr lang="zh-CN" altLang="en-US" smtClean="0"/>
+              <a:t>38</a:t>
+            </a:fld>
+            <a:endParaRPr lang="zh-CN" altLang="en-US"/>
+          </a:p>
+        </p:txBody>
+      </p:sp>
+    </p:spTree>
+    <p:extLst>
+      <p:ext uri="{BB962C8B-B14F-4D97-AF65-F5344CB8AC3E}">
+        <p14:creationId xmlns:p14="http://schemas.microsoft.com/office/powerpoint/2010/main" val="1895745482"/>
+      </p:ext>
+    </p:extLst>
+  </p:cSld>
+  <p:clrMapOvr>
+    <a:masterClrMapping/>
+  </p:clrMapOvr>
+</p:notes>
+</file>
+
+<file path=ppt/notesSlides/notesSlide39.xml><?xml version="1.0" encoding="utf-8"?>
+<p:notes xmlns:a="http://schemas.openxmlformats.org/drawingml/2006/main" xmlns:r="http://schemas.openxmlformats.org/officeDocument/2006/relationships" xmlns:p="http://schemas.openxmlformats.org/presentationml/2006/main">
+  <p:cSld>
+    <p:spTree>
+      <p:nvGrpSpPr>
+        <p:cNvPr id="1" name=""/>
+        <p:cNvGrpSpPr/>
+        <p:nvPr/>
+      </p:nvGrpSpPr>
+      <p:grpSpPr>
+        <a:xfrm>
+          <a:off x="0" y="0"/>
+          <a:ext cx="0" cy="0"/>
+          <a:chOff x="0" y="0"/>
+          <a:chExt cx="0" cy="0"/>
+        </a:xfrm>
+      </p:grpSpPr>
+      <p:sp>
+        <p:nvSpPr>
+          <p:cNvPr id="2" name="幻灯片图像占位符 1"/>
+          <p:cNvSpPr>
+            <a:spLocks noGrp="1" noRot="1" noChangeAspect="1"/>
+          </p:cNvSpPr>
+          <p:nvPr>
+            <p:ph type="sldImg"/>
+          </p:nvPr>
+        </p:nvSpPr>
+        <p:spPr/>
+      </p:sp>
+      <p:sp>
+        <p:nvSpPr>
+          <p:cNvPr id="3" name="备注占位符 2"/>
+          <p:cNvSpPr>
+            <a:spLocks noGrp="1"/>
+          </p:cNvSpPr>
+          <p:nvPr>
+            <p:ph type="body" idx="1"/>
+          </p:nvPr>
+        </p:nvSpPr>
+        <p:spPr/>
+        <p:txBody>
+          <a:bodyPr/>
+          <a:lstStyle/>
+          <a:p>
             <a:r>
               <a:rPr lang="zh-CN" altLang="en-US" dirty="0"/>
               <a:t>我的展示结束了，谢谢大家！（半）</a:t>
@@ -24238,7 +24503,7 @@
           <a:p>
             <a:fld id="{C7E06540-3D4A-4D1B-89C3-AFCFAF39EF4F}" type="slidenum">
               <a:rPr lang="zh-CN" altLang="en-US" smtClean="0"/>
-              <a:t>37</a:t>
+              <a:t>39</a:t>
             </a:fld>
             <a:endParaRPr lang="zh-CN" altLang="en-US"/>
           </a:p>
@@ -32233,7 +32498,7 @@
         </p:blipFill>
         <p:spPr>
           <a:xfrm>
-            <a:off x="6440715" y="3808630"/>
+            <a:off x="5601544" y="3808630"/>
             <a:ext cx="1795696" cy="1548681"/>
           </a:xfrm>
           <a:prstGeom prst="rect">
@@ -32249,7 +32514,7 @@
         </p:nvGrpSpPr>
         <p:grpSpPr>
           <a:xfrm>
-            <a:off x="9062599" y="4417422"/>
+            <a:off x="7785592" y="4044287"/>
             <a:ext cx="127524" cy="161494"/>
             <a:chOff x="860980" y="3583766"/>
             <a:chExt cx="100336" cy="114060"/>
@@ -32780,7 +33045,7 @@
         </p:nvSpPr>
         <p:spPr bwMode="auto">
           <a:xfrm>
-            <a:off x="8955394" y="3858228"/>
+            <a:off x="8538943" y="3640037"/>
             <a:ext cx="2011045" cy="337185"/>
           </a:xfrm>
           <a:prstGeom prst="rect">
@@ -32942,8 +33207,8 @@
         </p:nvSpPr>
         <p:spPr bwMode="auto">
           <a:xfrm>
-            <a:off x="9301339" y="4069215"/>
-            <a:ext cx="1476686" cy="584775"/>
+            <a:off x="7649675" y="4125033"/>
+            <a:ext cx="1431263" cy="1077218"/>
           </a:xfrm>
           <a:prstGeom prst="rect">
             <a:avLst/>
@@ -32983,7 +33248,7 @@
           </a:extLst>
         </p:spPr>
         <p:txBody>
-          <a:bodyPr wrap="none">
+          <a:bodyPr wrap="square">
             <a:spAutoFit/>
           </a:bodyPr>
           <a:lstStyle>
@@ -33091,7 +33356,22 @@
           <a:p>
             <a:r>
               <a:rPr lang="zh-CN" altLang="en-US" sz="1600" b="1" dirty="0"/>
-              <a:t>李骏（组长） </a:t>
+              <a:t>李骏（组长）</a:t>
+            </a:r>
+            <a:endParaRPr lang="en-US" altLang="zh-CN" sz="1600" b="1" dirty="0"/>
+          </a:p>
+          <a:p>
+            <a:r>
+              <a:rPr lang="zh-CN" altLang="en-US" sz="1600" b="1" dirty="0"/>
+              <a:t>论文</a:t>
+            </a:r>
+            <a:r>
+              <a:rPr lang="en-US" altLang="zh-CN" sz="1600" b="1" dirty="0"/>
+              <a:t>/</a:t>
+            </a:r>
+            <a:r>
+              <a:rPr lang="zh-CN" altLang="en-US" sz="1600" b="1" dirty="0"/>
+              <a:t>资料查找 </a:t>
             </a:r>
             <a:endParaRPr lang="en-US" altLang="zh-CN" sz="1600" b="1" dirty="0"/>
           </a:p>
@@ -33105,8 +33385,8 @@
         </p:nvSpPr>
         <p:spPr>
           <a:xfrm>
-            <a:off x="8744697" y="4805154"/>
-            <a:ext cx="2269769" cy="338554"/>
+            <a:off x="8485973" y="4371254"/>
+            <a:ext cx="2269769" cy="584775"/>
           </a:xfrm>
           <a:prstGeom prst="rect">
             <a:avLst/>
@@ -33216,8 +33496,21 @@
             <a:pPr algn="ctr"/>
             <a:r>
               <a:rPr lang="zh-CN" altLang="en-US" sz="1600" b="1" dirty="0"/>
-              <a:t>组员：林豪 周南</a:t>
-            </a:r>
+              <a:t>林豪</a:t>
+            </a:r>
+            <a:endParaRPr lang="en-US" altLang="zh-CN" sz="1600" b="1" dirty="0"/>
+          </a:p>
+          <a:p>
+            <a:pPr algn="ctr"/>
+            <a:r>
+              <a:rPr lang="en-US" altLang="zh-CN" sz="1600" b="1" dirty="0"/>
+              <a:t>PPT</a:t>
+            </a:r>
+            <a:r>
+              <a:rPr lang="zh-CN" altLang="en-US" sz="1600" b="1" dirty="0"/>
+              <a:t>制作</a:t>
+            </a:r>
+            <a:endParaRPr lang="en-US" altLang="zh-CN" sz="1600" b="1" dirty="0"/>
           </a:p>
         </p:txBody>
       </p:sp>
@@ -33249,6 +33542,143 @@
               <a:t>翻转课堂</a:t>
             </a:r>
             <a:endParaRPr lang="zh-CN" altLang="zh-CN" sz="3200" dirty="0"/>
+          </a:p>
+        </p:txBody>
+      </p:sp>
+      <p:sp>
+        <p:nvSpPr>
+          <p:cNvPr id="16" name="TextBox 82"/>
+          <p:cNvSpPr txBox="1"/>
+          <p:nvPr/>
+        </p:nvSpPr>
+        <p:spPr>
+          <a:xfrm>
+            <a:off x="9706331" y="4371254"/>
+            <a:ext cx="2269769" cy="584775"/>
+          </a:xfrm>
+          <a:prstGeom prst="rect">
+            <a:avLst/>
+          </a:prstGeom>
+          <a:noFill/>
+        </p:spPr>
+        <p:txBody>
+          <a:bodyPr wrap="square" rtlCol="0">
+            <a:spAutoFit/>
+          </a:bodyPr>
+          <a:lstStyle>
+            <a:defPPr>
+              <a:defRPr lang="zh-CN"/>
+            </a:defPPr>
+            <a:lvl1pPr marL="0" algn="l" defTabSz="914400" rtl="0" eaLnBrk="1" latinLnBrk="0" hangingPunct="1">
+              <a:defRPr sz="1800" kern="1200">
+                <a:solidFill>
+                  <a:schemeClr val="tx1"/>
+                </a:solidFill>
+                <a:latin typeface="+mn-lt"/>
+                <a:ea typeface="+mn-ea"/>
+                <a:cs typeface="+mn-cs"/>
+              </a:defRPr>
+            </a:lvl1pPr>
+            <a:lvl2pPr marL="457200" algn="l" defTabSz="914400" rtl="0" eaLnBrk="1" latinLnBrk="0" hangingPunct="1">
+              <a:defRPr sz="1800" kern="1200">
+                <a:solidFill>
+                  <a:schemeClr val="tx1"/>
+                </a:solidFill>
+                <a:latin typeface="+mn-lt"/>
+                <a:ea typeface="+mn-ea"/>
+                <a:cs typeface="+mn-cs"/>
+              </a:defRPr>
+            </a:lvl2pPr>
+            <a:lvl3pPr marL="914400" algn="l" defTabSz="914400" rtl="0" eaLnBrk="1" latinLnBrk="0" hangingPunct="1">
+              <a:defRPr sz="1800" kern="1200">
+                <a:solidFill>
+                  <a:schemeClr val="tx1"/>
+                </a:solidFill>
+                <a:latin typeface="+mn-lt"/>
+                <a:ea typeface="+mn-ea"/>
+                <a:cs typeface="+mn-cs"/>
+              </a:defRPr>
+            </a:lvl3pPr>
+            <a:lvl4pPr marL="1371600" algn="l" defTabSz="914400" rtl="0" eaLnBrk="1" latinLnBrk="0" hangingPunct="1">
+              <a:defRPr sz="1800" kern="1200">
+                <a:solidFill>
+                  <a:schemeClr val="tx1"/>
+                </a:solidFill>
+                <a:latin typeface="+mn-lt"/>
+                <a:ea typeface="+mn-ea"/>
+                <a:cs typeface="+mn-cs"/>
+              </a:defRPr>
+            </a:lvl4pPr>
+            <a:lvl5pPr marL="1828800" algn="l" defTabSz="914400" rtl="0" eaLnBrk="1" latinLnBrk="0" hangingPunct="1">
+              <a:defRPr sz="1800" kern="1200">
+                <a:solidFill>
+                  <a:schemeClr val="tx1"/>
+                </a:solidFill>
+                <a:latin typeface="+mn-lt"/>
+                <a:ea typeface="+mn-ea"/>
+                <a:cs typeface="+mn-cs"/>
+              </a:defRPr>
+            </a:lvl5pPr>
+            <a:lvl6pPr marL="2286000" algn="l" defTabSz="914400" rtl="0" eaLnBrk="1" latinLnBrk="0" hangingPunct="1">
+              <a:defRPr sz="1800" kern="1200">
+                <a:solidFill>
+                  <a:schemeClr val="tx1"/>
+                </a:solidFill>
+                <a:latin typeface="+mn-lt"/>
+                <a:ea typeface="+mn-ea"/>
+                <a:cs typeface="+mn-cs"/>
+              </a:defRPr>
+            </a:lvl6pPr>
+            <a:lvl7pPr marL="2743200" algn="l" defTabSz="914400" rtl="0" eaLnBrk="1" latinLnBrk="0" hangingPunct="1">
+              <a:defRPr sz="1800" kern="1200">
+                <a:solidFill>
+                  <a:schemeClr val="tx1"/>
+                </a:solidFill>
+                <a:latin typeface="+mn-lt"/>
+                <a:ea typeface="+mn-ea"/>
+                <a:cs typeface="+mn-cs"/>
+              </a:defRPr>
+            </a:lvl7pPr>
+            <a:lvl8pPr marL="3200400" algn="l" defTabSz="914400" rtl="0" eaLnBrk="1" latinLnBrk="0" hangingPunct="1">
+              <a:defRPr sz="1800" kern="1200">
+                <a:solidFill>
+                  <a:schemeClr val="tx1"/>
+                </a:solidFill>
+                <a:latin typeface="+mn-lt"/>
+                <a:ea typeface="+mn-ea"/>
+                <a:cs typeface="+mn-cs"/>
+              </a:defRPr>
+            </a:lvl8pPr>
+            <a:lvl9pPr marL="3657600" algn="l" defTabSz="914400" rtl="0" eaLnBrk="1" latinLnBrk="0" hangingPunct="1">
+              <a:defRPr sz="1800" kern="1200">
+                <a:solidFill>
+                  <a:schemeClr val="tx1"/>
+                </a:solidFill>
+                <a:latin typeface="+mn-lt"/>
+                <a:ea typeface="+mn-ea"/>
+                <a:cs typeface="+mn-cs"/>
+              </a:defRPr>
+            </a:lvl9pPr>
+          </a:lstStyle>
+          <a:p>
+            <a:pPr algn="ctr"/>
+            <a:r>
+              <a:rPr lang="zh-CN" altLang="en-US" sz="1600" b="1" dirty="0"/>
+              <a:t>周南</a:t>
+            </a:r>
+            <a:endParaRPr lang="en-US" altLang="zh-CN" sz="1600" b="1" dirty="0"/>
+          </a:p>
+          <a:p>
+            <a:pPr algn="ctr"/>
+            <a:r>
+              <a:rPr lang="en-US" altLang="zh-CN" sz="1600" b="1" dirty="0"/>
+              <a:t>PPT</a:t>
+            </a:r>
+            <a:r>
+              <a:rPr lang="zh-CN" altLang="en-US" sz="1600" b="1" dirty="0"/>
+              <a:t>讲解</a:t>
+            </a:r>
+            <a:endParaRPr lang="en-US" altLang="zh-CN" sz="1600" b="1" dirty="0"/>
           </a:p>
         </p:txBody>
       </p:sp>
@@ -35672,18 +36102,9 @@
   <p:clrMapOvr>
     <a:masterClrMapping/>
   </p:clrMapOvr>
-  <mc:AlternateContent xmlns:mc="http://schemas.openxmlformats.org/markup-compatibility/2006" xmlns:p15="http://schemas.microsoft.com/office/powerpoint/2012/main">
-    <mc:Choice Requires="p15">
-      <p:transition xmlns:p14="http://schemas.microsoft.com/office/powerpoint/2010/main" spd="slow" p14:dur="1250">
-        <p15:prstTrans prst="peelOff"/>
-      </p:transition>
-    </mc:Choice>
-    <mc:Fallback xmlns="">
-      <p:transition spd="slow">
-        <p:fade/>
-      </p:transition>
-    </mc:Fallback>
-  </mc:AlternateContent>
+  <p:transition spd="slow">
+    <p:fade/>
+  </p:transition>
 </p:sld>
 </file>
 
@@ -38897,18 +39318,9 @@
   <p:clrMapOvr>
     <a:masterClrMapping/>
   </p:clrMapOvr>
-  <mc:AlternateContent xmlns:mc="http://schemas.openxmlformats.org/markup-compatibility/2006" xmlns:p15="http://schemas.microsoft.com/office/powerpoint/2012/main">
-    <mc:Choice Requires="p15">
-      <p:transition xmlns:p14="http://schemas.microsoft.com/office/powerpoint/2010/main" spd="slow" p14:dur="1250">
-        <p15:prstTrans prst="peelOff"/>
-      </p:transition>
-    </mc:Choice>
-    <mc:Fallback xmlns="">
-      <p:transition spd="slow">
-        <p:fade/>
-      </p:transition>
-    </mc:Fallback>
-  </mc:AlternateContent>
+  <p:transition spd="slow">
+    <p:fade/>
+  </p:transition>
 </p:sld>
 </file>
 
@@ -44000,18 +44412,9 @@
   <p:clrMapOvr>
     <a:masterClrMapping/>
   </p:clrMapOvr>
-  <mc:AlternateContent xmlns:mc="http://schemas.openxmlformats.org/markup-compatibility/2006" xmlns:p15="http://schemas.microsoft.com/office/powerpoint/2012/main">
-    <mc:Choice Requires="p15">
-      <p:transition xmlns:p14="http://schemas.microsoft.com/office/powerpoint/2010/main" spd="slow" p14:dur="1250">
-        <p15:prstTrans prst="peelOff"/>
-      </p:transition>
-    </mc:Choice>
-    <mc:Fallback xmlns="">
-      <p:transition spd="slow">
-        <p:fade/>
-      </p:transition>
-    </mc:Fallback>
-  </mc:AlternateContent>
+  <p:transition spd="slow">
+    <p:fade/>
+  </p:transition>
 </p:sld>
 </file>
 
@@ -44729,6 +45132,483 @@
 </file>
 
 <file path=ppt/slides/slide31.xml><?xml version="1.0" encoding="utf-8"?>
+<p:sld xmlns:a="http://schemas.openxmlformats.org/drawingml/2006/main" xmlns:r="http://schemas.openxmlformats.org/officeDocument/2006/relationships" xmlns:p="http://schemas.openxmlformats.org/presentationml/2006/main">
+  <p:cSld>
+    <p:spTree>
+      <p:nvGrpSpPr>
+        <p:cNvPr id="1" name=""/>
+        <p:cNvGrpSpPr/>
+        <p:nvPr/>
+      </p:nvGrpSpPr>
+      <p:grpSpPr>
+        <a:xfrm>
+          <a:off x="0" y="0"/>
+          <a:ext cx="0" cy="0"/>
+          <a:chOff x="0" y="0"/>
+          <a:chExt cx="0" cy="0"/>
+        </a:xfrm>
+      </p:grpSpPr>
+      <p:sp>
+        <p:nvSpPr>
+          <p:cNvPr id="7" name="文本框 6"/>
+          <p:cNvSpPr txBox="1"/>
+          <p:nvPr/>
+        </p:nvSpPr>
+        <p:spPr>
+          <a:xfrm>
+            <a:off x="703166" y="1655182"/>
+            <a:ext cx="10786613" cy="2800767"/>
+          </a:xfrm>
+          <a:prstGeom prst="rect">
+            <a:avLst/>
+          </a:prstGeom>
+          <a:noFill/>
+        </p:spPr>
+        <p:txBody>
+          <a:bodyPr wrap="square" rtlCol="0">
+            <a:spAutoFit/>
+          </a:bodyPr>
+          <a:lstStyle/>
+          <a:p>
+            <a:pPr algn="ctr"/>
+            <a:endParaRPr lang="zh-CN" altLang="en-US" sz="4000" b="1" dirty="0">
+              <a:solidFill>
+                <a:srgbClr val="CC3300"/>
+              </a:solidFill>
+              <a:latin typeface="Times New Roman" panose="02020603050405020304" pitchFamily="18" charset="0"/>
+            </a:endParaRPr>
+          </a:p>
+          <a:p>
+            <a:pPr algn="ctr"/>
+            <a:r>
+              <a:rPr lang="zh-CN" altLang="en-US" sz="4000" b="1" dirty="0">
+                <a:solidFill>
+                  <a:srgbClr val="CC3300"/>
+                </a:solidFill>
+                <a:latin typeface="Times New Roman" panose="02020603050405020304" pitchFamily="18" charset="0"/>
+              </a:rPr>
+              <a:t>提问</a:t>
+            </a:r>
+            <a:endParaRPr lang="zh-CN" altLang="en-US" sz="2400" b="1" dirty="0">
+              <a:solidFill>
+                <a:srgbClr val="CC3300"/>
+              </a:solidFill>
+              <a:latin typeface="Times New Roman" panose="02020603050405020304" pitchFamily="18" charset="0"/>
+            </a:endParaRPr>
+          </a:p>
+          <a:p>
+            <a:pPr algn="ctr"/>
+            <a:endParaRPr lang="zh-CN" altLang="en-US" sz="2400" b="1" dirty="0">
+              <a:solidFill>
+                <a:srgbClr val="CC3300"/>
+              </a:solidFill>
+              <a:latin typeface="Times New Roman" panose="02020603050405020304" pitchFamily="18" charset="0"/>
+            </a:endParaRPr>
+          </a:p>
+          <a:p>
+            <a:pPr algn="ctr"/>
+            <a:r>
+              <a:rPr lang="zh-CN" altLang="en-US" sz="2400" b="1" dirty="0">
+                <a:solidFill>
+                  <a:srgbClr val="CC3300"/>
+                </a:solidFill>
+                <a:latin typeface="Times New Roman" panose="02020603050405020304" pitchFamily="18" charset="0"/>
+                <a:sym typeface="+mn-ea"/>
+              </a:rPr>
+              <a:t>刚才所述的测试集构建方法的三个主要步骤是什么？</a:t>
+            </a:r>
+            <a:endParaRPr lang="zh-CN" altLang="en-US" sz="2400" b="1" dirty="0">
+              <a:solidFill>
+                <a:srgbClr val="CC3300"/>
+              </a:solidFill>
+              <a:latin typeface="Times New Roman" panose="02020603050405020304" pitchFamily="18" charset="0"/>
+            </a:endParaRPr>
+          </a:p>
+          <a:p>
+            <a:pPr algn="ctr"/>
+            <a:endParaRPr lang="zh-CN" altLang="en-US" sz="2400" b="1" dirty="0">
+              <a:solidFill>
+                <a:srgbClr val="CC3300"/>
+              </a:solidFill>
+              <a:latin typeface="Times New Roman" panose="02020603050405020304" pitchFamily="18" charset="0"/>
+            </a:endParaRPr>
+          </a:p>
+          <a:p>
+            <a:endParaRPr lang="zh-CN" altLang="en-US" sz="2400" b="1" dirty="0">
+              <a:solidFill>
+                <a:srgbClr val="CC3300"/>
+              </a:solidFill>
+              <a:latin typeface="Times New Roman" panose="02020603050405020304" pitchFamily="18" charset="0"/>
+            </a:endParaRPr>
+          </a:p>
+        </p:txBody>
+      </p:sp>
+      <p:sp>
+        <p:nvSpPr>
+          <p:cNvPr id="8" name="文本框 22"/>
+          <p:cNvSpPr txBox="1"/>
+          <p:nvPr/>
+        </p:nvSpPr>
+        <p:spPr>
+          <a:xfrm>
+            <a:off x="785794" y="402923"/>
+            <a:ext cx="1785956" cy="707886"/>
+          </a:xfrm>
+          <a:prstGeom prst="rect">
+            <a:avLst/>
+          </a:prstGeom>
+          <a:noFill/>
+        </p:spPr>
+        <p:txBody>
+          <a:bodyPr wrap="square" rtlCol="0">
+            <a:spAutoFit/>
+          </a:bodyPr>
+          <a:lstStyle/>
+          <a:p>
+            <a:r>
+              <a:rPr lang="en-US" altLang="zh-CN" sz="4000" b="1" u="sng" dirty="0">
+                <a:solidFill>
+                  <a:srgbClr val="1A9895"/>
+                </a:solidFill>
+              </a:rPr>
+              <a:t>02-2</a:t>
+            </a:r>
+            <a:endParaRPr lang="zh-CN" altLang="en-US" sz="4000" u="sng" dirty="0">
+              <a:solidFill>
+                <a:srgbClr val="1A9895"/>
+              </a:solidFill>
+            </a:endParaRPr>
+          </a:p>
+        </p:txBody>
+      </p:sp>
+      <p:sp>
+        <p:nvSpPr>
+          <p:cNvPr id="11" name="矩形 10"/>
+          <p:cNvSpPr/>
+          <p:nvPr/>
+        </p:nvSpPr>
+        <p:spPr>
+          <a:xfrm>
+            <a:off x="2092925" y="433700"/>
+            <a:ext cx="2192867" cy="707886"/>
+          </a:xfrm>
+          <a:prstGeom prst="rect">
+            <a:avLst/>
+          </a:prstGeom>
+        </p:spPr>
+        <p:txBody>
+          <a:bodyPr wrap="square">
+            <a:spAutoFit/>
+          </a:bodyPr>
+          <a:lstStyle/>
+          <a:p>
+            <a:r>
+              <a:rPr lang="en-US" altLang="zh-CN" sz="2000" dirty="0"/>
+              <a:t>Part Two</a:t>
+            </a:r>
+          </a:p>
+          <a:p>
+            <a:r>
+              <a:rPr lang="zh-CN" altLang="en-US" sz="2000" dirty="0"/>
+              <a:t>测试集构建</a:t>
+            </a:r>
+          </a:p>
+        </p:txBody>
+      </p:sp>
+    </p:spTree>
+    <p:extLst>
+      <p:ext uri="{BB962C8B-B14F-4D97-AF65-F5344CB8AC3E}">
+        <p14:creationId xmlns:p14="http://schemas.microsoft.com/office/powerpoint/2010/main" val="1336219278"/>
+      </p:ext>
+    </p:extLst>
+  </p:cSld>
+  <p:clrMapOvr>
+    <a:masterClrMapping/>
+  </p:clrMapOvr>
+  <mc:AlternateContent xmlns:mc="http://schemas.openxmlformats.org/markup-compatibility/2006" xmlns:p14="http://schemas.microsoft.com/office/powerpoint/2010/main">
+    <mc:Choice Requires="p14">
+      <p:transition spd="med" p14:dur="700">
+        <p:fade/>
+      </p:transition>
+    </mc:Choice>
+    <mc:Fallback xmlns="">
+      <p:transition spd="med">
+        <p:fade/>
+      </p:transition>
+    </mc:Fallback>
+  </mc:AlternateContent>
+</p:sld>
+</file>
+
+<file path=ppt/slides/slide32.xml><?xml version="1.0" encoding="utf-8"?>
+<p:sld xmlns:a="http://schemas.openxmlformats.org/drawingml/2006/main" xmlns:r="http://schemas.openxmlformats.org/officeDocument/2006/relationships" xmlns:p="http://schemas.openxmlformats.org/presentationml/2006/main">
+  <p:cSld>
+    <p:spTree>
+      <p:nvGrpSpPr>
+        <p:cNvPr id="1" name=""/>
+        <p:cNvGrpSpPr/>
+        <p:nvPr/>
+      </p:nvGrpSpPr>
+      <p:grpSpPr>
+        <a:xfrm>
+          <a:off x="0" y="0"/>
+          <a:ext cx="0" cy="0"/>
+          <a:chOff x="0" y="0"/>
+          <a:chExt cx="0" cy="0"/>
+        </a:xfrm>
+      </p:grpSpPr>
+      <p:sp>
+        <p:nvSpPr>
+          <p:cNvPr id="7" name="文本框 6"/>
+          <p:cNvSpPr txBox="1"/>
+          <p:nvPr/>
+        </p:nvSpPr>
+        <p:spPr>
+          <a:xfrm>
+            <a:off x="703166" y="1655182"/>
+            <a:ext cx="10786613" cy="3662541"/>
+          </a:xfrm>
+          <a:prstGeom prst="rect">
+            <a:avLst/>
+          </a:prstGeom>
+          <a:noFill/>
+        </p:spPr>
+        <p:txBody>
+          <a:bodyPr wrap="square" rtlCol="0">
+            <a:spAutoFit/>
+          </a:bodyPr>
+          <a:lstStyle/>
+          <a:p>
+            <a:pPr algn="ctr"/>
+            <a:endParaRPr lang="zh-CN" altLang="en-US" sz="4000" b="1" dirty="0">
+              <a:solidFill>
+                <a:srgbClr val="CC3300"/>
+              </a:solidFill>
+              <a:latin typeface="Times New Roman" panose="02020603050405020304" pitchFamily="18" charset="0"/>
+            </a:endParaRPr>
+          </a:p>
+          <a:p>
+            <a:pPr algn="ctr"/>
+            <a:r>
+              <a:rPr lang="zh-CN" altLang="en-US" sz="2400" b="1" dirty="0">
+                <a:solidFill>
+                  <a:srgbClr val="CC3300"/>
+                </a:solidFill>
+                <a:latin typeface="Times New Roman" panose="02020603050405020304" pitchFamily="18" charset="0"/>
+              </a:rPr>
+              <a:t>答案：</a:t>
+            </a:r>
+          </a:p>
+          <a:p>
+            <a:pPr algn="ctr"/>
+            <a:endParaRPr lang="en-US" altLang="zh-CN" sz="2400" b="1" dirty="0">
+              <a:solidFill>
+                <a:srgbClr val="CC3300"/>
+              </a:solidFill>
+              <a:latin typeface="Times New Roman" panose="02020603050405020304" pitchFamily="18" charset="0"/>
+            </a:endParaRPr>
+          </a:p>
+          <a:p>
+            <a:pPr algn="ctr"/>
+            <a:r>
+              <a:rPr lang="en-US" altLang="zh-CN" sz="2400" b="1" dirty="0">
+                <a:solidFill>
+                  <a:srgbClr val="CC3300"/>
+                </a:solidFill>
+                <a:latin typeface="Times New Roman" panose="02020603050405020304" pitchFamily="18" charset="0"/>
+              </a:rPr>
+              <a:t>1..</a:t>
+            </a:r>
+            <a:r>
+              <a:rPr lang="zh-CN" altLang="en-US" sz="2400" b="1" dirty="0">
+                <a:solidFill>
+                  <a:srgbClr val="CC3300"/>
+                </a:solidFill>
+                <a:latin typeface="Times New Roman" panose="02020603050405020304" pitchFamily="18" charset="0"/>
+              </a:rPr>
+              <a:t>项目筛选</a:t>
+            </a:r>
+            <a:endParaRPr lang="en-US" altLang="zh-CN" sz="2400" b="1" dirty="0">
+              <a:solidFill>
+                <a:srgbClr val="CC3300"/>
+              </a:solidFill>
+              <a:latin typeface="Times New Roman" panose="02020603050405020304" pitchFamily="18" charset="0"/>
+            </a:endParaRPr>
+          </a:p>
+          <a:p>
+            <a:pPr algn="ctr"/>
+            <a:endParaRPr lang="en-US" altLang="zh-CN" sz="2400" b="1" dirty="0">
+              <a:solidFill>
+                <a:srgbClr val="CC3300"/>
+              </a:solidFill>
+              <a:latin typeface="Times New Roman" panose="02020603050405020304" pitchFamily="18" charset="0"/>
+            </a:endParaRPr>
+          </a:p>
+          <a:p>
+            <a:pPr algn="ctr"/>
+            <a:r>
+              <a:rPr lang="en-US" altLang="zh-CN" sz="2400" b="1" dirty="0">
+                <a:solidFill>
+                  <a:srgbClr val="CC3300"/>
+                </a:solidFill>
+                <a:latin typeface="Times New Roman" panose="02020603050405020304" pitchFamily="18" charset="0"/>
+              </a:rPr>
+              <a:t>2.BUG</a:t>
+            </a:r>
+            <a:r>
+              <a:rPr lang="zh-CN" altLang="en-US" sz="2400" b="1" dirty="0">
+                <a:solidFill>
+                  <a:srgbClr val="CC3300"/>
+                </a:solidFill>
+                <a:latin typeface="Times New Roman" panose="02020603050405020304" pitchFamily="18" charset="0"/>
+              </a:rPr>
+              <a:t>及修复基准筛选</a:t>
+            </a:r>
+            <a:endParaRPr lang="en-US" altLang="zh-CN" sz="2400" b="1" dirty="0">
+              <a:solidFill>
+                <a:srgbClr val="CC3300"/>
+              </a:solidFill>
+              <a:latin typeface="Times New Roman" panose="02020603050405020304" pitchFamily="18" charset="0"/>
+            </a:endParaRPr>
+          </a:p>
+          <a:p>
+            <a:pPr algn="ctr"/>
+            <a:endParaRPr lang="en-US" altLang="zh-CN" sz="2400" b="1" dirty="0">
+              <a:solidFill>
+                <a:srgbClr val="CC3300"/>
+              </a:solidFill>
+              <a:latin typeface="Times New Roman" panose="02020603050405020304" pitchFamily="18" charset="0"/>
+            </a:endParaRPr>
+          </a:p>
+          <a:p>
+            <a:pPr algn="ctr"/>
+            <a:r>
+              <a:rPr lang="en-US" altLang="zh-CN" sz="2400" b="1" dirty="0">
+                <a:solidFill>
+                  <a:srgbClr val="CC3300"/>
+                </a:solidFill>
+                <a:latin typeface="Times New Roman" panose="02020603050405020304" pitchFamily="18" charset="0"/>
+              </a:rPr>
+              <a:t>3.BUG</a:t>
+            </a:r>
+            <a:r>
+              <a:rPr lang="zh-CN" altLang="en-US" sz="2400" b="1" dirty="0">
+                <a:solidFill>
+                  <a:srgbClr val="CC3300"/>
+                </a:solidFill>
+                <a:latin typeface="Times New Roman" panose="02020603050405020304" pitchFamily="18" charset="0"/>
+              </a:rPr>
+              <a:t>可重复性验证、修复基准正确性验证</a:t>
+            </a:r>
+          </a:p>
+          <a:p>
+            <a:endParaRPr lang="zh-CN" altLang="en-US" sz="2400" b="1" dirty="0">
+              <a:solidFill>
+                <a:srgbClr val="CC3300"/>
+              </a:solidFill>
+              <a:latin typeface="Times New Roman" panose="02020603050405020304" pitchFamily="18" charset="0"/>
+            </a:endParaRPr>
+          </a:p>
+        </p:txBody>
+      </p:sp>
+      <p:sp>
+        <p:nvSpPr>
+          <p:cNvPr id="8" name="文本框 22"/>
+          <p:cNvSpPr txBox="1"/>
+          <p:nvPr/>
+        </p:nvSpPr>
+        <p:spPr>
+          <a:xfrm>
+            <a:off x="785794" y="402923"/>
+            <a:ext cx="1785956" cy="707886"/>
+          </a:xfrm>
+          <a:prstGeom prst="rect">
+            <a:avLst/>
+          </a:prstGeom>
+          <a:noFill/>
+        </p:spPr>
+        <p:txBody>
+          <a:bodyPr wrap="square" rtlCol="0">
+            <a:spAutoFit/>
+          </a:bodyPr>
+          <a:lstStyle/>
+          <a:p>
+            <a:r>
+              <a:rPr lang="en-US" altLang="zh-CN" sz="4000" b="1" u="sng" dirty="0">
+                <a:solidFill>
+                  <a:srgbClr val="1A9895"/>
+                </a:solidFill>
+              </a:rPr>
+              <a:t>02-2</a:t>
+            </a:r>
+            <a:endParaRPr lang="zh-CN" altLang="en-US" sz="4000" u="sng" dirty="0">
+              <a:solidFill>
+                <a:srgbClr val="1A9895"/>
+              </a:solidFill>
+            </a:endParaRPr>
+          </a:p>
+        </p:txBody>
+      </p:sp>
+      <p:sp>
+        <p:nvSpPr>
+          <p:cNvPr id="11" name="矩形 10"/>
+          <p:cNvSpPr/>
+          <p:nvPr/>
+        </p:nvSpPr>
+        <p:spPr>
+          <a:xfrm>
+            <a:off x="2092925" y="433700"/>
+            <a:ext cx="2192867" cy="707886"/>
+          </a:xfrm>
+          <a:prstGeom prst="rect">
+            <a:avLst/>
+          </a:prstGeom>
+        </p:spPr>
+        <p:txBody>
+          <a:bodyPr wrap="square">
+            <a:spAutoFit/>
+          </a:bodyPr>
+          <a:lstStyle/>
+          <a:p>
+            <a:r>
+              <a:rPr lang="en-US" altLang="zh-CN" sz="2000" dirty="0"/>
+              <a:t>Part Two</a:t>
+            </a:r>
+          </a:p>
+          <a:p>
+            <a:r>
+              <a:rPr lang="zh-CN" altLang="en-US" sz="2000" dirty="0"/>
+              <a:t>测试集构建</a:t>
+            </a:r>
+          </a:p>
+        </p:txBody>
+      </p:sp>
+    </p:spTree>
+    <p:extLst>
+      <p:ext uri="{BB962C8B-B14F-4D97-AF65-F5344CB8AC3E}">
+        <p14:creationId xmlns:p14="http://schemas.microsoft.com/office/powerpoint/2010/main" val="1329761800"/>
+      </p:ext>
+    </p:extLst>
+  </p:cSld>
+  <p:clrMapOvr>
+    <a:masterClrMapping/>
+  </p:clrMapOvr>
+  <mc:AlternateContent xmlns:mc="http://schemas.openxmlformats.org/markup-compatibility/2006" xmlns:p14="http://schemas.microsoft.com/office/powerpoint/2010/main">
+    <mc:Choice Requires="p14">
+      <p:transition spd="med" p14:dur="700">
+        <p:fade/>
+      </p:transition>
+    </mc:Choice>
+    <mc:Fallback xmlns="">
+      <p:transition spd="med">
+        <p:fade/>
+      </p:transition>
+    </mc:Fallback>
+  </mc:AlternateContent>
+</p:sld>
+</file>
+
+<file path=ppt/slides/slide33.xml><?xml version="1.0" encoding="utf-8"?>
 <p:sld xmlns:a="http://schemas.openxmlformats.org/drawingml/2006/main" xmlns:r="http://schemas.openxmlformats.org/officeDocument/2006/relationships" xmlns:p="http://schemas.openxmlformats.org/presentationml/2006/main" show="0">
   <p:cSld>
     <p:spTree>
@@ -44879,22 +45759,13 @@
   <p:clrMapOvr>
     <a:masterClrMapping/>
   </p:clrMapOvr>
-  <mc:AlternateContent xmlns:mc="http://schemas.openxmlformats.org/markup-compatibility/2006" xmlns:p15="http://schemas.microsoft.com/office/powerpoint/2012/main">
-    <mc:Choice Requires="p15">
-      <p:transition xmlns:p14="http://schemas.microsoft.com/office/powerpoint/2010/main" spd="slow" p14:dur="1250">
-        <p15:prstTrans prst="peelOff"/>
-      </p:transition>
-    </mc:Choice>
-    <mc:Fallback xmlns="">
-      <p:transition spd="slow">
-        <p:fade/>
-      </p:transition>
-    </mc:Fallback>
-  </mc:AlternateContent>
+  <p:transition spd="slow">
+    <p:fade/>
+  </p:transition>
 </p:sld>
 </file>
 
-<file path=ppt/slides/slide32.xml><?xml version="1.0" encoding="utf-8"?>
+<file path=ppt/slides/slide34.xml><?xml version="1.0" encoding="utf-8"?>
 <p:sld xmlns:a="http://schemas.openxmlformats.org/drawingml/2006/main" xmlns:r="http://schemas.openxmlformats.org/officeDocument/2006/relationships" xmlns:p="http://schemas.openxmlformats.org/presentationml/2006/main">
   <p:cSld>
     <p:spTree>
@@ -47323,7 +48194,7 @@
 </p:sld>
 </file>
 
-<file path=ppt/slides/slide33.xml><?xml version="1.0" encoding="utf-8"?>
+<file path=ppt/slides/slide35.xml><?xml version="1.0" encoding="utf-8"?>
 <p:sld xmlns:a="http://schemas.openxmlformats.org/drawingml/2006/main" xmlns:r="http://schemas.openxmlformats.org/officeDocument/2006/relationships" xmlns:p="http://schemas.openxmlformats.org/presentationml/2006/main">
   <p:cSld>
     <p:spTree>
@@ -47448,7 +48319,7 @@
 </p:sld>
 </file>
 
-<file path=ppt/slides/slide34.xml><?xml version="1.0" encoding="utf-8"?>
+<file path=ppt/slides/slide36.xml><?xml version="1.0" encoding="utf-8"?>
 <p:sld xmlns:a="http://schemas.openxmlformats.org/drawingml/2006/main" xmlns:r="http://schemas.openxmlformats.org/officeDocument/2006/relationships" xmlns:p="http://schemas.openxmlformats.org/presentationml/2006/main">
   <p:cSld>
     <p:spTree>
@@ -48458,7 +49329,7 @@
 </p:sld>
 </file>
 
-<file path=ppt/slides/slide35.xml><?xml version="1.0" encoding="utf-8"?>
+<file path=ppt/slides/slide37.xml><?xml version="1.0" encoding="utf-8"?>
 <p:sld xmlns:a="http://schemas.openxmlformats.org/drawingml/2006/main" xmlns:r="http://schemas.openxmlformats.org/officeDocument/2006/relationships" xmlns:p="http://schemas.openxmlformats.org/presentationml/2006/main">
   <p:cSld>
     <p:spTree>
@@ -48766,7 +49637,7 @@
 </p:sld>
 </file>
 
-<file path=ppt/slides/slide36.xml><?xml version="1.0" encoding="utf-8"?>
+<file path=ppt/slides/slide38.xml><?xml version="1.0" encoding="utf-8"?>
 <p:sld xmlns:a="http://schemas.openxmlformats.org/drawingml/2006/main" xmlns:r="http://schemas.openxmlformats.org/officeDocument/2006/relationships" xmlns:p="http://schemas.openxmlformats.org/presentationml/2006/main">
   <p:cSld>
     <p:spTree>
@@ -48788,7 +49659,7 @@
           <p:cNvPr id="2" name="图片 1">
             <a:extLst>
               <a:ext uri="{FF2B5EF4-FFF2-40B4-BE49-F238E27FC236}">
-                <a16:creationId xmlns:a16="http://schemas.microsoft.com/office/drawing/2014/main" id="{51B29C86-7712-4C7E-9046-4BEDDA6F60CF}"/>
+                <a16:creationId xmlns:a16="http://schemas.microsoft.com/office/drawing/2014/main" id="{EB2C0DFA-AC71-48A5-A755-3C02E0C479DC}"/>
               </a:ext>
             </a:extLst>
           </p:cNvPr>
@@ -48798,15 +49669,15 @@
           <p:nvPr/>
         </p:nvPicPr>
         <p:blipFill>
-          <a:blip r:embed="rId2"/>
+          <a:blip r:embed="rId3"/>
           <a:stretch>
             <a:fillRect/>
           </a:stretch>
         </p:blipFill>
         <p:spPr>
           <a:xfrm>
-            <a:off x="796833" y="1023937"/>
-            <a:ext cx="11157041" cy="4810125"/>
+            <a:off x="783770" y="718694"/>
+            <a:ext cx="9823269" cy="5420611"/>
           </a:xfrm>
           <a:prstGeom prst="rect">
             <a:avLst/>
@@ -48816,7 +49687,7 @@
     </p:spTree>
     <p:extLst>
       <p:ext uri="{BB962C8B-B14F-4D97-AF65-F5344CB8AC3E}">
-        <p14:creationId xmlns:p14="http://schemas.microsoft.com/office/powerpoint/2010/main" val="2995557626"/>
+        <p14:creationId xmlns:p14="http://schemas.microsoft.com/office/powerpoint/2010/main" val="150758421"/>
       </p:ext>
     </p:extLst>
   </p:cSld>
@@ -48826,7 +49697,7 @@
 </p:sld>
 </file>
 
-<file path=ppt/slides/slide37.xml><?xml version="1.0" encoding="utf-8"?>
+<file path=ppt/slides/slide39.xml><?xml version="1.0" encoding="utf-8"?>
 <p:sld xmlns:a="http://schemas.openxmlformats.org/drawingml/2006/main" xmlns:r="http://schemas.openxmlformats.org/officeDocument/2006/relationships" xmlns:p="http://schemas.openxmlformats.org/presentationml/2006/main">
   <p:cSld>
     <p:spTree>
@@ -48916,18 +49787,9 @@
   <p:clrMapOvr>
     <a:masterClrMapping/>
   </p:clrMapOvr>
-  <mc:AlternateContent xmlns:mc="http://schemas.openxmlformats.org/markup-compatibility/2006" xmlns:p15="http://schemas.microsoft.com/office/powerpoint/2012/main">
-    <mc:Choice Requires="p15">
-      <p:transition xmlns:p14="http://schemas.microsoft.com/office/powerpoint/2010/main" spd="slow" p14:dur="1250">
-        <p15:prstTrans prst="peelOff"/>
-      </p:transition>
-    </mc:Choice>
-    <mc:Fallback xmlns="">
-      <p:transition spd="slow">
-        <p:fade/>
-      </p:transition>
-    </mc:Fallback>
-  </mc:AlternateContent>
+  <p:transition spd="slow">
+    <p:fade/>
+  </p:transition>
 </p:sld>
 </file>
 
